--- a/docs/Kubernetes-202006–several aspects.pptx
+++ b/docs/Kubernetes-202006–several aspects.pptx
@@ -5,7 +5,7 @@
     <p:sldMasterId id="2147483660" r:id="rId1"/>
   </p:sldMasterIdLst>
   <p:notesMasterIdLst>
-    <p:notesMasterId r:id="rId32"/>
+    <p:notesMasterId r:id="rId36"/>
   </p:notesMasterIdLst>
   <p:sldIdLst>
     <p:sldId id="256" r:id="rId2"/>
@@ -17,27 +17,31 @@
     <p:sldId id="266" r:id="rId8"/>
     <p:sldId id="278" r:id="rId9"/>
     <p:sldId id="270" r:id="rId10"/>
-    <p:sldId id="271" r:id="rId11"/>
-    <p:sldId id="272" r:id="rId12"/>
-    <p:sldId id="273" r:id="rId13"/>
-    <p:sldId id="279" r:id="rId14"/>
-    <p:sldId id="282" r:id="rId15"/>
-    <p:sldId id="274" r:id="rId16"/>
-    <p:sldId id="275" r:id="rId17"/>
-    <p:sldId id="283" r:id="rId18"/>
-    <p:sldId id="276" r:id="rId19"/>
-    <p:sldId id="259" r:id="rId20"/>
-    <p:sldId id="267" r:id="rId21"/>
-    <p:sldId id="268" r:id="rId22"/>
-    <p:sldId id="260" r:id="rId23"/>
-    <p:sldId id="262" r:id="rId24"/>
-    <p:sldId id="277" r:id="rId25"/>
-    <p:sldId id="265" r:id="rId26"/>
-    <p:sldId id="258" r:id="rId27"/>
-    <p:sldId id="263" r:id="rId28"/>
-    <p:sldId id="269" r:id="rId29"/>
-    <p:sldId id="264" r:id="rId30"/>
-    <p:sldId id="280" r:id="rId31"/>
+    <p:sldId id="287" r:id="rId11"/>
+    <p:sldId id="271" r:id="rId12"/>
+    <p:sldId id="272" r:id="rId13"/>
+    <p:sldId id="273" r:id="rId14"/>
+    <p:sldId id="286" r:id="rId15"/>
+    <p:sldId id="279" r:id="rId16"/>
+    <p:sldId id="282" r:id="rId17"/>
+    <p:sldId id="274" r:id="rId18"/>
+    <p:sldId id="275" r:id="rId19"/>
+    <p:sldId id="283" r:id="rId20"/>
+    <p:sldId id="289" r:id="rId21"/>
+    <p:sldId id="288" r:id="rId22"/>
+    <p:sldId id="276" r:id="rId23"/>
+    <p:sldId id="259" r:id="rId24"/>
+    <p:sldId id="267" r:id="rId25"/>
+    <p:sldId id="268" r:id="rId26"/>
+    <p:sldId id="260" r:id="rId27"/>
+    <p:sldId id="262" r:id="rId28"/>
+    <p:sldId id="277" r:id="rId29"/>
+    <p:sldId id="265" r:id="rId30"/>
+    <p:sldId id="258" r:id="rId31"/>
+    <p:sldId id="263" r:id="rId32"/>
+    <p:sldId id="269" r:id="rId33"/>
+    <p:sldId id="264" r:id="rId34"/>
+    <p:sldId id="280" r:id="rId35"/>
   </p:sldIdLst>
   <p:sldSz cx="12192000" cy="6858000"/>
   <p:notesSz cx="6858000" cy="9144000"/>
@@ -226,7 +230,7 @@
           <a:p>
             <a:fld id="{78003B44-5B15-4DEB-A4F2-911B523F4A01}" type="datetimeFigureOut">
               <a:rPr lang="pl-PL" smtClean="0"/>
-              <a:t>30.05.2020</a:t>
+              <a:t>07.06.2020</a:t>
             </a:fld>
             <a:endParaRPr lang="pl-PL"/>
           </a:p>
@@ -9286,7 +9290,7 @@
           <a:p>
             <a:fld id="{0A282E77-B2A2-4238-840B-3D6157E29FDB}" type="datetimeFigureOut">
               <a:rPr lang="pl-PL" smtClean="0"/>
-              <a:t>30.05.2020</a:t>
+              <a:t>07.06.2020</a:t>
             </a:fld>
             <a:endParaRPr lang="pl-PL"/>
           </a:p>
@@ -9493,7 +9497,7 @@
           <a:p>
             <a:fld id="{0A282E77-B2A2-4238-840B-3D6157E29FDB}" type="datetimeFigureOut">
               <a:rPr lang="pl-PL" smtClean="0"/>
-              <a:t>30.05.2020</a:t>
+              <a:t>07.06.2020</a:t>
             </a:fld>
             <a:endParaRPr lang="pl-PL"/>
           </a:p>
@@ -9673,7 +9677,7 @@
           <a:p>
             <a:fld id="{0A282E77-B2A2-4238-840B-3D6157E29FDB}" type="datetimeFigureOut">
               <a:rPr lang="pl-PL" smtClean="0"/>
-              <a:t>30.05.2020</a:t>
+              <a:t>07.06.2020</a:t>
             </a:fld>
             <a:endParaRPr lang="pl-PL"/>
           </a:p>
@@ -9878,7 +9882,7 @@
           <a:p>
             <a:fld id="{0A282E77-B2A2-4238-840B-3D6157E29FDB}" type="datetimeFigureOut">
               <a:rPr lang="pl-PL" smtClean="0"/>
-              <a:t>30.05.2020</a:t>
+              <a:t>07.06.2020</a:t>
             </a:fld>
             <a:endParaRPr lang="pl-PL"/>
           </a:p>
@@ -18776,7 +18780,7 @@
           <a:p>
             <a:fld id="{0A282E77-B2A2-4238-840B-3D6157E29FDB}" type="datetimeFigureOut">
               <a:rPr lang="pl-PL" smtClean="0"/>
-              <a:t>30.05.2020</a:t>
+              <a:t>07.06.2020</a:t>
             </a:fld>
             <a:endParaRPr lang="pl-PL"/>
           </a:p>
@@ -19050,7 +19054,7 @@
           <a:p>
             <a:fld id="{0A282E77-B2A2-4238-840B-3D6157E29FDB}" type="datetimeFigureOut">
               <a:rPr lang="pl-PL" smtClean="0"/>
-              <a:t>30.05.2020</a:t>
+              <a:t>07.06.2020</a:t>
             </a:fld>
             <a:endParaRPr lang="pl-PL"/>
           </a:p>
@@ -19448,7 +19452,7 @@
           <a:p>
             <a:fld id="{0A282E77-B2A2-4238-840B-3D6157E29FDB}" type="datetimeFigureOut">
               <a:rPr lang="pl-PL" smtClean="0"/>
-              <a:t>30.05.2020</a:t>
+              <a:t>07.06.2020</a:t>
             </a:fld>
             <a:endParaRPr lang="pl-PL"/>
           </a:p>
@@ -19566,7 +19570,7 @@
           <a:p>
             <a:fld id="{0A282E77-B2A2-4238-840B-3D6157E29FDB}" type="datetimeFigureOut">
               <a:rPr lang="pl-PL" smtClean="0"/>
-              <a:t>30.05.2020</a:t>
+              <a:t>07.06.2020</a:t>
             </a:fld>
             <a:endParaRPr lang="pl-PL"/>
           </a:p>
@@ -19661,7 +19665,7 @@
           <a:p>
             <a:fld id="{0A282E77-B2A2-4238-840B-3D6157E29FDB}" type="datetimeFigureOut">
               <a:rPr lang="pl-PL" smtClean="0"/>
-              <a:t>30.05.2020</a:t>
+              <a:t>07.06.2020</a:t>
             </a:fld>
             <a:endParaRPr lang="pl-PL"/>
           </a:p>
@@ -19951,7 +19955,7 @@
           <a:p>
             <a:fld id="{0A282E77-B2A2-4238-840B-3D6157E29FDB}" type="datetimeFigureOut">
               <a:rPr lang="pl-PL" smtClean="0"/>
-              <a:t>30.05.2020</a:t>
+              <a:t>07.06.2020</a:t>
             </a:fld>
             <a:endParaRPr lang="pl-PL"/>
           </a:p>
@@ -20231,7 +20235,7 @@
           <a:p>
             <a:fld id="{0A282E77-B2A2-4238-840B-3D6157E29FDB}" type="datetimeFigureOut">
               <a:rPr lang="pl-PL" smtClean="0"/>
-              <a:t>30.05.2020</a:t>
+              <a:t>07.06.2020</a:t>
             </a:fld>
             <a:endParaRPr lang="pl-PL"/>
           </a:p>
@@ -20481,7 +20485,7 @@
           <a:p>
             <a:fld id="{0A282E77-B2A2-4238-840B-3D6157E29FDB}" type="datetimeFigureOut">
               <a:rPr lang="pl-PL" smtClean="0"/>
-              <a:t>30.05.2020</a:t>
+              <a:t>07.06.2020</a:t>
             </a:fld>
             <a:endParaRPr lang="pl-PL"/>
           </a:p>
@@ -21128,6 +21132,1412 @@
           <p:cNvPr id="2" name="Tytuł 1">
             <a:extLst>
               <a:ext uri="{FF2B5EF4-FFF2-40B4-BE49-F238E27FC236}">
+                <a16:creationId xmlns:a16="http://schemas.microsoft.com/office/drawing/2014/main" id="{8549749A-B5E4-4EC0-A602-AB2958A7C6F8}"/>
+              </a:ext>
+            </a:extLst>
+          </p:cNvPr>
+          <p:cNvSpPr>
+            <a:spLocks noGrp="1"/>
+          </p:cNvSpPr>
+          <p:nvPr>
+            <p:ph type="title"/>
+          </p:nvPr>
+        </p:nvSpPr>
+        <p:spPr/>
+        <p:txBody>
+          <a:bodyPr>
+            <a:normAutofit fontScale="90000"/>
+          </a:bodyPr>
+          <a:lstStyle/>
+          <a:p>
+            <a:r>
+              <a:rPr lang="pl-PL" altLang="pl-PL" sz="5400" b="1" cap="none" dirty="0" err="1">
+                <a:solidFill>
+                  <a:schemeClr val="tx1"/>
+                </a:solidFill>
+                <a:latin typeface="Arial" panose="020B0604020202020204" pitchFamily="34" charset="0"/>
+              </a:rPr>
+              <a:t>Kubernetes</a:t>
+            </a:r>
+            <a:r>
+              <a:rPr lang="pl-PL" altLang="pl-PL" sz="5400" b="1" cap="none" dirty="0">
+                <a:solidFill>
+                  <a:schemeClr val="tx1"/>
+                </a:solidFill>
+                <a:latin typeface="Arial" panose="020B0604020202020204" pitchFamily="34" charset="0"/>
+              </a:rPr>
+              <a:t>- Resource </a:t>
+            </a:r>
+            <a:r>
+              <a:rPr lang="pl-PL" altLang="pl-PL" sz="5400" b="1" cap="none" dirty="0" err="1">
+                <a:solidFill>
+                  <a:schemeClr val="tx1"/>
+                </a:solidFill>
+                <a:latin typeface="Arial" panose="020B0604020202020204" pitchFamily="34" charset="0"/>
+              </a:rPr>
+              <a:t>Configs</a:t>
+            </a:r>
+            <a:br>
+              <a:rPr lang="pl-PL" altLang="pl-PL" sz="5400" b="1" cap="none" dirty="0">
+                <a:solidFill>
+                  <a:schemeClr val="tx1"/>
+                </a:solidFill>
+                <a:latin typeface="Arial" panose="020B0604020202020204" pitchFamily="34" charset="0"/>
+              </a:rPr>
+            </a:br>
+            <a:endParaRPr lang="pl-PL" dirty="0"/>
+          </a:p>
+        </p:txBody>
+      </p:sp>
+      <p:sp>
+        <p:nvSpPr>
+          <p:cNvPr id="4" name="Rectangle 1">
+            <a:extLst>
+              <a:ext uri="{FF2B5EF4-FFF2-40B4-BE49-F238E27FC236}">
+                <a16:creationId xmlns:a16="http://schemas.microsoft.com/office/drawing/2014/main" id="{BB3814C1-AC02-46DC-B523-F7D4FCAF4765}"/>
+              </a:ext>
+            </a:extLst>
+          </p:cNvPr>
+          <p:cNvSpPr>
+            <a:spLocks noGrp="1" noChangeArrowheads="1"/>
+          </p:cNvSpPr>
+          <p:nvPr>
+            <p:ph idx="1"/>
+          </p:nvPr>
+        </p:nvSpPr>
+        <p:spPr bwMode="auto">
+          <a:xfrm>
+            <a:off x="1153437" y="1302194"/>
+            <a:ext cx="9376018" cy="5386090"/>
+          </a:xfrm>
+          <a:prstGeom prst="rect">
+            <a:avLst/>
+          </a:prstGeom>
+          <a:noFill/>
+          <a:ln>
+            <a:noFill/>
+          </a:ln>
+          <a:effectLst/>
+          <a:extLst>
+            <a:ext uri="{909E8E84-426E-40DD-AFC4-6F175D3DCCD1}">
+              <a14:hiddenFill xmlns:a14="http://schemas.microsoft.com/office/drawing/2010/main">
+                <a:solidFill>
+                  <a:schemeClr val="accent1"/>
+                </a:solidFill>
+              </a14:hiddenFill>
+            </a:ext>
+            <a:ext uri="{91240B29-F687-4F45-9708-019B960494DF}">
+              <a14:hiddenLine xmlns:a14="http://schemas.microsoft.com/office/drawing/2010/main" w="9525">
+                <a:solidFill>
+                  <a:schemeClr val="tx1"/>
+                </a:solidFill>
+                <a:miter lim="800000"/>
+                <a:headEnd/>
+                <a:tailEnd/>
+              </a14:hiddenLine>
+            </a:ext>
+            <a:ext uri="{AF507438-7753-43E0-B8FC-AC1667EBCBE1}">
+              <a14:hiddenEffects xmlns:a14="http://schemas.microsoft.com/office/drawing/2010/main">
+                <a:effectLst>
+                  <a:outerShdw dist="35921" dir="2700000" algn="ctr" rotWithShape="0">
+                    <a:schemeClr val="bg2"/>
+                  </a:outerShdw>
+                </a:effectLst>
+              </a14:hiddenEffects>
+            </a:ext>
+          </a:extLst>
+        </p:spPr>
+        <p:txBody>
+          <a:bodyPr vert="horz" wrap="square" lIns="91440" tIns="45720" rIns="91440" bIns="45720" numCol="1" anchor="ctr" anchorCtr="0" compatLnSpc="1">
+            <a:prstTxWarp prst="textNoShape">
+              <a:avLst/>
+            </a:prstTxWarp>
+            <a:spAutoFit/>
+          </a:bodyPr>
+          <a:lstStyle/>
+          <a:p>
+            <a:pPr marL="0" marR="0" lvl="0" indent="0" algn="l" defTabSz="914400" rtl="0" eaLnBrk="0" fontAlgn="base" latinLnBrk="0" hangingPunct="0">
+              <a:lnSpc>
+                <a:spcPct val="100000"/>
+              </a:lnSpc>
+              <a:spcBef>
+                <a:spcPct val="0"/>
+              </a:spcBef>
+              <a:spcAft>
+                <a:spcPct val="0"/>
+              </a:spcAft>
+              <a:buClrTx/>
+              <a:buSzTx/>
+              <a:buFontTx/>
+              <a:buNone/>
+              <a:tabLst/>
+            </a:pPr>
+            <a:r>
+              <a:rPr kumimoji="0" lang="pl-PL" altLang="pl-PL" sz="1800" b="1" i="0" u="none" strike="noStrike" cap="none" normalizeH="0" baseline="0" dirty="0">
+                <a:ln>
+                  <a:noFill/>
+                </a:ln>
+                <a:solidFill>
+                  <a:schemeClr val="tx1"/>
+                </a:solidFill>
+                <a:effectLst/>
+                <a:latin typeface="Arial" panose="020B0604020202020204" pitchFamily="34" charset="0"/>
+              </a:rPr>
+              <a:t>Resource </a:t>
+            </a:r>
+            <a:r>
+              <a:rPr kumimoji="0" lang="pl-PL" altLang="pl-PL" sz="1800" b="1" i="0" u="none" strike="noStrike" cap="none" normalizeH="0" baseline="0" dirty="0" err="1">
+                <a:ln>
+                  <a:noFill/>
+                </a:ln>
+                <a:solidFill>
+                  <a:schemeClr val="tx1"/>
+                </a:solidFill>
+                <a:effectLst/>
+                <a:latin typeface="Arial" panose="020B0604020202020204" pitchFamily="34" charset="0"/>
+              </a:rPr>
+              <a:t>Configs</a:t>
+            </a:r>
+            <a:endParaRPr kumimoji="0" lang="pl-PL" altLang="pl-PL" sz="1800" b="1" i="0" u="none" strike="noStrike" cap="none" normalizeH="0" baseline="0" dirty="0">
+              <a:ln>
+                <a:noFill/>
+              </a:ln>
+              <a:solidFill>
+                <a:schemeClr val="tx1"/>
+              </a:solidFill>
+              <a:effectLst/>
+              <a:latin typeface="Arial" panose="020B0604020202020204" pitchFamily="34" charset="0"/>
+            </a:endParaRPr>
+          </a:p>
+          <a:p>
+            <a:pPr marL="0" marR="0" lvl="0" indent="0" algn="l" defTabSz="914400" rtl="0" eaLnBrk="0" fontAlgn="base" latinLnBrk="0" hangingPunct="0">
+              <a:lnSpc>
+                <a:spcPct val="100000"/>
+              </a:lnSpc>
+              <a:spcBef>
+                <a:spcPct val="0"/>
+              </a:spcBef>
+              <a:spcAft>
+                <a:spcPct val="0"/>
+              </a:spcAft>
+              <a:buClrTx/>
+              <a:buSzTx/>
+              <a:buFontTx/>
+              <a:buNone/>
+              <a:tabLst/>
+            </a:pPr>
+            <a:r>
+              <a:rPr kumimoji="0" lang="pl-PL" altLang="pl-PL" sz="1800" b="0" i="0" u="none" strike="noStrike" cap="none" normalizeH="0" baseline="0" dirty="0" err="1">
+                <a:ln>
+                  <a:noFill/>
+                </a:ln>
+                <a:solidFill>
+                  <a:schemeClr val="tx1"/>
+                </a:solidFill>
+                <a:effectLst/>
+                <a:latin typeface="Arial" panose="020B0604020202020204" pitchFamily="34" charset="0"/>
+              </a:rPr>
+              <a:t>Each</a:t>
+            </a:r>
+            <a:r>
+              <a:rPr kumimoji="0" lang="pl-PL" altLang="pl-PL" sz="1800" b="0" i="0" u="none" strike="noStrike" cap="none" normalizeH="0" baseline="0" dirty="0">
+                <a:ln>
+                  <a:noFill/>
+                </a:ln>
+                <a:solidFill>
+                  <a:schemeClr val="tx1"/>
+                </a:solidFill>
+                <a:effectLst/>
+                <a:latin typeface="Arial" panose="020B0604020202020204" pitchFamily="34" charset="0"/>
+              </a:rPr>
+              <a:t> </a:t>
+            </a:r>
+            <a:r>
+              <a:rPr kumimoji="0" lang="pl-PL" altLang="pl-PL" sz="1800" b="0" i="0" u="none" strike="noStrike" cap="none" normalizeH="0" baseline="0" dirty="0" err="1">
+                <a:ln>
+                  <a:noFill/>
+                </a:ln>
+                <a:solidFill>
+                  <a:schemeClr val="tx1"/>
+                </a:solidFill>
+                <a:effectLst/>
+                <a:latin typeface="Arial" panose="020B0604020202020204" pitchFamily="34" charset="0"/>
+              </a:rPr>
+              <a:t>entity</a:t>
+            </a:r>
+            <a:r>
+              <a:rPr kumimoji="0" lang="pl-PL" altLang="pl-PL" sz="1800" b="0" i="0" u="none" strike="noStrike" cap="none" normalizeH="0" baseline="0" dirty="0">
+                <a:ln>
+                  <a:noFill/>
+                </a:ln>
+                <a:solidFill>
+                  <a:schemeClr val="tx1"/>
+                </a:solidFill>
+                <a:effectLst/>
+                <a:latin typeface="Arial" panose="020B0604020202020204" pitchFamily="34" charset="0"/>
+              </a:rPr>
+              <a:t> </a:t>
+            </a:r>
+            <a:r>
+              <a:rPr kumimoji="0" lang="pl-PL" altLang="pl-PL" sz="1800" b="0" i="0" u="none" strike="noStrike" cap="none" normalizeH="0" baseline="0" dirty="0" err="1">
+                <a:ln>
+                  <a:noFill/>
+                </a:ln>
+                <a:solidFill>
+                  <a:schemeClr val="tx1"/>
+                </a:solidFill>
+                <a:effectLst/>
+                <a:latin typeface="Arial" panose="020B0604020202020204" pitchFamily="34" charset="0"/>
+              </a:rPr>
+              <a:t>created</a:t>
+            </a:r>
+            <a:r>
+              <a:rPr kumimoji="0" lang="pl-PL" altLang="pl-PL" sz="1800" b="0" i="0" u="none" strike="noStrike" cap="none" normalizeH="0" baseline="0" dirty="0">
+                <a:ln>
+                  <a:noFill/>
+                </a:ln>
+                <a:solidFill>
+                  <a:schemeClr val="tx1"/>
+                </a:solidFill>
+                <a:effectLst/>
+                <a:latin typeface="Arial" panose="020B0604020202020204" pitchFamily="34" charset="0"/>
+              </a:rPr>
+              <a:t> with </a:t>
+            </a:r>
+            <a:r>
+              <a:rPr kumimoji="0" lang="pl-PL" altLang="pl-PL" sz="1800" b="0" i="0" u="none" strike="noStrike" cap="none" normalizeH="0" baseline="0" dirty="0" err="1">
+                <a:ln>
+                  <a:noFill/>
+                </a:ln>
+                <a:solidFill>
+                  <a:schemeClr val="tx1"/>
+                </a:solidFill>
+                <a:effectLst/>
+                <a:latin typeface="Arial" panose="020B0604020202020204" pitchFamily="34" charset="0"/>
+              </a:rPr>
+              <a:t>kubernetes</a:t>
+            </a:r>
+            <a:r>
+              <a:rPr kumimoji="0" lang="pl-PL" altLang="pl-PL" sz="1800" b="0" i="0" u="none" strike="noStrike" cap="none" normalizeH="0" baseline="0" dirty="0">
+                <a:ln>
+                  <a:noFill/>
+                </a:ln>
+                <a:solidFill>
+                  <a:schemeClr val="tx1"/>
+                </a:solidFill>
+                <a:effectLst/>
+                <a:latin typeface="Arial" panose="020B0604020202020204" pitchFamily="34" charset="0"/>
+              </a:rPr>
+              <a:t> </a:t>
+            </a:r>
+            <a:r>
+              <a:rPr kumimoji="0" lang="pl-PL" altLang="pl-PL" sz="1800" b="0" i="0" u="none" strike="noStrike" cap="none" normalizeH="0" baseline="0" dirty="0" err="1">
+                <a:ln>
+                  <a:noFill/>
+                </a:ln>
+                <a:solidFill>
+                  <a:schemeClr val="tx1"/>
+                </a:solidFill>
+                <a:effectLst/>
+                <a:latin typeface="Arial" panose="020B0604020202020204" pitchFamily="34" charset="0"/>
+              </a:rPr>
+              <a:t>is</a:t>
+            </a:r>
+            <a:r>
+              <a:rPr kumimoji="0" lang="pl-PL" altLang="pl-PL" sz="1800" b="0" i="0" u="none" strike="noStrike" cap="none" normalizeH="0" baseline="0" dirty="0">
+                <a:ln>
+                  <a:noFill/>
+                </a:ln>
+                <a:solidFill>
+                  <a:schemeClr val="tx1"/>
+                </a:solidFill>
+                <a:effectLst/>
+                <a:latin typeface="Arial" panose="020B0604020202020204" pitchFamily="34" charset="0"/>
+              </a:rPr>
+              <a:t> a </a:t>
+            </a:r>
+            <a:r>
+              <a:rPr kumimoji="0" lang="pl-PL" altLang="pl-PL" sz="1800" b="0" i="0" u="none" strike="noStrike" cap="none" normalizeH="0" baseline="0" dirty="0" err="1">
+                <a:ln>
+                  <a:noFill/>
+                </a:ln>
+                <a:solidFill>
+                  <a:schemeClr val="tx1"/>
+                </a:solidFill>
+                <a:effectLst/>
+                <a:latin typeface="Arial" panose="020B0604020202020204" pitchFamily="34" charset="0"/>
+              </a:rPr>
+              <a:t>resource</a:t>
+            </a:r>
+            <a:r>
+              <a:rPr kumimoji="0" lang="pl-PL" altLang="pl-PL" sz="1800" b="0" i="0" u="none" strike="noStrike" cap="none" normalizeH="0" baseline="0" dirty="0">
+                <a:ln>
+                  <a:noFill/>
+                </a:ln>
+                <a:solidFill>
+                  <a:schemeClr val="tx1"/>
+                </a:solidFill>
+                <a:effectLst/>
+                <a:latin typeface="Arial" panose="020B0604020202020204" pitchFamily="34" charset="0"/>
+              </a:rPr>
+              <a:t> </a:t>
+            </a:r>
+            <a:r>
+              <a:rPr kumimoji="0" lang="pl-PL" altLang="pl-PL" sz="1800" b="0" i="0" u="none" strike="noStrike" cap="none" normalizeH="0" baseline="0" dirty="0" err="1">
+                <a:ln>
+                  <a:noFill/>
+                </a:ln>
+                <a:solidFill>
+                  <a:schemeClr val="tx1"/>
+                </a:solidFill>
+                <a:effectLst/>
+                <a:latin typeface="Arial" panose="020B0604020202020204" pitchFamily="34" charset="0"/>
+              </a:rPr>
+              <a:t>including</a:t>
+            </a:r>
+            <a:r>
+              <a:rPr kumimoji="0" lang="pl-PL" altLang="pl-PL" sz="1800" b="0" i="0" u="none" strike="noStrike" cap="none" normalizeH="0" baseline="0" dirty="0">
+                <a:ln>
+                  <a:noFill/>
+                </a:ln>
+                <a:solidFill>
+                  <a:schemeClr val="tx1"/>
+                </a:solidFill>
+                <a:effectLst/>
+                <a:latin typeface="Arial" panose="020B0604020202020204" pitchFamily="34" charset="0"/>
+              </a:rPr>
+              <a:t> pod, service, </a:t>
+            </a:r>
+            <a:r>
+              <a:rPr kumimoji="0" lang="pl-PL" altLang="pl-PL" sz="1800" b="0" i="0" u="none" strike="noStrike" cap="none" normalizeH="0" baseline="0" dirty="0" err="1">
+                <a:ln>
+                  <a:noFill/>
+                </a:ln>
+                <a:solidFill>
+                  <a:schemeClr val="tx1"/>
+                </a:solidFill>
+                <a:effectLst/>
+                <a:latin typeface="Arial" panose="020B0604020202020204" pitchFamily="34" charset="0"/>
+              </a:rPr>
+              <a:t>deployments</a:t>
+            </a:r>
+            <a:r>
+              <a:rPr kumimoji="0" lang="pl-PL" altLang="pl-PL" sz="1800" b="0" i="0" u="none" strike="noStrike" cap="none" normalizeH="0" baseline="0" dirty="0">
+                <a:ln>
+                  <a:noFill/>
+                </a:ln>
+                <a:solidFill>
+                  <a:schemeClr val="tx1"/>
+                </a:solidFill>
+                <a:effectLst/>
+                <a:latin typeface="Arial" panose="020B0604020202020204" pitchFamily="34" charset="0"/>
+              </a:rPr>
+              <a:t>, </a:t>
+            </a:r>
+            <a:r>
+              <a:rPr kumimoji="0" lang="pl-PL" altLang="pl-PL" sz="1800" b="0" i="0" u="none" strike="noStrike" cap="none" normalizeH="0" baseline="0" dirty="0" err="1">
+                <a:ln>
+                  <a:noFill/>
+                </a:ln>
+                <a:solidFill>
+                  <a:schemeClr val="tx1"/>
+                </a:solidFill>
+                <a:effectLst/>
+                <a:latin typeface="Arial" panose="020B0604020202020204" pitchFamily="34" charset="0"/>
+              </a:rPr>
+              <a:t>replication</a:t>
+            </a:r>
+            <a:r>
+              <a:rPr kumimoji="0" lang="pl-PL" altLang="pl-PL" sz="1800" b="0" i="0" u="none" strike="noStrike" cap="none" normalizeH="0" baseline="0" dirty="0">
+                <a:ln>
+                  <a:noFill/>
+                </a:ln>
+                <a:solidFill>
+                  <a:schemeClr val="tx1"/>
+                </a:solidFill>
+                <a:effectLst/>
+                <a:latin typeface="Arial" panose="020B0604020202020204" pitchFamily="34" charset="0"/>
+              </a:rPr>
+              <a:t> </a:t>
+            </a:r>
+            <a:r>
+              <a:rPr kumimoji="0" lang="pl-PL" altLang="pl-PL" sz="1800" b="0" i="0" u="none" strike="noStrike" cap="none" normalizeH="0" baseline="0" dirty="0" err="1">
+                <a:ln>
+                  <a:noFill/>
+                </a:ln>
+                <a:solidFill>
+                  <a:schemeClr val="tx1"/>
+                </a:solidFill>
+                <a:effectLst/>
+                <a:latin typeface="Arial" panose="020B0604020202020204" pitchFamily="34" charset="0"/>
+              </a:rPr>
+              <a:t>controller</a:t>
+            </a:r>
+            <a:r>
+              <a:rPr kumimoji="0" lang="pl-PL" altLang="pl-PL" sz="1800" b="0" i="0" u="none" strike="noStrike" cap="none" normalizeH="0" baseline="0" dirty="0">
+                <a:ln>
+                  <a:noFill/>
+                </a:ln>
+                <a:solidFill>
+                  <a:schemeClr val="tx1"/>
+                </a:solidFill>
+                <a:effectLst/>
+                <a:latin typeface="Arial" panose="020B0604020202020204" pitchFamily="34" charset="0"/>
+              </a:rPr>
+              <a:t> etc. </a:t>
+            </a:r>
+          </a:p>
+          <a:p>
+            <a:pPr marL="0" marR="0" lvl="0" indent="0" algn="l" defTabSz="914400" rtl="0" eaLnBrk="0" fontAlgn="base" latinLnBrk="0" hangingPunct="0">
+              <a:lnSpc>
+                <a:spcPct val="100000"/>
+              </a:lnSpc>
+              <a:spcBef>
+                <a:spcPct val="0"/>
+              </a:spcBef>
+              <a:spcAft>
+                <a:spcPct val="0"/>
+              </a:spcAft>
+              <a:buClrTx/>
+              <a:buSzTx/>
+              <a:buFontTx/>
+              <a:buNone/>
+              <a:tabLst/>
+            </a:pPr>
+            <a:endParaRPr kumimoji="0" lang="pl-PL" altLang="pl-PL" sz="1800" b="0" i="0" u="none" strike="noStrike" cap="none" normalizeH="0" baseline="0" dirty="0">
+              <a:ln>
+                <a:noFill/>
+              </a:ln>
+              <a:solidFill>
+                <a:schemeClr val="tx1"/>
+              </a:solidFill>
+              <a:effectLst/>
+              <a:latin typeface="Arial" panose="020B0604020202020204" pitchFamily="34" charset="0"/>
+            </a:endParaRPr>
+          </a:p>
+          <a:p>
+            <a:pPr marL="0" marR="0" lvl="0" indent="0" algn="l" defTabSz="914400" rtl="0" eaLnBrk="0" fontAlgn="base" latinLnBrk="0" hangingPunct="0">
+              <a:lnSpc>
+                <a:spcPct val="100000"/>
+              </a:lnSpc>
+              <a:spcBef>
+                <a:spcPct val="0"/>
+              </a:spcBef>
+              <a:spcAft>
+                <a:spcPct val="0"/>
+              </a:spcAft>
+              <a:buClrTx/>
+              <a:buSzTx/>
+              <a:buFontTx/>
+              <a:buNone/>
+              <a:tabLst/>
+            </a:pPr>
+            <a:r>
+              <a:rPr kumimoji="0" lang="pl-PL" altLang="pl-PL" sz="1800" b="0" i="0" u="none" strike="noStrike" cap="none" normalizeH="0" baseline="0" dirty="0" err="1">
+                <a:ln>
+                  <a:noFill/>
+                </a:ln>
+                <a:solidFill>
+                  <a:schemeClr val="tx1"/>
+                </a:solidFill>
+                <a:effectLst/>
+                <a:latin typeface="Arial" panose="020B0604020202020204" pitchFamily="34" charset="0"/>
+              </a:rPr>
+              <a:t>Resources</a:t>
+            </a:r>
+            <a:r>
+              <a:rPr kumimoji="0" lang="pl-PL" altLang="pl-PL" sz="1800" b="0" i="0" u="none" strike="noStrike" cap="none" normalizeH="0" baseline="0" dirty="0">
+                <a:ln>
+                  <a:noFill/>
+                </a:ln>
+                <a:solidFill>
+                  <a:schemeClr val="tx1"/>
+                </a:solidFill>
+                <a:effectLst/>
+                <a:latin typeface="Arial" panose="020B0604020202020204" pitchFamily="34" charset="0"/>
+              </a:rPr>
+              <a:t> </a:t>
+            </a:r>
+            <a:r>
+              <a:rPr kumimoji="0" lang="pl-PL" altLang="pl-PL" sz="1800" b="0" i="0" u="none" strike="noStrike" cap="none" normalizeH="0" baseline="0" dirty="0" err="1">
+                <a:ln>
+                  <a:noFill/>
+                </a:ln>
+                <a:solidFill>
+                  <a:schemeClr val="tx1"/>
+                </a:solidFill>
+                <a:effectLst/>
+                <a:latin typeface="Arial" panose="020B0604020202020204" pitchFamily="34" charset="0"/>
+              </a:rPr>
+              <a:t>can</a:t>
+            </a:r>
+            <a:r>
+              <a:rPr kumimoji="0" lang="pl-PL" altLang="pl-PL" sz="1800" b="0" i="0" u="none" strike="noStrike" cap="none" normalizeH="0" baseline="0" dirty="0">
+                <a:ln>
+                  <a:noFill/>
+                </a:ln>
+                <a:solidFill>
+                  <a:schemeClr val="tx1"/>
+                </a:solidFill>
+                <a:effectLst/>
+                <a:latin typeface="Arial" panose="020B0604020202020204" pitchFamily="34" charset="0"/>
+              </a:rPr>
+              <a:t> be </a:t>
+            </a:r>
+            <a:r>
+              <a:rPr kumimoji="0" lang="pl-PL" altLang="pl-PL" sz="1800" b="0" i="0" u="none" strike="noStrike" cap="none" normalizeH="0" baseline="0" dirty="0" err="1">
+                <a:ln>
+                  <a:noFill/>
+                </a:ln>
+                <a:solidFill>
+                  <a:schemeClr val="tx1"/>
+                </a:solidFill>
+                <a:effectLst/>
+                <a:latin typeface="Arial" panose="020B0604020202020204" pitchFamily="34" charset="0"/>
+              </a:rPr>
+              <a:t>defined</a:t>
+            </a:r>
+            <a:r>
+              <a:rPr kumimoji="0" lang="pl-PL" altLang="pl-PL" sz="1800" b="0" i="0" u="none" strike="noStrike" cap="none" normalizeH="0" baseline="0" dirty="0">
+                <a:ln>
+                  <a:noFill/>
+                </a:ln>
+                <a:solidFill>
+                  <a:schemeClr val="tx1"/>
+                </a:solidFill>
+                <a:effectLst/>
+                <a:latin typeface="Arial" panose="020B0604020202020204" pitchFamily="34" charset="0"/>
+              </a:rPr>
+              <a:t> as YAML </a:t>
+            </a:r>
+            <a:r>
+              <a:rPr kumimoji="0" lang="pl-PL" altLang="pl-PL" sz="1800" b="0" i="0" u="none" strike="noStrike" cap="none" normalizeH="0" baseline="0" dirty="0" err="1">
+                <a:ln>
+                  <a:noFill/>
+                </a:ln>
+                <a:solidFill>
+                  <a:schemeClr val="tx1"/>
+                </a:solidFill>
+                <a:effectLst/>
+                <a:latin typeface="Arial" panose="020B0604020202020204" pitchFamily="34" charset="0"/>
+              </a:rPr>
+              <a:t>or</a:t>
+            </a:r>
+            <a:r>
+              <a:rPr kumimoji="0" lang="pl-PL" altLang="pl-PL" sz="1800" b="0" i="0" u="none" strike="noStrike" cap="none" normalizeH="0" baseline="0" dirty="0">
+                <a:ln>
+                  <a:noFill/>
+                </a:ln>
+                <a:solidFill>
+                  <a:schemeClr val="tx1"/>
+                </a:solidFill>
+                <a:effectLst/>
+                <a:latin typeface="Arial" panose="020B0604020202020204" pitchFamily="34" charset="0"/>
+              </a:rPr>
+              <a:t> JSON. </a:t>
+            </a:r>
+          </a:p>
+          <a:p>
+            <a:pPr marL="0" marR="0" lvl="0" indent="0" algn="l" defTabSz="914400" rtl="0" eaLnBrk="0" fontAlgn="base" latinLnBrk="0" hangingPunct="0">
+              <a:lnSpc>
+                <a:spcPct val="100000"/>
+              </a:lnSpc>
+              <a:spcBef>
+                <a:spcPct val="0"/>
+              </a:spcBef>
+              <a:spcAft>
+                <a:spcPct val="0"/>
+              </a:spcAft>
+              <a:buClrTx/>
+              <a:buSzTx/>
+              <a:buFontTx/>
+              <a:buNone/>
+              <a:tabLst/>
+            </a:pPr>
+            <a:endParaRPr kumimoji="0" lang="pl-PL" altLang="pl-PL" sz="1800" b="0" i="0" u="none" strike="noStrike" cap="none" normalizeH="0" baseline="0" dirty="0">
+              <a:ln>
+                <a:noFill/>
+              </a:ln>
+              <a:solidFill>
+                <a:schemeClr val="tx1"/>
+              </a:solidFill>
+              <a:effectLst/>
+              <a:latin typeface="Arial" panose="020B0604020202020204" pitchFamily="34" charset="0"/>
+            </a:endParaRPr>
+          </a:p>
+          <a:p>
+            <a:pPr marL="0" marR="0" lvl="0" indent="0" algn="l" defTabSz="914400" rtl="0" eaLnBrk="0" fontAlgn="base" latinLnBrk="0" hangingPunct="0">
+              <a:lnSpc>
+                <a:spcPct val="100000"/>
+              </a:lnSpc>
+              <a:spcBef>
+                <a:spcPct val="0"/>
+              </a:spcBef>
+              <a:spcAft>
+                <a:spcPct val="0"/>
+              </a:spcAft>
+              <a:buClrTx/>
+              <a:buSzTx/>
+              <a:buFontTx/>
+              <a:buNone/>
+              <a:tabLst/>
+            </a:pPr>
+            <a:r>
+              <a:rPr kumimoji="0" lang="pl-PL" altLang="pl-PL" sz="1800" b="0" i="0" u="none" strike="noStrike" cap="none" normalizeH="0" baseline="0" dirty="0">
+                <a:ln>
+                  <a:noFill/>
+                </a:ln>
+                <a:solidFill>
+                  <a:schemeClr val="tx1"/>
+                </a:solidFill>
+                <a:effectLst/>
+                <a:latin typeface="Arial" panose="020B0604020202020204" pitchFamily="34" charset="0"/>
+              </a:rPr>
+              <a:t>Here </a:t>
+            </a:r>
+            <a:r>
+              <a:rPr kumimoji="0" lang="pl-PL" altLang="pl-PL" sz="1800" b="0" i="0" u="none" strike="noStrike" cap="none" normalizeH="0" baseline="0" dirty="0" err="1">
+                <a:ln>
+                  <a:noFill/>
+                </a:ln>
+                <a:solidFill>
+                  <a:schemeClr val="tx1"/>
+                </a:solidFill>
+                <a:effectLst/>
+                <a:latin typeface="Arial" panose="020B0604020202020204" pitchFamily="34" charset="0"/>
+              </a:rPr>
+              <a:t>is</a:t>
+            </a:r>
+            <a:r>
+              <a:rPr kumimoji="0" lang="pl-PL" altLang="pl-PL" sz="1800" b="0" i="0" u="none" strike="noStrike" cap="none" normalizeH="0" baseline="0" dirty="0">
+                <a:ln>
+                  <a:noFill/>
+                </a:ln>
+                <a:solidFill>
+                  <a:schemeClr val="tx1"/>
+                </a:solidFill>
+                <a:effectLst/>
+                <a:latin typeface="Arial" panose="020B0604020202020204" pitchFamily="34" charset="0"/>
+              </a:rPr>
+              <a:t> the </a:t>
+            </a:r>
+            <a:r>
+              <a:rPr kumimoji="0" lang="pl-PL" altLang="pl-PL" sz="1800" b="0" i="0" u="none" strike="noStrike" cap="none" normalizeH="0" baseline="0" dirty="0" err="1">
+                <a:ln>
+                  <a:noFill/>
+                </a:ln>
+                <a:solidFill>
+                  <a:schemeClr val="tx1"/>
+                </a:solidFill>
+                <a:effectLst/>
+                <a:latin typeface="Arial" panose="020B0604020202020204" pitchFamily="34" charset="0"/>
+              </a:rPr>
+              <a:t>gerenal</a:t>
+            </a:r>
+            <a:r>
+              <a:rPr kumimoji="0" lang="pl-PL" altLang="pl-PL" sz="1800" b="0" i="0" u="none" strike="noStrike" cap="none" normalizeH="0" baseline="0" dirty="0">
+                <a:ln>
+                  <a:noFill/>
+                </a:ln>
+                <a:solidFill>
+                  <a:schemeClr val="tx1"/>
+                </a:solidFill>
+                <a:effectLst/>
+                <a:latin typeface="Arial" panose="020B0604020202020204" pitchFamily="34" charset="0"/>
+              </a:rPr>
+              <a:t> </a:t>
+            </a:r>
+            <a:r>
+              <a:rPr kumimoji="0" lang="pl-PL" altLang="pl-PL" sz="1800" b="0" i="0" u="none" strike="noStrike" cap="none" normalizeH="0" baseline="0" dirty="0" err="1">
+                <a:ln>
+                  <a:noFill/>
+                </a:ln>
+                <a:solidFill>
+                  <a:schemeClr val="tx1"/>
+                </a:solidFill>
+                <a:effectLst/>
+                <a:latin typeface="Arial" panose="020B0604020202020204" pitchFamily="34" charset="0"/>
+              </a:rPr>
+              <a:t>syntax</a:t>
+            </a:r>
+            <a:r>
+              <a:rPr kumimoji="0" lang="pl-PL" altLang="pl-PL" sz="1800" b="0" i="0" u="none" strike="noStrike" cap="none" normalizeH="0" baseline="0" dirty="0">
+                <a:ln>
+                  <a:noFill/>
+                </a:ln>
+                <a:solidFill>
+                  <a:schemeClr val="tx1"/>
+                </a:solidFill>
+                <a:effectLst/>
+                <a:latin typeface="Arial" panose="020B0604020202020204" pitchFamily="34" charset="0"/>
+              </a:rPr>
+              <a:t> to </a:t>
+            </a:r>
+            <a:r>
+              <a:rPr kumimoji="0" lang="pl-PL" altLang="pl-PL" sz="1800" b="0" i="0" u="none" strike="noStrike" cap="none" normalizeH="0" baseline="0" dirty="0" err="1">
+                <a:ln>
+                  <a:noFill/>
+                </a:ln>
+                <a:solidFill>
+                  <a:schemeClr val="tx1"/>
+                </a:solidFill>
+                <a:effectLst/>
+                <a:latin typeface="Arial" panose="020B0604020202020204" pitchFamily="34" charset="0"/>
+              </a:rPr>
+              <a:t>create</a:t>
+            </a:r>
+            <a:r>
+              <a:rPr kumimoji="0" lang="pl-PL" altLang="pl-PL" sz="1800" b="0" i="0" u="none" strike="noStrike" cap="none" normalizeH="0" baseline="0" dirty="0">
+                <a:ln>
+                  <a:noFill/>
+                </a:ln>
+                <a:solidFill>
+                  <a:schemeClr val="tx1"/>
+                </a:solidFill>
+                <a:effectLst/>
+                <a:latin typeface="Arial" panose="020B0604020202020204" pitchFamily="34" charset="0"/>
+              </a:rPr>
+              <a:t> a YAML </a:t>
+            </a:r>
+            <a:r>
+              <a:rPr kumimoji="0" lang="pl-PL" altLang="pl-PL" sz="1800" b="0" i="0" u="none" strike="noStrike" cap="none" normalizeH="0" baseline="0" dirty="0" err="1">
+                <a:ln>
+                  <a:noFill/>
+                </a:ln>
+                <a:solidFill>
+                  <a:schemeClr val="tx1"/>
+                </a:solidFill>
+                <a:effectLst/>
+                <a:latin typeface="Arial" panose="020B0604020202020204" pitchFamily="34" charset="0"/>
+              </a:rPr>
+              <a:t>specification</a:t>
+            </a:r>
+            <a:r>
+              <a:rPr kumimoji="0" lang="pl-PL" altLang="pl-PL" sz="1800" b="0" i="0" u="none" strike="noStrike" cap="none" normalizeH="0" baseline="0" dirty="0">
+                <a:ln>
+                  <a:noFill/>
+                </a:ln>
+                <a:solidFill>
+                  <a:schemeClr val="tx1"/>
+                </a:solidFill>
+                <a:effectLst/>
+                <a:latin typeface="Arial" panose="020B0604020202020204" pitchFamily="34" charset="0"/>
+              </a:rPr>
+              <a:t>.</a:t>
+            </a:r>
+          </a:p>
+          <a:p>
+            <a:pPr marL="0" marR="0" lvl="0" indent="0" algn="l" defTabSz="914400" rtl="0" eaLnBrk="0" fontAlgn="base" latinLnBrk="0" hangingPunct="0">
+              <a:lnSpc>
+                <a:spcPct val="100000"/>
+              </a:lnSpc>
+              <a:spcBef>
+                <a:spcPct val="0"/>
+              </a:spcBef>
+              <a:spcAft>
+                <a:spcPct val="0"/>
+              </a:spcAft>
+              <a:buClrTx/>
+              <a:buSzTx/>
+              <a:buFontTx/>
+              <a:buNone/>
+              <a:tabLst/>
+            </a:pPr>
+            <a:r>
+              <a:rPr kumimoji="0" lang="pl-PL" altLang="pl-PL" sz="1800" b="1" i="0" u="none" strike="noStrike" cap="none" normalizeH="0" baseline="0" dirty="0">
+                <a:ln>
+                  <a:noFill/>
+                </a:ln>
+                <a:solidFill>
+                  <a:schemeClr val="tx1"/>
+                </a:solidFill>
+                <a:effectLst/>
+                <a:latin typeface="Arial" panose="020B0604020202020204" pitchFamily="34" charset="0"/>
+              </a:rPr>
+              <a:t>AKMS</a:t>
+            </a:r>
+            <a:r>
+              <a:rPr kumimoji="0" lang="pl-PL" altLang="pl-PL" sz="1800" b="0" i="0" u="none" strike="noStrike" cap="none" normalizeH="0" baseline="0" dirty="0">
+                <a:ln>
+                  <a:noFill/>
+                </a:ln>
+                <a:solidFill>
+                  <a:schemeClr val="tx1"/>
+                </a:solidFill>
+                <a:effectLst/>
+                <a:latin typeface="Arial" panose="020B0604020202020204" pitchFamily="34" charset="0"/>
+              </a:rPr>
+              <a:t> =&gt; Resource </a:t>
+            </a:r>
+            <a:r>
+              <a:rPr kumimoji="0" lang="pl-PL" altLang="pl-PL" sz="1800" b="0" i="0" u="none" strike="noStrike" cap="none" normalizeH="0" baseline="0" dirty="0" err="1">
+                <a:ln>
+                  <a:noFill/>
+                </a:ln>
+                <a:solidFill>
+                  <a:schemeClr val="tx1"/>
+                </a:solidFill>
+                <a:effectLst/>
+                <a:latin typeface="Arial" panose="020B0604020202020204" pitchFamily="34" charset="0"/>
+              </a:rPr>
+              <a:t>Configs</a:t>
+            </a:r>
+            <a:r>
+              <a:rPr kumimoji="0" lang="pl-PL" altLang="pl-PL" sz="1800" b="0" i="0" u="none" strike="noStrike" cap="none" normalizeH="0" baseline="0" dirty="0">
+                <a:ln>
+                  <a:noFill/>
+                </a:ln>
+                <a:solidFill>
+                  <a:schemeClr val="tx1"/>
+                </a:solidFill>
+                <a:effectLst/>
+                <a:latin typeface="Arial" panose="020B0604020202020204" pitchFamily="34" charset="0"/>
+              </a:rPr>
+              <a:t> </a:t>
+            </a:r>
+            <a:r>
+              <a:rPr kumimoji="0" lang="pl-PL" altLang="pl-PL" sz="1800" b="0" i="0" u="none" strike="noStrike" cap="none" normalizeH="0" baseline="0" dirty="0" err="1">
+                <a:ln>
+                  <a:noFill/>
+                </a:ln>
+                <a:solidFill>
+                  <a:schemeClr val="tx1"/>
+                </a:solidFill>
+                <a:effectLst/>
+                <a:latin typeface="Arial" panose="020B0604020202020204" pitchFamily="34" charset="0"/>
+              </a:rPr>
+              <a:t>Specs</a:t>
+            </a:r>
+            <a:endParaRPr kumimoji="0" lang="pl-PL" altLang="pl-PL" sz="1800" b="0" i="0" u="none" strike="noStrike" cap="none" normalizeH="0" baseline="0" dirty="0">
+              <a:ln>
+                <a:noFill/>
+              </a:ln>
+              <a:solidFill>
+                <a:schemeClr val="tx1"/>
+              </a:solidFill>
+              <a:effectLst/>
+              <a:latin typeface="Arial" panose="020B0604020202020204" pitchFamily="34" charset="0"/>
+            </a:endParaRPr>
+          </a:p>
+          <a:p>
+            <a:pPr marL="0" marR="0" lvl="0" indent="0" algn="l" defTabSz="914400" rtl="0" eaLnBrk="0" fontAlgn="base" latinLnBrk="0" hangingPunct="0">
+              <a:lnSpc>
+                <a:spcPct val="100000"/>
+              </a:lnSpc>
+              <a:spcBef>
+                <a:spcPct val="0"/>
+              </a:spcBef>
+              <a:spcAft>
+                <a:spcPct val="0"/>
+              </a:spcAft>
+              <a:buClrTx/>
+              <a:buSzTx/>
+              <a:buFontTx/>
+              <a:buNone/>
+              <a:tabLst/>
+            </a:pPr>
+            <a:endParaRPr kumimoji="0" lang="pl-PL" altLang="pl-PL" sz="1800" b="0" i="0" u="none" strike="noStrike" cap="none" normalizeH="0" baseline="0" dirty="0">
+              <a:ln>
+                <a:noFill/>
+              </a:ln>
+              <a:solidFill>
+                <a:schemeClr val="tx1"/>
+              </a:solidFill>
+              <a:effectLst/>
+              <a:latin typeface="Arial Unicode MS"/>
+            </a:endParaRPr>
+          </a:p>
+          <a:p>
+            <a:pPr marL="0" marR="0" lvl="0" indent="0" algn="l" defTabSz="914400" rtl="0" eaLnBrk="0" fontAlgn="base" latinLnBrk="0" hangingPunct="0">
+              <a:lnSpc>
+                <a:spcPct val="100000"/>
+              </a:lnSpc>
+              <a:spcBef>
+                <a:spcPct val="0"/>
+              </a:spcBef>
+              <a:spcAft>
+                <a:spcPct val="0"/>
+              </a:spcAft>
+              <a:buClrTx/>
+              <a:buSzTx/>
+              <a:buFontTx/>
+              <a:buNone/>
+              <a:tabLst/>
+            </a:pPr>
+            <a:r>
+              <a:rPr kumimoji="0" lang="pl-PL" altLang="pl-PL" sz="1800" b="1" i="0" u="none" strike="noStrike" cap="none" normalizeH="0" baseline="0" dirty="0" err="1">
+                <a:ln>
+                  <a:noFill/>
+                </a:ln>
+                <a:solidFill>
+                  <a:srgbClr val="FF0000"/>
+                </a:solidFill>
+                <a:effectLst/>
+                <a:latin typeface="Arial Unicode MS"/>
+              </a:rPr>
+              <a:t>a</a:t>
+            </a:r>
+            <a:r>
+              <a:rPr kumimoji="0" lang="pl-PL" altLang="pl-PL" sz="1800" b="0" i="0" u="none" strike="noStrike" cap="none" normalizeH="0" baseline="0" dirty="0" err="1">
+                <a:ln>
+                  <a:noFill/>
+                </a:ln>
+                <a:solidFill>
+                  <a:srgbClr val="FF0000"/>
+                </a:solidFill>
+                <a:effectLst/>
+                <a:latin typeface="Arial Unicode MS"/>
+              </a:rPr>
+              <a:t>piVersion</a:t>
+            </a:r>
+            <a:r>
+              <a:rPr kumimoji="0" lang="pl-PL" altLang="pl-PL" sz="1800" b="0" i="0" u="none" strike="noStrike" cap="none" normalizeH="0" baseline="0" dirty="0">
+                <a:ln>
+                  <a:noFill/>
+                </a:ln>
+                <a:solidFill>
+                  <a:srgbClr val="FF0000"/>
+                </a:solidFill>
+                <a:effectLst/>
+                <a:latin typeface="Arial Unicode MS"/>
+              </a:rPr>
+              <a:t>: v1 </a:t>
+            </a:r>
+          </a:p>
+          <a:p>
+            <a:pPr marL="0" marR="0" lvl="0" indent="0" algn="l" defTabSz="914400" rtl="0" eaLnBrk="0" fontAlgn="base" latinLnBrk="0" hangingPunct="0">
+              <a:lnSpc>
+                <a:spcPct val="100000"/>
+              </a:lnSpc>
+              <a:spcBef>
+                <a:spcPct val="0"/>
+              </a:spcBef>
+              <a:spcAft>
+                <a:spcPct val="0"/>
+              </a:spcAft>
+              <a:buClrTx/>
+              <a:buSzTx/>
+              <a:buFontTx/>
+              <a:buNone/>
+              <a:tabLst/>
+            </a:pPr>
+            <a:r>
+              <a:rPr kumimoji="0" lang="pl-PL" altLang="pl-PL" sz="1800" b="1" i="0" u="none" strike="noStrike" cap="none" normalizeH="0" baseline="0" dirty="0" err="1">
+                <a:ln>
+                  <a:noFill/>
+                </a:ln>
+                <a:solidFill>
+                  <a:srgbClr val="FF0000"/>
+                </a:solidFill>
+                <a:effectLst/>
+                <a:latin typeface="Arial Unicode MS"/>
+              </a:rPr>
+              <a:t>k</a:t>
+            </a:r>
+            <a:r>
+              <a:rPr kumimoji="0" lang="pl-PL" altLang="pl-PL" sz="1800" b="0" i="0" u="none" strike="noStrike" cap="none" normalizeH="0" baseline="0" dirty="0" err="1">
+                <a:ln>
+                  <a:noFill/>
+                </a:ln>
+                <a:solidFill>
+                  <a:srgbClr val="FF0000"/>
+                </a:solidFill>
+                <a:effectLst/>
+                <a:latin typeface="Arial Unicode MS"/>
+              </a:rPr>
+              <a:t>ind</a:t>
+            </a:r>
+            <a:r>
+              <a:rPr kumimoji="0" lang="pl-PL" altLang="pl-PL" sz="1800" b="0" i="0" u="none" strike="noStrike" cap="none" normalizeH="0" baseline="0" dirty="0">
+                <a:ln>
+                  <a:noFill/>
+                </a:ln>
+                <a:solidFill>
+                  <a:srgbClr val="FF0000"/>
+                </a:solidFill>
+                <a:effectLst/>
+                <a:latin typeface="Arial Unicode MS"/>
+              </a:rPr>
+              <a:t>: </a:t>
+            </a:r>
+          </a:p>
+          <a:p>
+            <a:pPr marL="0" marR="0" lvl="0" indent="0" algn="l" defTabSz="914400" rtl="0" eaLnBrk="0" fontAlgn="base" latinLnBrk="0" hangingPunct="0">
+              <a:lnSpc>
+                <a:spcPct val="100000"/>
+              </a:lnSpc>
+              <a:spcBef>
+                <a:spcPct val="0"/>
+              </a:spcBef>
+              <a:spcAft>
+                <a:spcPct val="0"/>
+              </a:spcAft>
+              <a:buClrTx/>
+              <a:buSzTx/>
+              <a:buFontTx/>
+              <a:buNone/>
+              <a:tabLst/>
+            </a:pPr>
+            <a:r>
+              <a:rPr kumimoji="0" lang="pl-PL" altLang="pl-PL" sz="1800" b="1" i="0" u="none" strike="noStrike" cap="none" normalizeH="0" baseline="0" dirty="0" err="1">
+                <a:ln>
+                  <a:noFill/>
+                </a:ln>
+                <a:solidFill>
+                  <a:srgbClr val="FF0000"/>
+                </a:solidFill>
+                <a:effectLst/>
+                <a:latin typeface="Arial Unicode MS"/>
+              </a:rPr>
+              <a:t>m</a:t>
+            </a:r>
+            <a:r>
+              <a:rPr kumimoji="0" lang="pl-PL" altLang="pl-PL" sz="1800" b="0" i="0" u="none" strike="noStrike" cap="none" normalizeH="0" baseline="0" dirty="0" err="1">
+                <a:ln>
+                  <a:noFill/>
+                </a:ln>
+                <a:solidFill>
+                  <a:srgbClr val="FF0000"/>
+                </a:solidFill>
+                <a:effectLst/>
+                <a:latin typeface="Arial Unicode MS"/>
+              </a:rPr>
+              <a:t>etadata</a:t>
+            </a:r>
+            <a:r>
+              <a:rPr kumimoji="0" lang="pl-PL" altLang="pl-PL" sz="1800" b="0" i="0" u="none" strike="noStrike" cap="none" normalizeH="0" baseline="0" dirty="0">
+                <a:ln>
+                  <a:noFill/>
+                </a:ln>
+                <a:solidFill>
+                  <a:srgbClr val="FF0000"/>
+                </a:solidFill>
+                <a:effectLst/>
+                <a:latin typeface="Arial Unicode MS"/>
+              </a:rPr>
+              <a:t>:</a:t>
+            </a:r>
+          </a:p>
+          <a:p>
+            <a:pPr marL="0" marR="0" lvl="0" indent="0" algn="l" defTabSz="914400" rtl="0" eaLnBrk="0" fontAlgn="base" latinLnBrk="0" hangingPunct="0">
+              <a:lnSpc>
+                <a:spcPct val="100000"/>
+              </a:lnSpc>
+              <a:spcBef>
+                <a:spcPct val="0"/>
+              </a:spcBef>
+              <a:spcAft>
+                <a:spcPct val="0"/>
+              </a:spcAft>
+              <a:buClrTx/>
+              <a:buSzTx/>
+              <a:buFontTx/>
+              <a:buNone/>
+              <a:tabLst/>
+            </a:pPr>
+            <a:endParaRPr lang="pl-PL" altLang="pl-PL" sz="1800" dirty="0">
+              <a:solidFill>
+                <a:srgbClr val="FF0000"/>
+              </a:solidFill>
+              <a:latin typeface="Arial Unicode MS"/>
+            </a:endParaRPr>
+          </a:p>
+          <a:p>
+            <a:pPr marL="0" marR="0" lvl="0" indent="0" algn="l" defTabSz="914400" rtl="0" eaLnBrk="0" fontAlgn="base" latinLnBrk="0" hangingPunct="0">
+              <a:lnSpc>
+                <a:spcPct val="100000"/>
+              </a:lnSpc>
+              <a:spcBef>
+                <a:spcPct val="0"/>
+              </a:spcBef>
+              <a:spcAft>
+                <a:spcPct val="0"/>
+              </a:spcAft>
+              <a:buClrTx/>
+              <a:buSzTx/>
+              <a:buFontTx/>
+              <a:buNone/>
+              <a:tabLst/>
+            </a:pPr>
+            <a:r>
+              <a:rPr lang="pl-PL" altLang="pl-PL" sz="1800" dirty="0">
+                <a:solidFill>
+                  <a:srgbClr val="FF0000"/>
+                </a:solidFill>
+                <a:latin typeface="Arial Unicode MS"/>
+              </a:rPr>
+              <a:t>…</a:t>
+            </a:r>
+          </a:p>
+          <a:p>
+            <a:pPr marL="0" marR="0" lvl="0" indent="0" algn="l" defTabSz="914400" rtl="0" eaLnBrk="0" fontAlgn="base" latinLnBrk="0" hangingPunct="0">
+              <a:lnSpc>
+                <a:spcPct val="100000"/>
+              </a:lnSpc>
+              <a:spcBef>
+                <a:spcPct val="0"/>
+              </a:spcBef>
+              <a:spcAft>
+                <a:spcPct val="0"/>
+              </a:spcAft>
+              <a:buClrTx/>
+              <a:buSzTx/>
+              <a:buFontTx/>
+              <a:buNone/>
+              <a:tabLst/>
+            </a:pPr>
+            <a:endParaRPr kumimoji="0" lang="pl-PL" altLang="pl-PL" sz="1800" b="0" i="0" u="none" strike="noStrike" cap="none" normalizeH="0" baseline="0" dirty="0">
+              <a:ln>
+                <a:noFill/>
+              </a:ln>
+              <a:solidFill>
+                <a:srgbClr val="FF0000"/>
+              </a:solidFill>
+              <a:effectLst/>
+              <a:latin typeface="Arial Unicode MS"/>
+            </a:endParaRPr>
+          </a:p>
+          <a:p>
+            <a:pPr marL="0" marR="0" lvl="0" indent="0" algn="l" defTabSz="914400" rtl="0" eaLnBrk="0" fontAlgn="base" latinLnBrk="0" hangingPunct="0">
+              <a:lnSpc>
+                <a:spcPct val="100000"/>
+              </a:lnSpc>
+              <a:spcBef>
+                <a:spcPct val="0"/>
+              </a:spcBef>
+              <a:spcAft>
+                <a:spcPct val="0"/>
+              </a:spcAft>
+              <a:buClrTx/>
+              <a:buSzTx/>
+              <a:buFontTx/>
+              <a:buNone/>
+              <a:tabLst/>
+            </a:pPr>
+            <a:r>
+              <a:rPr kumimoji="0" lang="pl-PL" altLang="pl-PL" sz="1800" b="1" i="0" u="none" strike="noStrike" cap="none" normalizeH="0" baseline="0" dirty="0">
+                <a:ln>
+                  <a:noFill/>
+                </a:ln>
+                <a:solidFill>
+                  <a:srgbClr val="FF0000"/>
+                </a:solidFill>
+                <a:effectLst/>
+                <a:latin typeface="Arial Unicode MS"/>
+              </a:rPr>
+              <a:t>s</a:t>
+            </a:r>
+            <a:r>
+              <a:rPr kumimoji="0" lang="pl-PL" altLang="pl-PL" sz="1800" b="0" i="0" u="none" strike="noStrike" cap="none" normalizeH="0" baseline="0" dirty="0">
+                <a:ln>
+                  <a:noFill/>
+                </a:ln>
+                <a:solidFill>
+                  <a:srgbClr val="FF0000"/>
+                </a:solidFill>
+                <a:effectLst/>
+                <a:latin typeface="Arial Unicode MS"/>
+              </a:rPr>
+              <a:t>pec:</a:t>
+            </a:r>
+          </a:p>
+          <a:p>
+            <a:pPr marL="0" marR="0" lvl="0" indent="0" algn="l" defTabSz="914400" rtl="0" eaLnBrk="0" fontAlgn="base" latinLnBrk="0" hangingPunct="0">
+              <a:lnSpc>
+                <a:spcPct val="100000"/>
+              </a:lnSpc>
+              <a:spcBef>
+                <a:spcPct val="0"/>
+              </a:spcBef>
+              <a:spcAft>
+                <a:spcPct val="0"/>
+              </a:spcAft>
+              <a:buClrTx/>
+              <a:buSzTx/>
+              <a:buFontTx/>
+              <a:buNone/>
+              <a:tabLst/>
+            </a:pPr>
+            <a:endParaRPr lang="pl-PL" altLang="pl-PL" sz="1800" dirty="0">
+              <a:solidFill>
+                <a:srgbClr val="FF0000"/>
+              </a:solidFill>
+              <a:latin typeface="Arial Unicode MS"/>
+            </a:endParaRPr>
+          </a:p>
+          <a:p>
+            <a:pPr marL="0" marR="0" lvl="0" indent="0" algn="l" defTabSz="914400" rtl="0" eaLnBrk="0" fontAlgn="base" latinLnBrk="0" hangingPunct="0">
+              <a:lnSpc>
+                <a:spcPct val="100000"/>
+              </a:lnSpc>
+              <a:spcBef>
+                <a:spcPct val="0"/>
+              </a:spcBef>
+              <a:spcAft>
+                <a:spcPct val="0"/>
+              </a:spcAft>
+              <a:buClrTx/>
+              <a:buSzTx/>
+              <a:buFontTx/>
+              <a:buNone/>
+              <a:tabLst/>
+            </a:pPr>
+            <a:r>
+              <a:rPr kumimoji="0" lang="pl-PL" altLang="pl-PL" sz="1800" b="0" i="0" u="none" strike="noStrike" cap="none" normalizeH="0" baseline="0" dirty="0">
+                <a:ln>
+                  <a:noFill/>
+                </a:ln>
+                <a:solidFill>
+                  <a:srgbClr val="FF0000"/>
+                </a:solidFill>
+                <a:effectLst/>
+                <a:latin typeface="Arial Unicode MS"/>
+              </a:rPr>
+              <a:t>…</a:t>
+            </a:r>
+          </a:p>
+          <a:p>
+            <a:pPr marL="0" marR="0" lvl="0" indent="0" algn="l" defTabSz="914400" rtl="0" eaLnBrk="0" fontAlgn="base" latinLnBrk="0" hangingPunct="0">
+              <a:lnSpc>
+                <a:spcPct val="100000"/>
+              </a:lnSpc>
+              <a:spcBef>
+                <a:spcPct val="0"/>
+              </a:spcBef>
+              <a:spcAft>
+                <a:spcPct val="0"/>
+              </a:spcAft>
+              <a:buClrTx/>
+              <a:buSzTx/>
+              <a:buFontTx/>
+              <a:buNone/>
+              <a:tabLst/>
+            </a:pPr>
+            <a:endParaRPr lang="pl-PL" altLang="pl-PL" sz="1000" dirty="0">
+              <a:latin typeface="Arial Unicode MS"/>
+            </a:endParaRPr>
+          </a:p>
+          <a:p>
+            <a:pPr marL="0" marR="0" lvl="0" indent="0" algn="l" defTabSz="914400" rtl="0" eaLnBrk="0" fontAlgn="base" latinLnBrk="0" hangingPunct="0">
+              <a:lnSpc>
+                <a:spcPct val="100000"/>
+              </a:lnSpc>
+              <a:spcBef>
+                <a:spcPct val="0"/>
+              </a:spcBef>
+              <a:spcAft>
+                <a:spcPct val="0"/>
+              </a:spcAft>
+              <a:buClrTx/>
+              <a:buSzTx/>
+              <a:buFontTx/>
+              <a:buNone/>
+              <a:tabLst/>
+            </a:pPr>
+            <a:r>
+              <a:rPr kumimoji="0" lang="pl-PL" altLang="pl-PL" sz="1000" b="0" i="0" u="none" strike="noStrike" cap="none" normalizeH="0" baseline="0" dirty="0">
+                <a:ln>
+                  <a:noFill/>
+                </a:ln>
+                <a:solidFill>
+                  <a:schemeClr val="tx1"/>
+                </a:solidFill>
+                <a:effectLst/>
+                <a:latin typeface="Arial Unicode MS"/>
+              </a:rPr>
+              <a:t> </a:t>
+            </a:r>
+            <a:endParaRPr kumimoji="0" lang="pl-PL" altLang="pl-PL" sz="1800" b="0" i="0" u="none" strike="noStrike" cap="none" normalizeH="0" baseline="0" dirty="0">
+              <a:ln>
+                <a:noFill/>
+              </a:ln>
+              <a:solidFill>
+                <a:schemeClr val="tx1"/>
+              </a:solidFill>
+              <a:effectLst/>
+              <a:latin typeface="Arial" panose="020B0604020202020204" pitchFamily="34" charset="0"/>
+            </a:endParaRPr>
+          </a:p>
+        </p:txBody>
+      </p:sp>
+      <p:sp>
+        <p:nvSpPr>
+          <p:cNvPr id="5" name="Prostokąt 4">
+            <a:extLst>
+              <a:ext uri="{FF2B5EF4-FFF2-40B4-BE49-F238E27FC236}">
+                <a16:creationId xmlns:a16="http://schemas.microsoft.com/office/drawing/2014/main" id="{7CC8D4DE-F734-4E5B-B24E-ED292788AAF1}"/>
+              </a:ext>
+            </a:extLst>
+          </p:cNvPr>
+          <p:cNvSpPr/>
+          <p:nvPr/>
+        </p:nvSpPr>
+        <p:spPr>
+          <a:xfrm>
+            <a:off x="7393302" y="5479534"/>
+            <a:ext cx="3136153" cy="461665"/>
+          </a:xfrm>
+          <a:prstGeom prst="rect">
+            <a:avLst/>
+          </a:prstGeom>
+        </p:spPr>
+        <p:txBody>
+          <a:bodyPr wrap="square">
+            <a:spAutoFit/>
+          </a:bodyPr>
+          <a:lstStyle/>
+          <a:p>
+            <a:r>
+              <a:rPr lang="pl-PL" sz="2400" dirty="0" err="1"/>
+              <a:t>kubectl</a:t>
+            </a:r>
+            <a:r>
+              <a:rPr lang="pl-PL" sz="2400" dirty="0"/>
+              <a:t> </a:t>
+            </a:r>
+            <a:r>
+              <a:rPr lang="pl-PL" sz="2400" dirty="0" err="1"/>
+              <a:t>api-versions</a:t>
+            </a:r>
+            <a:endParaRPr lang="pl-PL" sz="2400" dirty="0"/>
+          </a:p>
+        </p:txBody>
+      </p:sp>
+    </p:spTree>
+    <p:extLst>
+      <p:ext uri="{BB962C8B-B14F-4D97-AF65-F5344CB8AC3E}">
+        <p14:creationId xmlns:p14="http://schemas.microsoft.com/office/powerpoint/2010/main" val="2120140063"/>
+      </p:ext>
+    </p:extLst>
+  </p:cSld>
+  <p:clrMapOvr>
+    <a:masterClrMapping/>
+  </p:clrMapOvr>
+</p:sld>
+</file>
+
+<file path=ppt/slides/slide11.xml><?xml version="1.0" encoding="utf-8"?>
+<p:sld xmlns:a="http://schemas.openxmlformats.org/drawingml/2006/main" xmlns:r="http://schemas.openxmlformats.org/officeDocument/2006/relationships" xmlns:p="http://schemas.openxmlformats.org/presentationml/2006/main">
+  <p:cSld>
+    <p:spTree>
+      <p:nvGrpSpPr>
+        <p:cNvPr id="1" name=""/>
+        <p:cNvGrpSpPr/>
+        <p:nvPr/>
+      </p:nvGrpSpPr>
+      <p:grpSpPr>
+        <a:xfrm>
+          <a:off x="0" y="0"/>
+          <a:ext cx="0" cy="0"/>
+          <a:chOff x="0" y="0"/>
+          <a:chExt cx="0" cy="0"/>
+        </a:xfrm>
+      </p:grpSpPr>
+      <p:sp>
+        <p:nvSpPr>
+          <p:cNvPr id="2" name="Tytuł 1">
+            <a:extLst>
+              <a:ext uri="{FF2B5EF4-FFF2-40B4-BE49-F238E27FC236}">
                 <a16:creationId xmlns:a16="http://schemas.microsoft.com/office/drawing/2014/main" id="{2A519FE8-84F1-4D8C-9E2E-0C35E919AD6F}"/>
               </a:ext>
             </a:extLst>
@@ -21228,6 +22638,102 @@
           </a:p>
         </p:txBody>
       </p:sp>
+      <p:sp>
+        <p:nvSpPr>
+          <p:cNvPr id="3" name="Rectangle 1">
+            <a:extLst>
+              <a:ext uri="{FF2B5EF4-FFF2-40B4-BE49-F238E27FC236}">
+                <a16:creationId xmlns:a16="http://schemas.microsoft.com/office/drawing/2014/main" id="{6F4519CB-BCBE-416F-9E37-6A9E5BF18D91}"/>
+              </a:ext>
+            </a:extLst>
+          </p:cNvPr>
+          <p:cNvSpPr>
+            <a:spLocks noChangeArrowheads="1"/>
+          </p:cNvSpPr>
+          <p:nvPr/>
+        </p:nvSpPr>
+        <p:spPr bwMode="auto">
+          <a:xfrm>
+            <a:off x="9249304" y="884502"/>
+            <a:ext cx="1494896" cy="1200329"/>
+          </a:xfrm>
+          <a:prstGeom prst="rect">
+            <a:avLst/>
+          </a:prstGeom>
+          <a:noFill/>
+          <a:ln>
+            <a:noFill/>
+          </a:ln>
+          <a:effectLst/>
+          <a:extLst>
+            <a:ext uri="{909E8E84-426E-40DD-AFC4-6F175D3DCCD1}">
+              <a14:hiddenFill xmlns:a14="http://schemas.microsoft.com/office/drawing/2010/main">
+                <a:solidFill>
+                  <a:schemeClr val="accent1"/>
+                </a:solidFill>
+              </a14:hiddenFill>
+            </a:ext>
+            <a:ext uri="{91240B29-F687-4F45-9708-019B960494DF}">
+              <a14:hiddenLine xmlns:a14="http://schemas.microsoft.com/office/drawing/2010/main" w="9525">
+                <a:solidFill>
+                  <a:schemeClr val="tx1"/>
+                </a:solidFill>
+                <a:miter lim="800000"/>
+                <a:headEnd/>
+                <a:tailEnd/>
+              </a14:hiddenLine>
+            </a:ext>
+            <a:ext uri="{AF507438-7753-43E0-B8FC-AC1667EBCBE1}">
+              <a14:hiddenEffects xmlns:a14="http://schemas.microsoft.com/office/drawing/2010/main">
+                <a:effectLst>
+                  <a:outerShdw dist="35921" dir="2700000" algn="ctr" rotWithShape="0">
+                    <a:schemeClr val="bg2"/>
+                  </a:outerShdw>
+                </a:effectLst>
+              </a14:hiddenEffects>
+            </a:ext>
+          </a:extLst>
+        </p:spPr>
+        <p:txBody>
+          <a:bodyPr vert="horz" wrap="none" lIns="91440" tIns="45720" rIns="91440" bIns="45720" numCol="1" anchor="ctr" anchorCtr="0" compatLnSpc="1">
+            <a:prstTxWarp prst="textNoShape">
+              <a:avLst/>
+            </a:prstTxWarp>
+            <a:spAutoFit/>
+          </a:bodyPr>
+          <a:lstStyle/>
+          <a:p>
+            <a:r>
+              <a:rPr lang="en-US" dirty="0" err="1"/>
+              <a:t>apiVersion</a:t>
+            </a:r>
+            <a:r>
+              <a:rPr lang="en-US" dirty="0"/>
+              <a:t>: v1</a:t>
+            </a:r>
+          </a:p>
+          <a:p>
+            <a:r>
+              <a:rPr lang="en-US" dirty="0"/>
+              <a:t>kind: Pod</a:t>
+            </a:r>
+          </a:p>
+          <a:p>
+            <a:r>
+              <a:rPr lang="en-US" dirty="0"/>
+              <a:t>metadata:</a:t>
+            </a:r>
+            <a:endParaRPr lang="pl-PL" dirty="0"/>
+          </a:p>
+          <a:p>
+            <a:r>
+              <a:rPr lang="pl-PL" dirty="0"/>
+              <a:t>spec:</a:t>
+            </a:r>
+            <a:endParaRPr lang="en-US" dirty="0"/>
+          </a:p>
+        </p:txBody>
+      </p:sp>
     </p:spTree>
     <p:extLst>
       <p:ext uri="{BB962C8B-B14F-4D97-AF65-F5344CB8AC3E}">
@@ -21241,7 +22747,7 @@
 </p:sld>
 </file>
 
-<file path=ppt/slides/slide11.xml><?xml version="1.0" encoding="utf-8"?>
+<file path=ppt/slides/slide12.xml><?xml version="1.0" encoding="utf-8"?>
 <p:sld xmlns:a="http://schemas.openxmlformats.org/drawingml/2006/main" xmlns:r="http://schemas.openxmlformats.org/officeDocument/2006/relationships" xmlns:p="http://schemas.openxmlformats.org/presentationml/2006/main">
   <p:cSld>
     <p:spTree>
@@ -21367,6 +22873,151 @@
           </a:p>
         </p:txBody>
       </p:sp>
+      <p:sp>
+        <p:nvSpPr>
+          <p:cNvPr id="3" name="Prostokąt 2">
+            <a:extLst>
+              <a:ext uri="{FF2B5EF4-FFF2-40B4-BE49-F238E27FC236}">
+                <a16:creationId xmlns:a16="http://schemas.microsoft.com/office/drawing/2014/main" id="{E622D4CC-87B1-4C95-9243-6636BF9C6205}"/>
+              </a:ext>
+            </a:extLst>
+          </p:cNvPr>
+          <p:cNvSpPr/>
+          <p:nvPr/>
+        </p:nvSpPr>
+        <p:spPr>
+          <a:xfrm>
+            <a:off x="7527637" y="596360"/>
+            <a:ext cx="2770908" cy="1200329"/>
+          </a:xfrm>
+          <a:prstGeom prst="rect">
+            <a:avLst/>
+          </a:prstGeom>
+        </p:spPr>
+        <p:txBody>
+          <a:bodyPr wrap="square">
+            <a:spAutoFit/>
+          </a:bodyPr>
+          <a:lstStyle/>
+          <a:p>
+            <a:r>
+              <a:rPr lang="en-US" dirty="0" err="1">
+                <a:solidFill>
+                  <a:srgbClr val="569CD6"/>
+                </a:solidFill>
+                <a:latin typeface="Consolas" panose="020B0609020204030204" pitchFamily="49" charset="0"/>
+              </a:rPr>
+              <a:t>apiVersion</a:t>
+            </a:r>
+            <a:r>
+              <a:rPr lang="en-US" dirty="0">
+                <a:solidFill>
+                  <a:srgbClr val="D4D4D4"/>
+                </a:solidFill>
+                <a:latin typeface="Consolas" panose="020B0609020204030204" pitchFamily="49" charset="0"/>
+              </a:rPr>
+              <a:t>: </a:t>
+            </a:r>
+            <a:r>
+              <a:rPr lang="en-US" dirty="0">
+                <a:solidFill>
+                  <a:srgbClr val="CE9178"/>
+                </a:solidFill>
+                <a:latin typeface="Consolas" panose="020B0609020204030204" pitchFamily="49" charset="0"/>
+              </a:rPr>
+              <a:t>apps/v1</a:t>
+            </a:r>
+            <a:endParaRPr lang="en-US" dirty="0">
+              <a:solidFill>
+                <a:srgbClr val="D4D4D4"/>
+              </a:solidFill>
+              <a:latin typeface="Consolas" panose="020B0609020204030204" pitchFamily="49" charset="0"/>
+            </a:endParaRPr>
+          </a:p>
+          <a:p>
+            <a:r>
+              <a:rPr lang="en-US" dirty="0">
+                <a:solidFill>
+                  <a:srgbClr val="569CD6"/>
+                </a:solidFill>
+                <a:latin typeface="Consolas" panose="020B0609020204030204" pitchFamily="49" charset="0"/>
+              </a:rPr>
+              <a:t>kind</a:t>
+            </a:r>
+            <a:r>
+              <a:rPr lang="en-US" dirty="0">
+                <a:solidFill>
+                  <a:srgbClr val="D4D4D4"/>
+                </a:solidFill>
+                <a:latin typeface="Consolas" panose="020B0609020204030204" pitchFamily="49" charset="0"/>
+              </a:rPr>
+              <a:t>: </a:t>
+            </a:r>
+            <a:r>
+              <a:rPr lang="en-US" dirty="0" err="1">
+                <a:solidFill>
+                  <a:srgbClr val="CE9178"/>
+                </a:solidFill>
+                <a:latin typeface="Consolas" panose="020B0609020204030204" pitchFamily="49" charset="0"/>
+              </a:rPr>
+              <a:t>ReplicaSet</a:t>
+            </a:r>
+            <a:endParaRPr lang="en-US" dirty="0">
+              <a:solidFill>
+                <a:srgbClr val="D4D4D4"/>
+              </a:solidFill>
+              <a:latin typeface="Consolas" panose="020B0609020204030204" pitchFamily="49" charset="0"/>
+            </a:endParaRPr>
+          </a:p>
+          <a:p>
+            <a:r>
+              <a:rPr lang="en-US" dirty="0">
+                <a:solidFill>
+                  <a:srgbClr val="569CD6"/>
+                </a:solidFill>
+                <a:latin typeface="Consolas" panose="020B0609020204030204" pitchFamily="49" charset="0"/>
+              </a:rPr>
+              <a:t>metadata</a:t>
+            </a:r>
+            <a:r>
+              <a:rPr lang="en-US" dirty="0">
+                <a:solidFill>
+                  <a:srgbClr val="D4D4D4"/>
+                </a:solidFill>
+                <a:latin typeface="Consolas" panose="020B0609020204030204" pitchFamily="49" charset="0"/>
+              </a:rPr>
+              <a:t>:</a:t>
+            </a:r>
+          </a:p>
+          <a:p>
+            <a:r>
+              <a:rPr lang="en-US" dirty="0">
+                <a:solidFill>
+                  <a:srgbClr val="569CD6"/>
+                </a:solidFill>
+                <a:latin typeface="Consolas" panose="020B0609020204030204" pitchFamily="49" charset="0"/>
+              </a:rPr>
+              <a:t>spec</a:t>
+            </a:r>
+            <a:r>
+              <a:rPr lang="en-US" dirty="0">
+                <a:solidFill>
+                  <a:srgbClr val="D4D4D4"/>
+                </a:solidFill>
+                <a:latin typeface="Consolas" panose="020B0609020204030204" pitchFamily="49" charset="0"/>
+              </a:rPr>
+              <a:t>:</a:t>
+            </a:r>
+            <a:endParaRPr lang="en-US" b="0" dirty="0">
+              <a:solidFill>
+                <a:srgbClr val="D4D4D4"/>
+              </a:solidFill>
+              <a:effectLst/>
+              <a:latin typeface="Consolas" panose="020B0609020204030204" pitchFamily="49" charset="0"/>
+            </a:endParaRPr>
+          </a:p>
+        </p:txBody>
+      </p:sp>
     </p:spTree>
     <p:extLst>
       <p:ext uri="{BB962C8B-B14F-4D97-AF65-F5344CB8AC3E}">
@@ -21380,7 +23031,7 @@
 </p:sld>
 </file>
 
-<file path=ppt/slides/slide12.xml><?xml version="1.0" encoding="utf-8"?>
+<file path=ppt/slides/slide13.xml><?xml version="1.0" encoding="utf-8"?>
 <p:sld xmlns:a="http://schemas.openxmlformats.org/drawingml/2006/main" xmlns:r="http://schemas.openxmlformats.org/officeDocument/2006/relationships" xmlns:p="http://schemas.openxmlformats.org/presentationml/2006/main">
   <p:cSld>
     <p:spTree>
@@ -21463,26 +23114,146 @@
       </p:pic>
       <p:sp>
         <p:nvSpPr>
-          <p:cNvPr id="13" name="Symbol zastępczy zawartości 12">
+          <p:cNvPr id="3" name="Prostokąt 2">
             <a:extLst>
               <a:ext uri="{FF2B5EF4-FFF2-40B4-BE49-F238E27FC236}">
-                <a16:creationId xmlns:a16="http://schemas.microsoft.com/office/drawing/2014/main" id="{90332FA4-BAF4-45DF-A921-6AFDFAC8B581}"/>
+                <a16:creationId xmlns:a16="http://schemas.microsoft.com/office/drawing/2014/main" id="{F26F4C0B-2E2A-4459-88AD-CAA944C57F95}"/>
               </a:ext>
             </a:extLst>
           </p:cNvPr>
-          <p:cNvSpPr>
-            <a:spLocks noGrp="1"/>
-          </p:cNvSpPr>
-          <p:nvPr>
-            <p:ph idx="1"/>
-          </p:nvPr>
+          <p:cNvSpPr/>
+          <p:nvPr/>
         </p:nvSpPr>
-        <p:spPr/>
+        <p:spPr>
+          <a:xfrm>
+            <a:off x="8415436" y="193961"/>
+            <a:ext cx="2752436" cy="1200329"/>
+          </a:xfrm>
+          <a:prstGeom prst="rect">
+            <a:avLst/>
+          </a:prstGeom>
+        </p:spPr>
         <p:txBody>
-          <a:bodyPr/>
+          <a:bodyPr wrap="square">
+            <a:spAutoFit/>
+          </a:bodyPr>
           <a:lstStyle/>
           <a:p>
-            <a:endParaRPr lang="pl-PL" dirty="0"/>
+            <a:r>
+              <a:rPr lang="en-US" dirty="0" err="1">
+                <a:solidFill>
+                  <a:srgbClr val="569CD6"/>
+                </a:solidFill>
+                <a:latin typeface="Consolas" panose="020B0609020204030204" pitchFamily="49" charset="0"/>
+              </a:rPr>
+              <a:t>apiVersion</a:t>
+            </a:r>
+            <a:r>
+              <a:rPr lang="en-US" dirty="0">
+                <a:solidFill>
+                  <a:srgbClr val="D4D4D4"/>
+                </a:solidFill>
+                <a:latin typeface="Consolas" panose="020B0609020204030204" pitchFamily="49" charset="0"/>
+              </a:rPr>
+              <a:t>: </a:t>
+            </a:r>
+            <a:r>
+              <a:rPr lang="en-US" dirty="0">
+                <a:solidFill>
+                  <a:srgbClr val="CE9178"/>
+                </a:solidFill>
+                <a:latin typeface="Consolas" panose="020B0609020204030204" pitchFamily="49" charset="0"/>
+              </a:rPr>
+              <a:t>apps/v1</a:t>
+            </a:r>
+            <a:endParaRPr lang="en-US" dirty="0">
+              <a:solidFill>
+                <a:srgbClr val="D4D4D4"/>
+              </a:solidFill>
+              <a:latin typeface="Consolas" panose="020B0609020204030204" pitchFamily="49" charset="0"/>
+            </a:endParaRPr>
+          </a:p>
+          <a:p>
+            <a:r>
+              <a:rPr lang="en-US" dirty="0">
+                <a:solidFill>
+                  <a:srgbClr val="569CD6"/>
+                </a:solidFill>
+                <a:latin typeface="Consolas" panose="020B0609020204030204" pitchFamily="49" charset="0"/>
+              </a:rPr>
+              <a:t>kind</a:t>
+            </a:r>
+            <a:r>
+              <a:rPr lang="en-US" dirty="0">
+                <a:solidFill>
+                  <a:srgbClr val="D4D4D4"/>
+                </a:solidFill>
+                <a:latin typeface="Consolas" panose="020B0609020204030204" pitchFamily="49" charset="0"/>
+              </a:rPr>
+              <a:t>: </a:t>
+            </a:r>
+            <a:r>
+              <a:rPr lang="en-US" dirty="0">
+                <a:solidFill>
+                  <a:srgbClr val="CE9178"/>
+                </a:solidFill>
+                <a:latin typeface="Consolas" panose="020B0609020204030204" pitchFamily="49" charset="0"/>
+              </a:rPr>
+              <a:t>Deployment</a:t>
+            </a:r>
+            <a:endParaRPr lang="en-US" dirty="0">
+              <a:solidFill>
+                <a:srgbClr val="D4D4D4"/>
+              </a:solidFill>
+              <a:latin typeface="Consolas" panose="020B0609020204030204" pitchFamily="49" charset="0"/>
+            </a:endParaRPr>
+          </a:p>
+          <a:p>
+            <a:r>
+              <a:rPr lang="en-US" dirty="0">
+                <a:solidFill>
+                  <a:srgbClr val="569CD6"/>
+                </a:solidFill>
+                <a:latin typeface="Consolas" panose="020B0609020204030204" pitchFamily="49" charset="0"/>
+              </a:rPr>
+              <a:t>metadata</a:t>
+            </a:r>
+            <a:r>
+              <a:rPr lang="en-US" dirty="0">
+                <a:solidFill>
+                  <a:srgbClr val="D4D4D4"/>
+                </a:solidFill>
+                <a:latin typeface="Consolas" panose="020B0609020204030204" pitchFamily="49" charset="0"/>
+              </a:rPr>
+              <a:t>:</a:t>
+            </a:r>
+          </a:p>
+          <a:p>
+            <a:r>
+              <a:rPr lang="en-US" dirty="0">
+                <a:solidFill>
+                  <a:srgbClr val="569CD6"/>
+                </a:solidFill>
+                <a:latin typeface="Consolas" panose="020B0609020204030204" pitchFamily="49" charset="0"/>
+              </a:rPr>
+              <a:t>spec</a:t>
+            </a:r>
+            <a:r>
+              <a:rPr lang="en-US" dirty="0">
+                <a:solidFill>
+                  <a:srgbClr val="D4D4D4"/>
+                </a:solidFill>
+                <a:latin typeface="Consolas" panose="020B0609020204030204" pitchFamily="49" charset="0"/>
+              </a:rPr>
+              <a:t>:</a:t>
+            </a:r>
+            <a:endParaRPr lang="en-US" b="0" dirty="0">
+              <a:solidFill>
+                <a:srgbClr val="D4D4D4"/>
+              </a:solidFill>
+              <a:effectLst/>
+              <a:latin typeface="Consolas" panose="020B0609020204030204" pitchFamily="49" charset="0"/>
+            </a:endParaRPr>
           </a:p>
         </p:txBody>
       </p:sp>
@@ -21499,7 +23270,111 @@
 </p:sld>
 </file>
 
-<file path=ppt/slides/slide13.xml><?xml version="1.0" encoding="utf-8"?>
+<file path=ppt/slides/slide14.xml><?xml version="1.0" encoding="utf-8"?>
+<p:sld xmlns:a="http://schemas.openxmlformats.org/drawingml/2006/main" xmlns:r="http://schemas.openxmlformats.org/officeDocument/2006/relationships" xmlns:p="http://schemas.openxmlformats.org/presentationml/2006/main">
+  <p:cSld>
+    <p:spTree>
+      <p:nvGrpSpPr>
+        <p:cNvPr id="1" name=""/>
+        <p:cNvGrpSpPr/>
+        <p:nvPr/>
+      </p:nvGrpSpPr>
+      <p:grpSpPr>
+        <a:xfrm>
+          <a:off x="0" y="0"/>
+          <a:ext cx="0" cy="0"/>
+          <a:chOff x="0" y="0"/>
+          <a:chExt cx="0" cy="0"/>
+        </a:xfrm>
+      </p:grpSpPr>
+      <p:sp>
+        <p:nvSpPr>
+          <p:cNvPr id="2" name="Tytuł 1">
+            <a:extLst>
+              <a:ext uri="{FF2B5EF4-FFF2-40B4-BE49-F238E27FC236}">
+                <a16:creationId xmlns:a16="http://schemas.microsoft.com/office/drawing/2014/main" id="{1CDFAE09-9340-46F4-AAD1-7634ACCA5D84}"/>
+              </a:ext>
+            </a:extLst>
+          </p:cNvPr>
+          <p:cNvSpPr>
+            <a:spLocks noGrp="1"/>
+          </p:cNvSpPr>
+          <p:nvPr>
+            <p:ph type="title"/>
+          </p:nvPr>
+        </p:nvSpPr>
+        <p:spPr/>
+        <p:txBody>
+          <a:bodyPr/>
+          <a:lstStyle/>
+          <a:p>
+            <a:r>
+              <a:rPr lang="pl-PL" dirty="0" err="1"/>
+              <a:t>Kuberneres</a:t>
+            </a:r>
+            <a:r>
+              <a:rPr lang="pl-PL" dirty="0"/>
+              <a:t> </a:t>
+            </a:r>
+            <a:r>
+              <a:rPr lang="pl-PL" dirty="0" err="1"/>
+              <a:t>pOD</a:t>
+            </a:r>
+            <a:endParaRPr lang="pl-PL" dirty="0"/>
+          </a:p>
+        </p:txBody>
+      </p:sp>
+      <p:sp>
+        <p:nvSpPr>
+          <p:cNvPr id="3" name="Symbol zastępczy zawartości 2">
+            <a:extLst>
+              <a:ext uri="{FF2B5EF4-FFF2-40B4-BE49-F238E27FC236}">
+                <a16:creationId xmlns:a16="http://schemas.microsoft.com/office/drawing/2014/main" id="{F4DB3CB1-D8F1-4D79-82CF-19E649FDC0E8}"/>
+              </a:ext>
+            </a:extLst>
+          </p:cNvPr>
+          <p:cNvSpPr>
+            <a:spLocks noGrp="1"/>
+          </p:cNvSpPr>
+          <p:nvPr>
+            <p:ph idx="1"/>
+          </p:nvPr>
+        </p:nvSpPr>
+        <p:spPr/>
+        <p:txBody>
+          <a:bodyPr>
+            <a:normAutofit/>
+          </a:bodyPr>
+          <a:lstStyle/>
+          <a:p>
+            <a:pPr algn="ctr"/>
+            <a:endParaRPr lang="pl-PL" sz="6000" dirty="0"/>
+          </a:p>
+          <a:p>
+            <a:pPr marL="0" indent="0" algn="ctr">
+              <a:buNone/>
+            </a:pPr>
+            <a:r>
+              <a:rPr lang="pl-PL" sz="6000" dirty="0"/>
+              <a:t>DEMO</a:t>
+            </a:r>
+          </a:p>
+        </p:txBody>
+      </p:sp>
+    </p:spTree>
+    <p:extLst>
+      <p:ext uri="{BB962C8B-B14F-4D97-AF65-F5344CB8AC3E}">
+        <p14:creationId xmlns:p14="http://schemas.microsoft.com/office/powerpoint/2010/main" val="2738013911"/>
+      </p:ext>
+    </p:extLst>
+  </p:cSld>
+  <p:clrMapOvr>
+    <a:masterClrMapping/>
+  </p:clrMapOvr>
+</p:sld>
+</file>
+
+<file path=ppt/slides/slide15.xml><?xml version="1.0" encoding="utf-8"?>
 <p:sld xmlns:a="http://schemas.openxmlformats.org/drawingml/2006/main" xmlns:r="http://schemas.openxmlformats.org/officeDocument/2006/relationships" xmlns:p="http://schemas.openxmlformats.org/presentationml/2006/main">
   <p:cSld>
     <p:spTree>
@@ -21626,7 +23501,7 @@
 </p:sld>
 </file>
 
-<file path=ppt/slides/slide14.xml><?xml version="1.0" encoding="utf-8"?>
+<file path=ppt/slides/slide16.xml><?xml version="1.0" encoding="utf-8"?>
 <p:sld xmlns:a="http://schemas.openxmlformats.org/drawingml/2006/main" xmlns:r="http://schemas.openxmlformats.org/officeDocument/2006/relationships" xmlns:p="http://schemas.openxmlformats.org/presentationml/2006/main">
   <p:cSld>
     <p:spTree>
@@ -24250,7 +26125,7 @@
 </p:sld>
 </file>
 
-<file path=ppt/slides/slide15.xml><?xml version="1.0" encoding="utf-8"?>
+<file path=ppt/slides/slide17.xml><?xml version="1.0" encoding="utf-8"?>
 <p:sld xmlns:a="http://schemas.openxmlformats.org/drawingml/2006/main" xmlns:r="http://schemas.openxmlformats.org/officeDocument/2006/relationships" xmlns:p="http://schemas.openxmlformats.org/presentationml/2006/main">
   <p:cSld>
     <p:spTree>
@@ -24465,7 +26340,7 @@
 </p:sld>
 </file>
 
-<file path=ppt/slides/slide16.xml><?xml version="1.0" encoding="utf-8"?>
+<file path=ppt/slides/slide18.xml><?xml version="1.0" encoding="utf-8"?>
 <p:sld xmlns:a="http://schemas.openxmlformats.org/drawingml/2006/main" xmlns:r="http://schemas.openxmlformats.org/officeDocument/2006/relationships" xmlns:p="http://schemas.openxmlformats.org/presentationml/2006/main">
   <p:cSld>
     <p:spTree>
@@ -24592,7 +26467,7 @@
 </p:sld>
 </file>
 
-<file path=ppt/slides/slide17.xml><?xml version="1.0" encoding="utf-8"?>
+<file path=ppt/slides/slide19.xml><?xml version="1.0" encoding="utf-8"?>
 <p:sld xmlns:a="http://schemas.openxmlformats.org/drawingml/2006/main" xmlns:r="http://schemas.openxmlformats.org/officeDocument/2006/relationships" xmlns:p="http://schemas.openxmlformats.org/presentationml/2006/main">
   <p:cSld>
     <p:spTree>
@@ -25256,7 +27131,1623 @@
 </p:sld>
 </file>
 
-<file path=ppt/slides/slide18.xml><?xml version="1.0" encoding="utf-8"?>
+<file path=ppt/slides/slide2.xml><?xml version="1.0" encoding="utf-8"?>
+<p:sld xmlns:a="http://schemas.openxmlformats.org/drawingml/2006/main" xmlns:r="http://schemas.openxmlformats.org/officeDocument/2006/relationships" xmlns:p="http://schemas.openxmlformats.org/presentationml/2006/main">
+  <p:cSld>
+    <p:spTree>
+      <p:nvGrpSpPr>
+        <p:cNvPr id="1" name=""/>
+        <p:cNvGrpSpPr/>
+        <p:nvPr/>
+      </p:nvGrpSpPr>
+      <p:grpSpPr>
+        <a:xfrm>
+          <a:off x="0" y="0"/>
+          <a:ext cx="0" cy="0"/>
+          <a:chOff x="0" y="0"/>
+          <a:chExt cx="0" cy="0"/>
+        </a:xfrm>
+      </p:grpSpPr>
+      <p:sp>
+        <p:nvSpPr>
+          <p:cNvPr id="2" name="Tytuł 1">
+            <a:extLst>
+              <a:ext uri="{FF2B5EF4-FFF2-40B4-BE49-F238E27FC236}">
+                <a16:creationId xmlns:a16="http://schemas.microsoft.com/office/drawing/2014/main" id="{641BEB09-4084-41DE-AF6A-A306277FFD05}"/>
+              </a:ext>
+            </a:extLst>
+          </p:cNvPr>
+          <p:cNvSpPr>
+            <a:spLocks noGrp="1"/>
+          </p:cNvSpPr>
+          <p:nvPr>
+            <p:ph type="title"/>
+          </p:nvPr>
+        </p:nvSpPr>
+        <p:spPr/>
+        <p:txBody>
+          <a:bodyPr/>
+          <a:lstStyle/>
+          <a:p>
+            <a:r>
+              <a:rPr lang="pl-PL" dirty="0" err="1"/>
+              <a:t>History</a:t>
+            </a:r>
+            <a:r>
+              <a:rPr lang="pl-PL" dirty="0"/>
+              <a:t> of </a:t>
+            </a:r>
+            <a:r>
+              <a:rPr lang="pl-PL" dirty="0" err="1"/>
+              <a:t>Kubernetes</a:t>
+            </a:r>
+            <a:endParaRPr lang="pl-PL" dirty="0"/>
+          </a:p>
+        </p:txBody>
+      </p:sp>
+      <p:sp>
+        <p:nvSpPr>
+          <p:cNvPr id="3" name="Symbol zastępczy zawartości 2">
+            <a:extLst>
+              <a:ext uri="{FF2B5EF4-FFF2-40B4-BE49-F238E27FC236}">
+                <a16:creationId xmlns:a16="http://schemas.microsoft.com/office/drawing/2014/main" id="{939C7478-5F79-4B20-B681-829B94A74190}"/>
+              </a:ext>
+            </a:extLst>
+          </p:cNvPr>
+          <p:cNvSpPr>
+            <a:spLocks noGrp="1"/>
+          </p:cNvSpPr>
+          <p:nvPr>
+            <p:ph idx="1"/>
+          </p:nvPr>
+        </p:nvSpPr>
+        <p:spPr/>
+        <p:txBody>
+          <a:bodyPr>
+            <a:normAutofit fontScale="92500" lnSpcReduction="20000"/>
+          </a:bodyPr>
+          <a:lstStyle/>
+          <a:p>
+            <a:r>
+              <a:rPr lang="en-US" dirty="0"/>
+              <a:t>According to the </a:t>
+            </a:r>
+            <a:r>
+              <a:rPr lang="en-US" dirty="0">
+                <a:hlinkClick r:id="rId2"/>
+              </a:rPr>
+              <a:t>Kubernetes website</a:t>
+            </a:r>
+            <a:r>
+              <a:rPr lang="en-US" dirty="0"/>
+              <a:t>,</a:t>
+            </a:r>
+          </a:p>
+          <a:p>
+            <a:r>
+              <a:rPr lang="en-US" i="1" dirty="0"/>
+              <a:t>"Kubernetes is an open-source system for automating deployment, scaling, and management of containerized applications."</a:t>
+            </a:r>
+            <a:endParaRPr lang="en-US" dirty="0"/>
+          </a:p>
+          <a:p>
+            <a:r>
+              <a:rPr lang="en-US" b="1" dirty="0"/>
+              <a:t>Kubernetes</a:t>
+            </a:r>
+            <a:r>
+              <a:rPr lang="en-US" dirty="0"/>
+              <a:t> comes from the Greek word </a:t>
+            </a:r>
+            <a:r>
+              <a:rPr lang="en-US" b="1" dirty="0" err="1"/>
+              <a:t>κυ</a:t>
+            </a:r>
+            <a:r>
+              <a:rPr lang="en-US" b="1" dirty="0"/>
+              <a:t>βερνήτης</a:t>
+            </a:r>
+            <a:r>
+              <a:rPr lang="en-US" dirty="0"/>
+              <a:t>, which means </a:t>
+            </a:r>
+            <a:r>
+              <a:rPr lang="en-US" i="1" dirty="0"/>
+              <a:t>helmsman</a:t>
+            </a:r>
+            <a:r>
+              <a:rPr lang="en-US" dirty="0"/>
+              <a:t> or </a:t>
+            </a:r>
+            <a:r>
+              <a:rPr lang="en-US" i="1" dirty="0"/>
+              <a:t>ship pilot</a:t>
+            </a:r>
+            <a:r>
+              <a:rPr lang="en-US" dirty="0"/>
+              <a:t>. With this analogy in mind, we can think of Kubernetes as the pilot on a ship of containers.</a:t>
+            </a:r>
+          </a:p>
+          <a:p>
+            <a:r>
+              <a:rPr lang="en-US" dirty="0"/>
+              <a:t>Kubernetes is also referred to as </a:t>
+            </a:r>
+            <a:r>
+              <a:rPr lang="en-US" b="1" dirty="0"/>
+              <a:t>k8s</a:t>
+            </a:r>
+            <a:r>
+              <a:rPr lang="en-US" dirty="0"/>
+              <a:t>, as there are 8 characters between </a:t>
+            </a:r>
+            <a:r>
+              <a:rPr lang="en-US" i="1" dirty="0"/>
+              <a:t>k</a:t>
+            </a:r>
+            <a:r>
+              <a:rPr lang="en-US" dirty="0"/>
+              <a:t> and </a:t>
+            </a:r>
+            <a:r>
+              <a:rPr lang="en-US" i="1" dirty="0"/>
+              <a:t>s</a:t>
+            </a:r>
+            <a:r>
+              <a:rPr lang="en-US" dirty="0"/>
+              <a:t>.</a:t>
+            </a:r>
+            <a:endParaRPr lang="pl-PL" dirty="0"/>
+          </a:p>
+          <a:p>
+            <a:r>
+              <a:rPr lang="en-US" dirty="0"/>
+              <a:t>Kubernetes is highly inspired by the Google Borg system, a container orchestrator for its global operations for more than a decade. It is an open source project written in the Go language and licensed under the </a:t>
+            </a:r>
+            <a:r>
+              <a:rPr lang="en-US" dirty="0">
+                <a:hlinkClick r:id="rId3"/>
+              </a:rPr>
+              <a:t>Apache License, Version 2.0</a:t>
+            </a:r>
+            <a:r>
+              <a:rPr lang="en-US" dirty="0"/>
+              <a:t>.</a:t>
+            </a:r>
+          </a:p>
+          <a:p>
+            <a:r>
+              <a:rPr lang="en-US" dirty="0"/>
+              <a:t>Kubernetes was started by Google and, with its v1.0 release in July 2015, Google donated it to the </a:t>
+            </a:r>
+            <a:r>
+              <a:rPr lang="en-US" dirty="0">
+                <a:hlinkClick r:id="rId4"/>
+              </a:rPr>
+              <a:t>Cloud Native Computing Foundation</a:t>
+            </a:r>
+            <a:r>
+              <a:rPr lang="en-US" dirty="0"/>
+              <a:t> (CNCF). </a:t>
+            </a:r>
+          </a:p>
+          <a:p>
+            <a:r>
+              <a:rPr lang="en-US" dirty="0"/>
+              <a:t>New Kubernetes versions are released in 3 months cycles. The current stable version is </a:t>
+            </a:r>
+            <a:r>
+              <a:rPr lang="en-US" dirty="0">
+                <a:solidFill>
+                  <a:srgbClr val="FF0000"/>
+                </a:solidFill>
+              </a:rPr>
+              <a:t>1.1</a:t>
+            </a:r>
+            <a:r>
+              <a:rPr lang="pl-PL" dirty="0">
+                <a:solidFill>
+                  <a:srgbClr val="FF0000"/>
+                </a:solidFill>
+              </a:rPr>
+              <a:t>8</a:t>
+            </a:r>
+            <a:r>
+              <a:rPr lang="en-US" dirty="0"/>
+              <a:t> (as of </a:t>
+            </a:r>
+            <a:r>
+              <a:rPr lang="pl-PL" dirty="0" err="1"/>
+              <a:t>June</a:t>
+            </a:r>
+            <a:r>
+              <a:rPr lang="pl-PL" dirty="0"/>
+              <a:t> </a:t>
+            </a:r>
+            <a:r>
+              <a:rPr lang="en-US" dirty="0"/>
+              <a:t>20</a:t>
+            </a:r>
+            <a:r>
+              <a:rPr lang="pl-PL" dirty="0"/>
+              <a:t>20</a:t>
+            </a:r>
+            <a:r>
+              <a:rPr lang="en-US" dirty="0"/>
+              <a:t>).</a:t>
+            </a:r>
+          </a:p>
+          <a:p>
+            <a:endParaRPr lang="pl-PL" dirty="0"/>
+          </a:p>
+        </p:txBody>
+      </p:sp>
+    </p:spTree>
+    <p:extLst>
+      <p:ext uri="{BB962C8B-B14F-4D97-AF65-F5344CB8AC3E}">
+        <p14:creationId xmlns:p14="http://schemas.microsoft.com/office/powerpoint/2010/main" val="3228376300"/>
+      </p:ext>
+    </p:extLst>
+  </p:cSld>
+  <p:clrMapOvr>
+    <a:masterClrMapping/>
+  </p:clrMapOvr>
+</p:sld>
+</file>
+
+<file path=ppt/slides/slide20.xml><?xml version="1.0" encoding="utf-8"?>
+<p:sld xmlns:a="http://schemas.openxmlformats.org/drawingml/2006/main" xmlns:r="http://schemas.openxmlformats.org/officeDocument/2006/relationships" xmlns:p="http://schemas.openxmlformats.org/presentationml/2006/main">
+  <p:cSld>
+    <p:spTree>
+      <p:nvGrpSpPr>
+        <p:cNvPr id="1" name=""/>
+        <p:cNvGrpSpPr/>
+        <p:nvPr/>
+      </p:nvGrpSpPr>
+      <p:grpSpPr>
+        <a:xfrm>
+          <a:off x="0" y="0"/>
+          <a:ext cx="0" cy="0"/>
+          <a:chOff x="0" y="0"/>
+          <a:chExt cx="0" cy="0"/>
+        </a:xfrm>
+      </p:grpSpPr>
+      <p:sp>
+        <p:nvSpPr>
+          <p:cNvPr id="2" name="Tytuł 1">
+            <a:extLst>
+              <a:ext uri="{FF2B5EF4-FFF2-40B4-BE49-F238E27FC236}">
+                <a16:creationId xmlns:a16="http://schemas.microsoft.com/office/drawing/2014/main" id="{6DDEEF18-DFC3-4922-8BF1-5DE42AF7BF66}"/>
+              </a:ext>
+            </a:extLst>
+          </p:cNvPr>
+          <p:cNvSpPr>
+            <a:spLocks noGrp="1"/>
+          </p:cNvSpPr>
+          <p:nvPr>
+            <p:ph type="title"/>
+          </p:nvPr>
+        </p:nvSpPr>
+        <p:spPr/>
+        <p:txBody>
+          <a:bodyPr/>
+          <a:lstStyle/>
+          <a:p>
+            <a:r>
+              <a:rPr lang="pl-PL" dirty="0"/>
+              <a:t>KUBERNETES HPA</a:t>
+            </a:r>
+          </a:p>
+        </p:txBody>
+      </p:sp>
+      <p:sp>
+        <p:nvSpPr>
+          <p:cNvPr id="4" name="Rectangle 1">
+            <a:extLst>
+              <a:ext uri="{FF2B5EF4-FFF2-40B4-BE49-F238E27FC236}">
+                <a16:creationId xmlns:a16="http://schemas.microsoft.com/office/drawing/2014/main" id="{1B87CC7F-BCD6-4DAB-9D7A-0DB6009C3E28}"/>
+              </a:ext>
+            </a:extLst>
+          </p:cNvPr>
+          <p:cNvSpPr>
+            <a:spLocks noGrp="1" noChangeArrowheads="1"/>
+          </p:cNvSpPr>
+          <p:nvPr>
+            <p:ph idx="1"/>
+          </p:nvPr>
+        </p:nvSpPr>
+        <p:spPr bwMode="auto">
+          <a:xfrm>
+            <a:off x="1024128" y="1986425"/>
+            <a:ext cx="9437327" cy="1754326"/>
+          </a:xfrm>
+          <a:prstGeom prst="rect">
+            <a:avLst/>
+          </a:prstGeom>
+          <a:noFill/>
+          <a:ln>
+            <a:noFill/>
+          </a:ln>
+          <a:effectLst/>
+          <a:extLst>
+            <a:ext uri="{909E8E84-426E-40DD-AFC4-6F175D3DCCD1}">
+              <a14:hiddenFill xmlns:a14="http://schemas.microsoft.com/office/drawing/2010/main">
+                <a:solidFill>
+                  <a:schemeClr val="accent1"/>
+                </a:solidFill>
+              </a14:hiddenFill>
+            </a:ext>
+            <a:ext uri="{91240B29-F687-4F45-9708-019B960494DF}">
+              <a14:hiddenLine xmlns:a14="http://schemas.microsoft.com/office/drawing/2010/main" w="9525">
+                <a:solidFill>
+                  <a:schemeClr val="tx1"/>
+                </a:solidFill>
+                <a:miter lim="800000"/>
+                <a:headEnd/>
+                <a:tailEnd/>
+              </a14:hiddenLine>
+            </a:ext>
+            <a:ext uri="{AF507438-7753-43E0-B8FC-AC1667EBCBE1}">
+              <a14:hiddenEffects xmlns:a14="http://schemas.microsoft.com/office/drawing/2010/main">
+                <a:effectLst>
+                  <a:outerShdw dist="35921" dir="2700000" algn="ctr" rotWithShape="0">
+                    <a:schemeClr val="bg2"/>
+                  </a:outerShdw>
+                </a:effectLst>
+              </a14:hiddenEffects>
+            </a:ext>
+          </a:extLst>
+        </p:spPr>
+        <p:txBody>
+          <a:bodyPr vert="horz" wrap="none" lIns="91440" tIns="45720" rIns="91440" bIns="45720" numCol="1" anchor="ctr" anchorCtr="0" compatLnSpc="1">
+            <a:prstTxWarp prst="textNoShape">
+              <a:avLst/>
+            </a:prstTxWarp>
+            <a:spAutoFit/>
+          </a:bodyPr>
+          <a:lstStyle/>
+          <a:p>
+            <a:pPr marL="0" marR="0" lvl="0" indent="0" algn="l" defTabSz="914400" rtl="0" eaLnBrk="0" fontAlgn="base" latinLnBrk="0" hangingPunct="0">
+              <a:lnSpc>
+                <a:spcPct val="100000"/>
+              </a:lnSpc>
+              <a:spcBef>
+                <a:spcPct val="0"/>
+              </a:spcBef>
+              <a:spcAft>
+                <a:spcPct val="0"/>
+              </a:spcAft>
+              <a:buClrTx/>
+              <a:buSzTx/>
+              <a:buFontTx/>
+              <a:buNone/>
+              <a:tabLst/>
+            </a:pPr>
+            <a:r>
+              <a:rPr kumimoji="0" lang="pl-PL" altLang="pl-PL" sz="1800" b="0" i="0" u="none" strike="noStrike" cap="none" normalizeH="0" baseline="0" dirty="0">
+                <a:ln>
+                  <a:noFill/>
+                </a:ln>
+                <a:solidFill>
+                  <a:schemeClr val="tx1"/>
+                </a:solidFill>
+                <a:effectLst/>
+                <a:latin typeface="Arial" panose="020B0604020202020204" pitchFamily="34" charset="0"/>
+              </a:rPr>
+              <a:t>From the most </a:t>
+            </a:r>
+            <a:r>
+              <a:rPr kumimoji="0" lang="pl-PL" altLang="pl-PL" sz="1800" b="0" i="0" u="none" strike="noStrike" cap="none" normalizeH="0" baseline="0" dirty="0" err="1">
+                <a:ln>
+                  <a:noFill/>
+                </a:ln>
+                <a:solidFill>
+                  <a:schemeClr val="tx1"/>
+                </a:solidFill>
+                <a:effectLst/>
+                <a:latin typeface="Arial" panose="020B0604020202020204" pitchFamily="34" charset="0"/>
+              </a:rPr>
+              <a:t>basic</a:t>
+            </a:r>
+            <a:r>
+              <a:rPr kumimoji="0" lang="pl-PL" altLang="pl-PL" sz="1800" b="0" i="0" u="none" strike="noStrike" cap="none" normalizeH="0" baseline="0" dirty="0">
+                <a:ln>
+                  <a:noFill/>
+                </a:ln>
+                <a:solidFill>
+                  <a:schemeClr val="tx1"/>
+                </a:solidFill>
+                <a:effectLst/>
+                <a:latin typeface="Arial" panose="020B0604020202020204" pitchFamily="34" charset="0"/>
+              </a:rPr>
+              <a:t> </a:t>
+            </a:r>
+            <a:r>
+              <a:rPr kumimoji="0" lang="pl-PL" altLang="pl-PL" sz="1800" b="0" i="0" u="none" strike="noStrike" cap="none" normalizeH="0" baseline="0" dirty="0" err="1">
+                <a:ln>
+                  <a:noFill/>
+                </a:ln>
+                <a:solidFill>
+                  <a:schemeClr val="tx1"/>
+                </a:solidFill>
+                <a:effectLst/>
+                <a:latin typeface="Arial" panose="020B0604020202020204" pitchFamily="34" charset="0"/>
+              </a:rPr>
+              <a:t>perspective</a:t>
+            </a:r>
+            <a:r>
+              <a:rPr kumimoji="0" lang="pl-PL" altLang="pl-PL" sz="1800" b="0" i="0" u="none" strike="noStrike" cap="none" normalizeH="0" baseline="0" dirty="0">
+                <a:ln>
+                  <a:noFill/>
+                </a:ln>
+                <a:solidFill>
+                  <a:schemeClr val="tx1"/>
+                </a:solidFill>
+                <a:effectLst/>
+                <a:latin typeface="Arial" panose="020B0604020202020204" pitchFamily="34" charset="0"/>
+              </a:rPr>
+              <a:t>, </a:t>
+            </a:r>
+          </a:p>
+          <a:p>
+            <a:pPr marL="0" marR="0" lvl="0" indent="0" algn="l" defTabSz="914400" rtl="0" eaLnBrk="0" fontAlgn="base" latinLnBrk="0" hangingPunct="0">
+              <a:lnSpc>
+                <a:spcPct val="100000"/>
+              </a:lnSpc>
+              <a:spcBef>
+                <a:spcPct val="0"/>
+              </a:spcBef>
+              <a:spcAft>
+                <a:spcPct val="0"/>
+              </a:spcAft>
+              <a:buClrTx/>
+              <a:buSzTx/>
+              <a:buFontTx/>
+              <a:buNone/>
+              <a:tabLst/>
+            </a:pPr>
+            <a:r>
+              <a:rPr kumimoji="0" lang="pl-PL" altLang="pl-PL" sz="1800" b="0" i="0" u="none" strike="noStrike" cap="none" normalizeH="0" baseline="0" dirty="0">
+                <a:ln>
+                  <a:noFill/>
+                </a:ln>
+                <a:solidFill>
+                  <a:schemeClr val="tx1"/>
+                </a:solidFill>
+                <a:effectLst/>
+                <a:latin typeface="Arial" panose="020B0604020202020204" pitchFamily="34" charset="0"/>
+              </a:rPr>
+              <a:t>the </a:t>
+            </a:r>
+            <a:r>
+              <a:rPr kumimoji="0" lang="pl-PL" altLang="pl-PL" sz="1800" b="0" i="0" u="none" strike="noStrike" cap="none" normalizeH="0" baseline="0" dirty="0" err="1">
+                <a:ln>
+                  <a:noFill/>
+                </a:ln>
+                <a:solidFill>
+                  <a:schemeClr val="tx1"/>
+                </a:solidFill>
+                <a:effectLst/>
+                <a:latin typeface="Arial" panose="020B0604020202020204" pitchFamily="34" charset="0"/>
+              </a:rPr>
+              <a:t>Horizontal</a:t>
+            </a:r>
+            <a:r>
+              <a:rPr kumimoji="0" lang="pl-PL" altLang="pl-PL" sz="1800" b="0" i="0" u="none" strike="noStrike" cap="none" normalizeH="0" baseline="0" dirty="0">
+                <a:ln>
+                  <a:noFill/>
+                </a:ln>
+                <a:solidFill>
+                  <a:schemeClr val="tx1"/>
+                </a:solidFill>
+                <a:effectLst/>
+                <a:latin typeface="Arial" panose="020B0604020202020204" pitchFamily="34" charset="0"/>
+              </a:rPr>
+              <a:t> Pod </a:t>
+            </a:r>
+            <a:r>
+              <a:rPr kumimoji="0" lang="pl-PL" altLang="pl-PL" sz="1800" b="0" i="0" u="none" strike="noStrike" cap="none" normalizeH="0" baseline="0" dirty="0" err="1">
+                <a:ln>
+                  <a:noFill/>
+                </a:ln>
+                <a:solidFill>
+                  <a:schemeClr val="tx1"/>
+                </a:solidFill>
+                <a:effectLst/>
+                <a:latin typeface="Arial" panose="020B0604020202020204" pitchFamily="34" charset="0"/>
+              </a:rPr>
+              <a:t>Autoscaler</a:t>
+            </a:r>
+            <a:r>
+              <a:rPr kumimoji="0" lang="pl-PL" altLang="pl-PL" sz="1800" b="0" i="0" u="none" strike="noStrike" cap="none" normalizeH="0" baseline="0" dirty="0">
+                <a:ln>
+                  <a:noFill/>
+                </a:ln>
+                <a:solidFill>
+                  <a:schemeClr val="tx1"/>
+                </a:solidFill>
+                <a:effectLst/>
+                <a:latin typeface="Arial" panose="020B0604020202020204" pitchFamily="34" charset="0"/>
+              </a:rPr>
+              <a:t> </a:t>
+            </a:r>
+            <a:r>
+              <a:rPr kumimoji="0" lang="pl-PL" altLang="pl-PL" sz="1800" b="0" i="0" u="none" strike="noStrike" cap="none" normalizeH="0" baseline="0" dirty="0" err="1">
+                <a:ln>
+                  <a:noFill/>
+                </a:ln>
+                <a:solidFill>
+                  <a:schemeClr val="tx1"/>
+                </a:solidFill>
+                <a:effectLst/>
+                <a:latin typeface="Arial" panose="020B0604020202020204" pitchFamily="34" charset="0"/>
+              </a:rPr>
+              <a:t>controller</a:t>
+            </a:r>
+            <a:r>
+              <a:rPr kumimoji="0" lang="pl-PL" altLang="pl-PL" sz="1800" b="0" i="0" u="none" strike="noStrike" cap="none" normalizeH="0" baseline="0" dirty="0">
+                <a:ln>
+                  <a:noFill/>
+                </a:ln>
+                <a:solidFill>
+                  <a:schemeClr val="tx1"/>
+                </a:solidFill>
+                <a:effectLst/>
+                <a:latin typeface="Arial" panose="020B0604020202020204" pitchFamily="34" charset="0"/>
+              </a:rPr>
+              <a:t> </a:t>
+            </a:r>
+            <a:r>
+              <a:rPr kumimoji="0" lang="pl-PL" altLang="pl-PL" sz="1800" b="0" i="0" u="none" strike="noStrike" cap="none" normalizeH="0" baseline="0" dirty="0" err="1">
+                <a:ln>
+                  <a:noFill/>
+                </a:ln>
+                <a:solidFill>
+                  <a:schemeClr val="tx1"/>
+                </a:solidFill>
+                <a:effectLst/>
+                <a:latin typeface="Arial" panose="020B0604020202020204" pitchFamily="34" charset="0"/>
+              </a:rPr>
+              <a:t>operates</a:t>
+            </a:r>
+            <a:r>
+              <a:rPr kumimoji="0" lang="pl-PL" altLang="pl-PL" sz="1800" b="0" i="0" u="none" strike="noStrike" cap="none" normalizeH="0" baseline="0" dirty="0">
+                <a:ln>
+                  <a:noFill/>
+                </a:ln>
+                <a:solidFill>
+                  <a:schemeClr val="tx1"/>
+                </a:solidFill>
+                <a:effectLst/>
+                <a:latin typeface="Arial" panose="020B0604020202020204" pitchFamily="34" charset="0"/>
+              </a:rPr>
+              <a:t> on the ratio </a:t>
+            </a:r>
+          </a:p>
+          <a:p>
+            <a:pPr marL="0" marR="0" lvl="0" indent="0" algn="l" defTabSz="914400" rtl="0" eaLnBrk="0" fontAlgn="base" latinLnBrk="0" hangingPunct="0">
+              <a:lnSpc>
+                <a:spcPct val="100000"/>
+              </a:lnSpc>
+              <a:spcBef>
+                <a:spcPct val="0"/>
+              </a:spcBef>
+              <a:spcAft>
+                <a:spcPct val="0"/>
+              </a:spcAft>
+              <a:buClrTx/>
+              <a:buSzTx/>
+              <a:buFontTx/>
+              <a:buNone/>
+              <a:tabLst/>
+            </a:pPr>
+            <a:r>
+              <a:rPr kumimoji="0" lang="pl-PL" altLang="pl-PL" sz="1800" b="0" i="0" u="none" strike="noStrike" cap="none" normalizeH="0" baseline="0" dirty="0" err="1">
+                <a:ln>
+                  <a:noFill/>
+                </a:ln>
+                <a:solidFill>
+                  <a:schemeClr val="tx1"/>
+                </a:solidFill>
+                <a:effectLst/>
+                <a:latin typeface="Arial" panose="020B0604020202020204" pitchFamily="34" charset="0"/>
+              </a:rPr>
+              <a:t>between</a:t>
+            </a:r>
+            <a:r>
+              <a:rPr kumimoji="0" lang="pl-PL" altLang="pl-PL" sz="1800" b="0" i="0" u="none" strike="noStrike" cap="none" normalizeH="0" baseline="0" dirty="0">
+                <a:ln>
+                  <a:noFill/>
+                </a:ln>
+                <a:solidFill>
+                  <a:schemeClr val="tx1"/>
+                </a:solidFill>
+                <a:effectLst/>
+                <a:latin typeface="Arial" panose="020B0604020202020204" pitchFamily="34" charset="0"/>
+              </a:rPr>
+              <a:t> </a:t>
+            </a:r>
+            <a:r>
+              <a:rPr kumimoji="0" lang="pl-PL" altLang="pl-PL" sz="1800" b="0" i="0" u="none" strike="noStrike" cap="none" normalizeH="0" baseline="0" dirty="0" err="1">
+                <a:ln>
+                  <a:noFill/>
+                </a:ln>
+                <a:solidFill>
+                  <a:schemeClr val="tx1"/>
+                </a:solidFill>
+                <a:effectLst/>
+                <a:latin typeface="Arial" panose="020B0604020202020204" pitchFamily="34" charset="0"/>
+              </a:rPr>
+              <a:t>desired</a:t>
+            </a:r>
+            <a:r>
+              <a:rPr kumimoji="0" lang="pl-PL" altLang="pl-PL" sz="1800" b="0" i="0" u="none" strike="noStrike" cap="none" normalizeH="0" baseline="0" dirty="0">
+                <a:ln>
+                  <a:noFill/>
+                </a:ln>
+                <a:solidFill>
+                  <a:schemeClr val="tx1"/>
+                </a:solidFill>
+                <a:effectLst/>
+                <a:latin typeface="Arial" panose="020B0604020202020204" pitchFamily="34" charset="0"/>
+              </a:rPr>
+              <a:t> </a:t>
+            </a:r>
+            <a:r>
+              <a:rPr kumimoji="0" lang="pl-PL" altLang="pl-PL" sz="1800" b="0" i="0" u="none" strike="noStrike" cap="none" normalizeH="0" baseline="0" dirty="0" err="1">
+                <a:ln>
+                  <a:noFill/>
+                </a:ln>
+                <a:solidFill>
+                  <a:schemeClr val="tx1"/>
+                </a:solidFill>
+                <a:effectLst/>
+                <a:latin typeface="Arial" panose="020B0604020202020204" pitchFamily="34" charset="0"/>
+              </a:rPr>
+              <a:t>metric</a:t>
+            </a:r>
+            <a:r>
+              <a:rPr kumimoji="0" lang="pl-PL" altLang="pl-PL" sz="1800" b="0" i="0" u="none" strike="noStrike" cap="none" normalizeH="0" baseline="0" dirty="0">
+                <a:ln>
+                  <a:noFill/>
+                </a:ln>
+                <a:solidFill>
+                  <a:schemeClr val="tx1"/>
+                </a:solidFill>
+                <a:effectLst/>
+                <a:latin typeface="Arial" panose="020B0604020202020204" pitchFamily="34" charset="0"/>
+              </a:rPr>
+              <a:t> </a:t>
+            </a:r>
+            <a:r>
+              <a:rPr kumimoji="0" lang="pl-PL" altLang="pl-PL" sz="1800" b="0" i="0" u="none" strike="noStrike" cap="none" normalizeH="0" baseline="0" dirty="0" err="1">
+                <a:ln>
+                  <a:noFill/>
+                </a:ln>
+                <a:solidFill>
+                  <a:schemeClr val="tx1"/>
+                </a:solidFill>
+                <a:effectLst/>
+                <a:latin typeface="Arial" panose="020B0604020202020204" pitchFamily="34" charset="0"/>
+              </a:rPr>
+              <a:t>value</a:t>
+            </a:r>
+            <a:r>
+              <a:rPr kumimoji="0" lang="pl-PL" altLang="pl-PL" sz="1800" b="0" i="0" u="none" strike="noStrike" cap="none" normalizeH="0" baseline="0" dirty="0">
+                <a:ln>
+                  <a:noFill/>
+                </a:ln>
+                <a:solidFill>
+                  <a:schemeClr val="tx1"/>
+                </a:solidFill>
+                <a:effectLst/>
+                <a:latin typeface="Arial" panose="020B0604020202020204" pitchFamily="34" charset="0"/>
+              </a:rPr>
+              <a:t> and </a:t>
+            </a:r>
+            <a:r>
+              <a:rPr kumimoji="0" lang="pl-PL" altLang="pl-PL" sz="1800" b="0" i="0" u="none" strike="noStrike" cap="none" normalizeH="0" baseline="0" dirty="0" err="1">
+                <a:ln>
+                  <a:noFill/>
+                </a:ln>
+                <a:solidFill>
+                  <a:schemeClr val="tx1"/>
+                </a:solidFill>
+                <a:effectLst/>
+                <a:latin typeface="Arial" panose="020B0604020202020204" pitchFamily="34" charset="0"/>
+              </a:rPr>
+              <a:t>current</a:t>
+            </a:r>
+            <a:r>
+              <a:rPr kumimoji="0" lang="pl-PL" altLang="pl-PL" sz="1800" b="0" i="0" u="none" strike="noStrike" cap="none" normalizeH="0" baseline="0" dirty="0">
+                <a:ln>
+                  <a:noFill/>
+                </a:ln>
+                <a:solidFill>
+                  <a:schemeClr val="tx1"/>
+                </a:solidFill>
+                <a:effectLst/>
+                <a:latin typeface="Arial" panose="020B0604020202020204" pitchFamily="34" charset="0"/>
+              </a:rPr>
+              <a:t> </a:t>
+            </a:r>
+            <a:r>
+              <a:rPr kumimoji="0" lang="pl-PL" altLang="pl-PL" sz="1800" b="0" i="0" u="none" strike="noStrike" cap="none" normalizeH="0" baseline="0" dirty="0" err="1">
+                <a:ln>
+                  <a:noFill/>
+                </a:ln>
+                <a:solidFill>
+                  <a:schemeClr val="tx1"/>
+                </a:solidFill>
+                <a:effectLst/>
+                <a:latin typeface="Arial" panose="020B0604020202020204" pitchFamily="34" charset="0"/>
+              </a:rPr>
+              <a:t>metric</a:t>
+            </a:r>
+            <a:r>
+              <a:rPr kumimoji="0" lang="pl-PL" altLang="pl-PL" sz="1800" b="0" i="0" u="none" strike="noStrike" cap="none" normalizeH="0" baseline="0" dirty="0">
+                <a:ln>
+                  <a:noFill/>
+                </a:ln>
+                <a:solidFill>
+                  <a:schemeClr val="tx1"/>
+                </a:solidFill>
+                <a:effectLst/>
+                <a:latin typeface="Arial" panose="020B0604020202020204" pitchFamily="34" charset="0"/>
+              </a:rPr>
+              <a:t> </a:t>
+            </a:r>
+            <a:r>
+              <a:rPr kumimoji="0" lang="pl-PL" altLang="pl-PL" sz="1800" b="0" i="0" u="none" strike="noStrike" cap="none" normalizeH="0" baseline="0" dirty="0" err="1">
+                <a:ln>
+                  <a:noFill/>
+                </a:ln>
+                <a:solidFill>
+                  <a:schemeClr val="tx1"/>
+                </a:solidFill>
+                <a:effectLst/>
+                <a:latin typeface="Arial" panose="020B0604020202020204" pitchFamily="34" charset="0"/>
+              </a:rPr>
+              <a:t>value</a:t>
+            </a:r>
+            <a:r>
+              <a:rPr kumimoji="0" lang="pl-PL" altLang="pl-PL" sz="1800" b="0" i="0" u="none" strike="noStrike" cap="none" normalizeH="0" baseline="0" dirty="0">
+                <a:ln>
+                  <a:noFill/>
+                </a:ln>
+                <a:solidFill>
+                  <a:schemeClr val="tx1"/>
+                </a:solidFill>
+                <a:effectLst/>
+                <a:latin typeface="Arial" panose="020B0604020202020204" pitchFamily="34" charset="0"/>
+              </a:rPr>
+              <a:t>:</a:t>
+            </a:r>
+          </a:p>
+          <a:p>
+            <a:pPr marL="0" marR="0" lvl="0" indent="0" algn="l" defTabSz="914400" rtl="0" eaLnBrk="0" fontAlgn="base" latinLnBrk="0" hangingPunct="0">
+              <a:lnSpc>
+                <a:spcPct val="100000"/>
+              </a:lnSpc>
+              <a:spcBef>
+                <a:spcPct val="0"/>
+              </a:spcBef>
+              <a:spcAft>
+                <a:spcPct val="0"/>
+              </a:spcAft>
+              <a:buClrTx/>
+              <a:buSzTx/>
+              <a:buFontTx/>
+              <a:buNone/>
+              <a:tabLst/>
+            </a:pPr>
+            <a:endParaRPr lang="pl-PL" altLang="pl-PL" sz="1800" dirty="0">
+              <a:latin typeface="Arial" panose="020B0604020202020204" pitchFamily="34" charset="0"/>
+            </a:endParaRPr>
+          </a:p>
+          <a:p>
+            <a:pPr marL="0" marR="0" lvl="0" indent="0" algn="l" defTabSz="914400" rtl="0" eaLnBrk="0" fontAlgn="base" latinLnBrk="0" hangingPunct="0">
+              <a:lnSpc>
+                <a:spcPct val="100000"/>
+              </a:lnSpc>
+              <a:spcBef>
+                <a:spcPct val="0"/>
+              </a:spcBef>
+              <a:spcAft>
+                <a:spcPct val="0"/>
+              </a:spcAft>
+              <a:buClrTx/>
+              <a:buSzTx/>
+              <a:buFontTx/>
+              <a:buNone/>
+              <a:tabLst/>
+            </a:pPr>
+            <a:endParaRPr kumimoji="0" lang="pl-PL" altLang="pl-PL" sz="1800" b="0" i="0" u="none" strike="noStrike" cap="none" normalizeH="0" baseline="0" dirty="0">
+              <a:ln>
+                <a:noFill/>
+              </a:ln>
+              <a:solidFill>
+                <a:schemeClr val="tx1"/>
+              </a:solidFill>
+              <a:effectLst/>
+              <a:latin typeface="Arial Unicode MS"/>
+            </a:endParaRPr>
+          </a:p>
+          <a:p>
+            <a:pPr marL="0" marR="0" lvl="0" indent="0" algn="l" defTabSz="914400" rtl="0" eaLnBrk="0" fontAlgn="base" latinLnBrk="0" hangingPunct="0">
+              <a:lnSpc>
+                <a:spcPct val="100000"/>
+              </a:lnSpc>
+              <a:spcBef>
+                <a:spcPct val="0"/>
+              </a:spcBef>
+              <a:spcAft>
+                <a:spcPct val="0"/>
+              </a:spcAft>
+              <a:buClrTx/>
+              <a:buSzTx/>
+              <a:buFontTx/>
+              <a:buNone/>
+              <a:tabLst/>
+            </a:pPr>
+            <a:r>
+              <a:rPr kumimoji="0" lang="pl-PL" altLang="pl-PL" sz="1800" b="1" i="0" u="none" strike="noStrike" cap="none" normalizeH="0" baseline="0" dirty="0" err="1">
+                <a:ln>
+                  <a:noFill/>
+                </a:ln>
+                <a:solidFill>
+                  <a:schemeClr val="tx1"/>
+                </a:solidFill>
+                <a:effectLst/>
+                <a:latin typeface="Arial Unicode MS"/>
+              </a:rPr>
+              <a:t>desiredReplicas</a:t>
+            </a:r>
+            <a:r>
+              <a:rPr kumimoji="0" lang="pl-PL" altLang="pl-PL" sz="1800" b="1" i="0" u="none" strike="noStrike" cap="none" normalizeH="0" baseline="0" dirty="0">
+                <a:ln>
+                  <a:noFill/>
+                </a:ln>
+                <a:solidFill>
+                  <a:schemeClr val="tx1"/>
+                </a:solidFill>
+                <a:effectLst/>
+                <a:latin typeface="Arial Unicode MS"/>
+              </a:rPr>
+              <a:t> = </a:t>
+            </a:r>
+            <a:r>
+              <a:rPr kumimoji="0" lang="pl-PL" altLang="pl-PL" sz="1800" b="1" i="0" u="none" strike="noStrike" cap="none" normalizeH="0" baseline="0" dirty="0" err="1">
+                <a:ln>
+                  <a:noFill/>
+                </a:ln>
+                <a:solidFill>
+                  <a:schemeClr val="tx1"/>
+                </a:solidFill>
+                <a:effectLst/>
+                <a:latin typeface="Arial Unicode MS"/>
+              </a:rPr>
+              <a:t>ceil</a:t>
+            </a:r>
+            <a:r>
+              <a:rPr kumimoji="0" lang="pl-PL" altLang="pl-PL" sz="1800" b="1" i="0" u="none" strike="noStrike" cap="none" normalizeH="0" baseline="0" dirty="0">
+                <a:ln>
+                  <a:noFill/>
+                </a:ln>
+                <a:solidFill>
+                  <a:schemeClr val="tx1"/>
+                </a:solidFill>
+                <a:effectLst/>
+                <a:latin typeface="Arial Unicode MS"/>
+              </a:rPr>
+              <a:t>[</a:t>
+            </a:r>
+            <a:r>
+              <a:rPr kumimoji="0" lang="pl-PL" altLang="pl-PL" sz="1800" b="1" i="0" u="none" strike="noStrike" cap="none" normalizeH="0" baseline="0" dirty="0" err="1">
+                <a:ln>
+                  <a:noFill/>
+                </a:ln>
+                <a:solidFill>
+                  <a:schemeClr val="tx1"/>
+                </a:solidFill>
+                <a:effectLst/>
+                <a:latin typeface="Arial Unicode MS"/>
+              </a:rPr>
+              <a:t>currentReplicas</a:t>
+            </a:r>
+            <a:r>
+              <a:rPr kumimoji="0" lang="pl-PL" altLang="pl-PL" sz="1800" b="1" i="0" u="none" strike="noStrike" cap="none" normalizeH="0" baseline="0" dirty="0">
+                <a:ln>
+                  <a:noFill/>
+                </a:ln>
+                <a:solidFill>
+                  <a:schemeClr val="tx1"/>
+                </a:solidFill>
+                <a:effectLst/>
+                <a:latin typeface="Arial Unicode MS"/>
+              </a:rPr>
+              <a:t> * ( </a:t>
+            </a:r>
+            <a:r>
+              <a:rPr kumimoji="0" lang="pl-PL" altLang="pl-PL" sz="1800" b="1" i="0" u="none" strike="noStrike" cap="none" normalizeH="0" baseline="0" dirty="0" err="1">
+                <a:ln>
+                  <a:noFill/>
+                </a:ln>
+                <a:solidFill>
+                  <a:schemeClr val="tx1"/>
+                </a:solidFill>
+                <a:effectLst/>
+                <a:latin typeface="Arial Unicode MS"/>
+              </a:rPr>
+              <a:t>currentMetricValue</a:t>
+            </a:r>
+            <a:r>
+              <a:rPr kumimoji="0" lang="pl-PL" altLang="pl-PL" sz="1800" b="1" i="0" u="none" strike="noStrike" cap="none" normalizeH="0" baseline="0" dirty="0">
+                <a:ln>
+                  <a:noFill/>
+                </a:ln>
+                <a:solidFill>
+                  <a:schemeClr val="tx1"/>
+                </a:solidFill>
+                <a:effectLst/>
+                <a:latin typeface="Arial Unicode MS"/>
+              </a:rPr>
+              <a:t> / </a:t>
+            </a:r>
+            <a:r>
+              <a:rPr kumimoji="0" lang="pl-PL" altLang="pl-PL" sz="1800" b="1" i="0" u="none" strike="noStrike" cap="none" normalizeH="0" baseline="0" dirty="0" err="1">
+                <a:ln>
+                  <a:noFill/>
+                </a:ln>
+                <a:solidFill>
+                  <a:schemeClr val="tx1"/>
+                </a:solidFill>
+                <a:effectLst/>
+                <a:latin typeface="Arial Unicode MS"/>
+              </a:rPr>
+              <a:t>desiredMetricValue</a:t>
+            </a:r>
+            <a:r>
+              <a:rPr kumimoji="0" lang="pl-PL" altLang="pl-PL" sz="1800" b="1" i="0" u="none" strike="noStrike" cap="none" normalizeH="0" baseline="0" dirty="0">
+                <a:ln>
+                  <a:noFill/>
+                </a:ln>
+                <a:solidFill>
+                  <a:schemeClr val="tx1"/>
+                </a:solidFill>
+                <a:effectLst/>
+                <a:latin typeface="Arial Unicode MS"/>
+              </a:rPr>
+              <a:t> )] </a:t>
+            </a:r>
+            <a:endParaRPr kumimoji="0" lang="pl-PL" altLang="pl-PL" sz="1800" b="1" i="0" u="none" strike="noStrike" cap="none" normalizeH="0" baseline="0" dirty="0">
+              <a:ln>
+                <a:noFill/>
+              </a:ln>
+              <a:solidFill>
+                <a:schemeClr val="tx1"/>
+              </a:solidFill>
+              <a:effectLst/>
+              <a:latin typeface="Arial" panose="020B0604020202020204" pitchFamily="34" charset="0"/>
+            </a:endParaRPr>
+          </a:p>
+        </p:txBody>
+      </p:sp>
+      <p:sp>
+        <p:nvSpPr>
+          <p:cNvPr id="5" name="Prostokąt 4">
+            <a:extLst>
+              <a:ext uri="{FF2B5EF4-FFF2-40B4-BE49-F238E27FC236}">
+                <a16:creationId xmlns:a16="http://schemas.microsoft.com/office/drawing/2014/main" id="{A6B130B8-9C74-41DE-B17A-8C535CA9A00F}"/>
+              </a:ext>
+            </a:extLst>
+          </p:cNvPr>
+          <p:cNvSpPr/>
+          <p:nvPr/>
+        </p:nvSpPr>
+        <p:spPr>
+          <a:xfrm>
+            <a:off x="6096000" y="996357"/>
+            <a:ext cx="6096000" cy="1200329"/>
+          </a:xfrm>
+          <a:prstGeom prst="rect">
+            <a:avLst/>
+          </a:prstGeom>
+        </p:spPr>
+        <p:txBody>
+          <a:bodyPr>
+            <a:spAutoFit/>
+          </a:bodyPr>
+          <a:lstStyle/>
+          <a:p>
+            <a:r>
+              <a:rPr lang="pl-PL" dirty="0" err="1">
+                <a:solidFill>
+                  <a:srgbClr val="569CD6"/>
+                </a:solidFill>
+                <a:latin typeface="Consolas" panose="020B0609020204030204" pitchFamily="49" charset="0"/>
+              </a:rPr>
+              <a:t>apiVersion</a:t>
+            </a:r>
+            <a:r>
+              <a:rPr lang="pl-PL" dirty="0">
+                <a:solidFill>
+                  <a:srgbClr val="D4D4D4"/>
+                </a:solidFill>
+                <a:latin typeface="Consolas" panose="020B0609020204030204" pitchFamily="49" charset="0"/>
+              </a:rPr>
+              <a:t>: </a:t>
+            </a:r>
+            <a:r>
+              <a:rPr lang="pl-PL" dirty="0" err="1">
+                <a:solidFill>
+                  <a:srgbClr val="CE9178"/>
+                </a:solidFill>
+                <a:latin typeface="Consolas" panose="020B0609020204030204" pitchFamily="49" charset="0"/>
+              </a:rPr>
+              <a:t>autoscaling</a:t>
+            </a:r>
+            <a:r>
+              <a:rPr lang="pl-PL" dirty="0">
+                <a:solidFill>
+                  <a:srgbClr val="CE9178"/>
+                </a:solidFill>
+                <a:latin typeface="Consolas" panose="020B0609020204030204" pitchFamily="49" charset="0"/>
+              </a:rPr>
+              <a:t>/v1</a:t>
+            </a:r>
+            <a:endParaRPr lang="pl-PL" dirty="0">
+              <a:solidFill>
+                <a:srgbClr val="D4D4D4"/>
+              </a:solidFill>
+              <a:latin typeface="Consolas" panose="020B0609020204030204" pitchFamily="49" charset="0"/>
+            </a:endParaRPr>
+          </a:p>
+          <a:p>
+            <a:r>
+              <a:rPr lang="pl-PL" dirty="0" err="1">
+                <a:solidFill>
+                  <a:srgbClr val="569CD6"/>
+                </a:solidFill>
+                <a:latin typeface="Consolas" panose="020B0609020204030204" pitchFamily="49" charset="0"/>
+              </a:rPr>
+              <a:t>kind</a:t>
+            </a:r>
+            <a:r>
+              <a:rPr lang="pl-PL" dirty="0">
+                <a:solidFill>
+                  <a:srgbClr val="D4D4D4"/>
+                </a:solidFill>
+                <a:latin typeface="Consolas" panose="020B0609020204030204" pitchFamily="49" charset="0"/>
+              </a:rPr>
+              <a:t>: </a:t>
+            </a:r>
+            <a:r>
+              <a:rPr lang="pl-PL" dirty="0" err="1">
+                <a:solidFill>
+                  <a:srgbClr val="CE9178"/>
+                </a:solidFill>
+                <a:latin typeface="Consolas" panose="020B0609020204030204" pitchFamily="49" charset="0"/>
+              </a:rPr>
+              <a:t>HorizontalPodAutoscaler</a:t>
+            </a:r>
+            <a:endParaRPr lang="pl-PL" dirty="0">
+              <a:solidFill>
+                <a:srgbClr val="D4D4D4"/>
+              </a:solidFill>
+              <a:latin typeface="Consolas" panose="020B0609020204030204" pitchFamily="49" charset="0"/>
+            </a:endParaRPr>
+          </a:p>
+          <a:p>
+            <a:r>
+              <a:rPr lang="pl-PL" dirty="0" err="1">
+                <a:solidFill>
+                  <a:srgbClr val="569CD6"/>
+                </a:solidFill>
+                <a:latin typeface="Consolas" panose="020B0609020204030204" pitchFamily="49" charset="0"/>
+              </a:rPr>
+              <a:t>metadata</a:t>
+            </a:r>
+            <a:r>
+              <a:rPr lang="pl-PL" dirty="0">
+                <a:solidFill>
+                  <a:srgbClr val="D4D4D4"/>
+                </a:solidFill>
+                <a:latin typeface="Consolas" panose="020B0609020204030204" pitchFamily="49" charset="0"/>
+              </a:rPr>
+              <a:t>:</a:t>
+            </a:r>
+          </a:p>
+          <a:p>
+            <a:r>
+              <a:rPr lang="pl-PL" dirty="0">
+                <a:solidFill>
+                  <a:srgbClr val="569CD6"/>
+                </a:solidFill>
+                <a:latin typeface="Consolas" panose="020B0609020204030204" pitchFamily="49" charset="0"/>
+              </a:rPr>
+              <a:t> 	spec</a:t>
+            </a:r>
+            <a:r>
+              <a:rPr lang="pl-PL" dirty="0">
+                <a:solidFill>
+                  <a:srgbClr val="D4D4D4"/>
+                </a:solidFill>
+                <a:latin typeface="Consolas" panose="020B0609020204030204" pitchFamily="49" charset="0"/>
+              </a:rPr>
+              <a:t>:</a:t>
+            </a:r>
+            <a:endParaRPr lang="pl-PL" b="0" dirty="0">
+              <a:solidFill>
+                <a:srgbClr val="D4D4D4"/>
+              </a:solidFill>
+              <a:effectLst/>
+              <a:latin typeface="Consolas" panose="020B0609020204030204" pitchFamily="49" charset="0"/>
+            </a:endParaRPr>
+          </a:p>
+        </p:txBody>
+      </p:sp>
+      <p:sp>
+        <p:nvSpPr>
+          <p:cNvPr id="6" name="Prostokąt 5">
+            <a:extLst>
+              <a:ext uri="{FF2B5EF4-FFF2-40B4-BE49-F238E27FC236}">
+                <a16:creationId xmlns:a16="http://schemas.microsoft.com/office/drawing/2014/main" id="{DF7EC6D2-3DD6-4087-A982-5EFBB6DB5FDC}"/>
+              </a:ext>
+            </a:extLst>
+          </p:cNvPr>
+          <p:cNvSpPr/>
+          <p:nvPr/>
+        </p:nvSpPr>
+        <p:spPr>
+          <a:xfrm>
+            <a:off x="1551710" y="3899805"/>
+            <a:ext cx="6096000" cy="2308324"/>
+          </a:xfrm>
+          <a:prstGeom prst="rect">
+            <a:avLst/>
+          </a:prstGeom>
+        </p:spPr>
+        <p:txBody>
+          <a:bodyPr>
+            <a:spAutoFit/>
+          </a:bodyPr>
+          <a:lstStyle/>
+          <a:p>
+            <a:r>
+              <a:rPr lang="pl-PL" dirty="0">
+                <a:solidFill>
+                  <a:srgbClr val="569CD6"/>
+                </a:solidFill>
+                <a:latin typeface="Consolas" panose="020B0609020204030204" pitchFamily="49" charset="0"/>
+              </a:rPr>
+              <a:t>spec</a:t>
+            </a:r>
+            <a:r>
+              <a:rPr lang="pl-PL" dirty="0">
+                <a:solidFill>
+                  <a:srgbClr val="D4D4D4"/>
+                </a:solidFill>
+                <a:latin typeface="Consolas" panose="020B0609020204030204" pitchFamily="49" charset="0"/>
+              </a:rPr>
+              <a:t>:</a:t>
+            </a:r>
+          </a:p>
+          <a:p>
+            <a:r>
+              <a:rPr lang="pl-PL" dirty="0">
+                <a:solidFill>
+                  <a:srgbClr val="D4D4D4"/>
+                </a:solidFill>
+                <a:latin typeface="Consolas" panose="020B0609020204030204" pitchFamily="49" charset="0"/>
+              </a:rPr>
+              <a:t>  </a:t>
+            </a:r>
+            <a:r>
+              <a:rPr lang="pl-PL" dirty="0" err="1">
+                <a:solidFill>
+                  <a:srgbClr val="569CD6"/>
+                </a:solidFill>
+                <a:latin typeface="Consolas" panose="020B0609020204030204" pitchFamily="49" charset="0"/>
+              </a:rPr>
+              <a:t>minReplicas</a:t>
+            </a:r>
+            <a:r>
+              <a:rPr lang="pl-PL" dirty="0">
+                <a:solidFill>
+                  <a:srgbClr val="D4D4D4"/>
+                </a:solidFill>
+                <a:latin typeface="Consolas" panose="020B0609020204030204" pitchFamily="49" charset="0"/>
+              </a:rPr>
+              <a:t>: </a:t>
+            </a:r>
+            <a:r>
+              <a:rPr lang="pl-PL" dirty="0">
+                <a:solidFill>
+                  <a:srgbClr val="B5CEA8"/>
+                </a:solidFill>
+                <a:latin typeface="Consolas" panose="020B0609020204030204" pitchFamily="49" charset="0"/>
+              </a:rPr>
+              <a:t>4</a:t>
+            </a:r>
+            <a:endParaRPr lang="pl-PL" dirty="0">
+              <a:solidFill>
+                <a:srgbClr val="D4D4D4"/>
+              </a:solidFill>
+              <a:latin typeface="Consolas" panose="020B0609020204030204" pitchFamily="49" charset="0"/>
+            </a:endParaRPr>
+          </a:p>
+          <a:p>
+            <a:r>
+              <a:rPr lang="pl-PL" dirty="0">
+                <a:solidFill>
+                  <a:srgbClr val="D4D4D4"/>
+                </a:solidFill>
+                <a:latin typeface="Consolas" panose="020B0609020204030204" pitchFamily="49" charset="0"/>
+              </a:rPr>
+              <a:t>  </a:t>
+            </a:r>
+            <a:r>
+              <a:rPr lang="pl-PL" dirty="0" err="1">
+                <a:solidFill>
+                  <a:srgbClr val="569CD6"/>
+                </a:solidFill>
+                <a:latin typeface="Consolas" panose="020B0609020204030204" pitchFamily="49" charset="0"/>
+              </a:rPr>
+              <a:t>maxReplicas</a:t>
+            </a:r>
+            <a:r>
+              <a:rPr lang="pl-PL" dirty="0">
+                <a:solidFill>
+                  <a:srgbClr val="D4D4D4"/>
+                </a:solidFill>
+                <a:latin typeface="Consolas" panose="020B0609020204030204" pitchFamily="49" charset="0"/>
+              </a:rPr>
+              <a:t>: </a:t>
+            </a:r>
+            <a:r>
+              <a:rPr lang="pl-PL" dirty="0">
+                <a:solidFill>
+                  <a:srgbClr val="B5CEA8"/>
+                </a:solidFill>
+                <a:latin typeface="Consolas" panose="020B0609020204030204" pitchFamily="49" charset="0"/>
+              </a:rPr>
+              <a:t>15</a:t>
+            </a:r>
+            <a:endParaRPr lang="pl-PL" dirty="0">
+              <a:solidFill>
+                <a:srgbClr val="D4D4D4"/>
+              </a:solidFill>
+              <a:latin typeface="Consolas" panose="020B0609020204030204" pitchFamily="49" charset="0"/>
+            </a:endParaRPr>
+          </a:p>
+          <a:p>
+            <a:r>
+              <a:rPr lang="pl-PL" dirty="0">
+                <a:solidFill>
+                  <a:srgbClr val="D4D4D4"/>
+                </a:solidFill>
+                <a:latin typeface="Consolas" panose="020B0609020204030204" pitchFamily="49" charset="0"/>
+              </a:rPr>
+              <a:t>  </a:t>
+            </a:r>
+            <a:r>
+              <a:rPr lang="pl-PL" b="1" dirty="0" err="1">
+                <a:solidFill>
+                  <a:srgbClr val="569CD6"/>
+                </a:solidFill>
+                <a:latin typeface="Consolas" panose="020B0609020204030204" pitchFamily="49" charset="0"/>
+              </a:rPr>
+              <a:t>targetCPUUtilizationPercentage</a:t>
+            </a:r>
+            <a:r>
+              <a:rPr lang="pl-PL" b="1" dirty="0">
+                <a:solidFill>
+                  <a:srgbClr val="D4D4D4"/>
+                </a:solidFill>
+                <a:latin typeface="Consolas" panose="020B0609020204030204" pitchFamily="49" charset="0"/>
+              </a:rPr>
+              <a:t>: </a:t>
+            </a:r>
+            <a:r>
+              <a:rPr lang="pl-PL" b="1" dirty="0">
+                <a:solidFill>
+                  <a:srgbClr val="B5CEA8"/>
+                </a:solidFill>
+                <a:latin typeface="Consolas" panose="020B0609020204030204" pitchFamily="49" charset="0"/>
+              </a:rPr>
+              <a:t>40</a:t>
+            </a:r>
+            <a:endParaRPr lang="pl-PL" b="1" dirty="0">
+              <a:solidFill>
+                <a:srgbClr val="D4D4D4"/>
+              </a:solidFill>
+              <a:latin typeface="Consolas" panose="020B0609020204030204" pitchFamily="49" charset="0"/>
+            </a:endParaRPr>
+          </a:p>
+          <a:p>
+            <a:r>
+              <a:rPr lang="pl-PL" dirty="0">
+                <a:solidFill>
+                  <a:srgbClr val="D4D4D4"/>
+                </a:solidFill>
+                <a:latin typeface="Consolas" panose="020B0609020204030204" pitchFamily="49" charset="0"/>
+              </a:rPr>
+              <a:t>  </a:t>
+            </a:r>
+            <a:r>
+              <a:rPr lang="pl-PL" dirty="0" err="1">
+                <a:solidFill>
+                  <a:srgbClr val="569CD6"/>
+                </a:solidFill>
+                <a:latin typeface="Consolas" panose="020B0609020204030204" pitchFamily="49" charset="0"/>
+              </a:rPr>
+              <a:t>scaleTargetRef</a:t>
+            </a:r>
+            <a:r>
+              <a:rPr lang="pl-PL" dirty="0">
+                <a:solidFill>
+                  <a:srgbClr val="D4D4D4"/>
+                </a:solidFill>
+                <a:latin typeface="Consolas" panose="020B0609020204030204" pitchFamily="49" charset="0"/>
+              </a:rPr>
+              <a:t>:</a:t>
+            </a:r>
+          </a:p>
+          <a:p>
+            <a:r>
+              <a:rPr lang="pl-PL" dirty="0">
+                <a:solidFill>
+                  <a:srgbClr val="D4D4D4"/>
+                </a:solidFill>
+                <a:latin typeface="Consolas" panose="020B0609020204030204" pitchFamily="49" charset="0"/>
+              </a:rPr>
+              <a:t>    </a:t>
+            </a:r>
+            <a:r>
+              <a:rPr lang="pl-PL" dirty="0" err="1">
+                <a:solidFill>
+                  <a:srgbClr val="569CD6"/>
+                </a:solidFill>
+                <a:latin typeface="Consolas" panose="020B0609020204030204" pitchFamily="49" charset="0"/>
+              </a:rPr>
+              <a:t>apiVersion</a:t>
+            </a:r>
+            <a:r>
+              <a:rPr lang="pl-PL" dirty="0">
+                <a:solidFill>
+                  <a:srgbClr val="D4D4D4"/>
+                </a:solidFill>
+                <a:latin typeface="Consolas" panose="020B0609020204030204" pitchFamily="49" charset="0"/>
+              </a:rPr>
+              <a:t>: </a:t>
+            </a:r>
+            <a:r>
+              <a:rPr lang="pl-PL" dirty="0" err="1">
+                <a:solidFill>
+                  <a:srgbClr val="CE9178"/>
+                </a:solidFill>
+                <a:latin typeface="Consolas" panose="020B0609020204030204" pitchFamily="49" charset="0"/>
+              </a:rPr>
+              <a:t>apps</a:t>
+            </a:r>
+            <a:r>
+              <a:rPr lang="pl-PL" dirty="0">
+                <a:solidFill>
+                  <a:srgbClr val="CE9178"/>
+                </a:solidFill>
+                <a:latin typeface="Consolas" panose="020B0609020204030204" pitchFamily="49" charset="0"/>
+              </a:rPr>
+              <a:t>/v1</a:t>
+            </a:r>
+            <a:endParaRPr lang="pl-PL" dirty="0">
+              <a:solidFill>
+                <a:srgbClr val="D4D4D4"/>
+              </a:solidFill>
+              <a:latin typeface="Consolas" panose="020B0609020204030204" pitchFamily="49" charset="0"/>
+            </a:endParaRPr>
+          </a:p>
+          <a:p>
+            <a:r>
+              <a:rPr lang="pl-PL" dirty="0">
+                <a:solidFill>
+                  <a:srgbClr val="D4D4D4"/>
+                </a:solidFill>
+                <a:latin typeface="Consolas" panose="020B0609020204030204" pitchFamily="49" charset="0"/>
+              </a:rPr>
+              <a:t>    </a:t>
+            </a:r>
+            <a:r>
+              <a:rPr lang="pl-PL" dirty="0" err="1">
+                <a:solidFill>
+                  <a:srgbClr val="569CD6"/>
+                </a:solidFill>
+                <a:latin typeface="Consolas" panose="020B0609020204030204" pitchFamily="49" charset="0"/>
+              </a:rPr>
+              <a:t>kind</a:t>
+            </a:r>
+            <a:r>
+              <a:rPr lang="pl-PL" dirty="0">
+                <a:solidFill>
+                  <a:srgbClr val="D4D4D4"/>
+                </a:solidFill>
+                <a:latin typeface="Consolas" panose="020B0609020204030204" pitchFamily="49" charset="0"/>
+              </a:rPr>
+              <a:t>: </a:t>
+            </a:r>
+            <a:r>
+              <a:rPr lang="pl-PL" dirty="0">
+                <a:solidFill>
+                  <a:srgbClr val="CE9178"/>
+                </a:solidFill>
+                <a:latin typeface="Consolas" panose="020B0609020204030204" pitchFamily="49" charset="0"/>
+              </a:rPr>
+              <a:t>Deployment</a:t>
+            </a:r>
+            <a:endParaRPr lang="pl-PL" dirty="0">
+              <a:solidFill>
+                <a:srgbClr val="D4D4D4"/>
+              </a:solidFill>
+              <a:latin typeface="Consolas" panose="020B0609020204030204" pitchFamily="49" charset="0"/>
+            </a:endParaRPr>
+          </a:p>
+          <a:p>
+            <a:r>
+              <a:rPr lang="pl-PL" dirty="0">
+                <a:solidFill>
+                  <a:srgbClr val="D4D4D4"/>
+                </a:solidFill>
+                <a:latin typeface="Consolas" panose="020B0609020204030204" pitchFamily="49" charset="0"/>
+              </a:rPr>
+              <a:t>    </a:t>
+            </a:r>
+            <a:r>
+              <a:rPr lang="pl-PL" dirty="0" err="1">
+                <a:solidFill>
+                  <a:srgbClr val="569CD6"/>
+                </a:solidFill>
+                <a:latin typeface="Consolas" panose="020B0609020204030204" pitchFamily="49" charset="0"/>
+              </a:rPr>
+              <a:t>name</a:t>
+            </a:r>
+            <a:r>
+              <a:rPr lang="pl-PL" dirty="0">
+                <a:solidFill>
+                  <a:srgbClr val="D4D4D4"/>
+                </a:solidFill>
+                <a:latin typeface="Consolas" panose="020B0609020204030204" pitchFamily="49" charset="0"/>
+              </a:rPr>
+              <a:t>: </a:t>
+            </a:r>
+            <a:r>
+              <a:rPr lang="pl-PL" dirty="0" err="1">
+                <a:solidFill>
+                  <a:srgbClr val="CE9178"/>
+                </a:solidFill>
+                <a:latin typeface="Consolas" panose="020B0609020204030204" pitchFamily="49" charset="0"/>
+              </a:rPr>
+              <a:t>vote</a:t>
+            </a:r>
+            <a:endParaRPr lang="pl-PL" b="0" dirty="0">
+              <a:solidFill>
+                <a:srgbClr val="D4D4D4"/>
+              </a:solidFill>
+              <a:effectLst/>
+              <a:latin typeface="Consolas" panose="020B0609020204030204" pitchFamily="49" charset="0"/>
+            </a:endParaRPr>
+          </a:p>
+        </p:txBody>
+      </p:sp>
+    </p:spTree>
+    <p:extLst>
+      <p:ext uri="{BB962C8B-B14F-4D97-AF65-F5344CB8AC3E}">
+        <p14:creationId xmlns:p14="http://schemas.microsoft.com/office/powerpoint/2010/main" val="161453528"/>
+      </p:ext>
+    </p:extLst>
+  </p:cSld>
+  <p:clrMapOvr>
+    <a:masterClrMapping/>
+  </p:clrMapOvr>
+</p:sld>
+</file>
+
+<file path=ppt/slides/slide21.xml><?xml version="1.0" encoding="utf-8"?>
+<p:sld xmlns:a="http://schemas.openxmlformats.org/drawingml/2006/main" xmlns:r="http://schemas.openxmlformats.org/officeDocument/2006/relationships" xmlns:p="http://schemas.openxmlformats.org/presentationml/2006/main">
+  <p:cSld>
+    <p:spTree>
+      <p:nvGrpSpPr>
+        <p:cNvPr id="1" name=""/>
+        <p:cNvGrpSpPr/>
+        <p:nvPr/>
+      </p:nvGrpSpPr>
+      <p:grpSpPr>
+        <a:xfrm>
+          <a:off x="0" y="0"/>
+          <a:ext cx="0" cy="0"/>
+          <a:chOff x="0" y="0"/>
+          <a:chExt cx="0" cy="0"/>
+        </a:xfrm>
+      </p:grpSpPr>
+      <p:sp>
+        <p:nvSpPr>
+          <p:cNvPr id="2" name="Tytuł 1">
+            <a:extLst>
+              <a:ext uri="{FF2B5EF4-FFF2-40B4-BE49-F238E27FC236}">
+                <a16:creationId xmlns:a16="http://schemas.microsoft.com/office/drawing/2014/main" id="{ED53C60C-A5A4-49C1-A516-64AF3BBF78EB}"/>
+              </a:ext>
+            </a:extLst>
+          </p:cNvPr>
+          <p:cNvSpPr>
+            <a:spLocks noGrp="1"/>
+          </p:cNvSpPr>
+          <p:nvPr>
+            <p:ph type="title"/>
+          </p:nvPr>
+        </p:nvSpPr>
+        <p:spPr/>
+        <p:txBody>
+          <a:bodyPr/>
+          <a:lstStyle/>
+          <a:p>
+            <a:r>
+              <a:rPr lang="pl-PL" dirty="0"/>
+              <a:t>KUBERNETES HPA,SERVICES</a:t>
+            </a:r>
+          </a:p>
+        </p:txBody>
+      </p:sp>
+      <p:sp>
+        <p:nvSpPr>
+          <p:cNvPr id="3" name="Symbol zastępczy zawartości 2">
+            <a:extLst>
+              <a:ext uri="{FF2B5EF4-FFF2-40B4-BE49-F238E27FC236}">
+                <a16:creationId xmlns:a16="http://schemas.microsoft.com/office/drawing/2014/main" id="{9312EEE5-EC64-41CE-844B-08DE4823138E}"/>
+              </a:ext>
+            </a:extLst>
+          </p:cNvPr>
+          <p:cNvSpPr>
+            <a:spLocks noGrp="1"/>
+          </p:cNvSpPr>
+          <p:nvPr>
+            <p:ph idx="1"/>
+          </p:nvPr>
+        </p:nvSpPr>
+        <p:spPr/>
+        <p:txBody>
+          <a:bodyPr/>
+          <a:lstStyle/>
+          <a:p>
+            <a:pPr algn="ctr"/>
+            <a:endParaRPr lang="pl-PL" sz="6000" dirty="0"/>
+          </a:p>
+          <a:p>
+            <a:pPr marL="0" indent="0" algn="ctr">
+              <a:buNone/>
+            </a:pPr>
+            <a:r>
+              <a:rPr lang="pl-PL" sz="6000" dirty="0"/>
+              <a:t>DEMO</a:t>
+            </a:r>
+          </a:p>
+          <a:p>
+            <a:endParaRPr lang="pl-PL" dirty="0"/>
+          </a:p>
+        </p:txBody>
+      </p:sp>
+    </p:spTree>
+    <p:extLst>
+      <p:ext uri="{BB962C8B-B14F-4D97-AF65-F5344CB8AC3E}">
+        <p14:creationId xmlns:p14="http://schemas.microsoft.com/office/powerpoint/2010/main" val="2833095864"/>
+      </p:ext>
+    </p:extLst>
+  </p:cSld>
+  <p:clrMapOvr>
+    <a:masterClrMapping/>
+  </p:clrMapOvr>
+</p:sld>
+</file>
+
+<file path=ppt/slides/slide22.xml><?xml version="1.0" encoding="utf-8"?>
 <p:sld xmlns:a="http://schemas.openxmlformats.org/drawingml/2006/main" xmlns:r="http://schemas.openxmlformats.org/officeDocument/2006/relationships" xmlns:p="http://schemas.openxmlformats.org/presentationml/2006/main">
   <p:cSld>
     <p:spTree>
@@ -25427,7 +28918,7 @@
 </p:sld>
 </file>
 
-<file path=ppt/slides/slide19.xml><?xml version="1.0" encoding="utf-8"?>
+<file path=ppt/slides/slide23.xml><?xml version="1.0" encoding="utf-8"?>
 <p:sld xmlns:a="http://schemas.openxmlformats.org/drawingml/2006/main" xmlns:r="http://schemas.openxmlformats.org/officeDocument/2006/relationships" xmlns:p="http://schemas.openxmlformats.org/presentationml/2006/main">
   <p:cSld>
     <p:spTree>
@@ -25702,271 +29193,7 @@
 </p:sld>
 </file>
 
-<file path=ppt/slides/slide2.xml><?xml version="1.0" encoding="utf-8"?>
-<p:sld xmlns:a="http://schemas.openxmlformats.org/drawingml/2006/main" xmlns:r="http://schemas.openxmlformats.org/officeDocument/2006/relationships" xmlns:p="http://schemas.openxmlformats.org/presentationml/2006/main">
-  <p:cSld>
-    <p:spTree>
-      <p:nvGrpSpPr>
-        <p:cNvPr id="1" name=""/>
-        <p:cNvGrpSpPr/>
-        <p:nvPr/>
-      </p:nvGrpSpPr>
-      <p:grpSpPr>
-        <a:xfrm>
-          <a:off x="0" y="0"/>
-          <a:ext cx="0" cy="0"/>
-          <a:chOff x="0" y="0"/>
-          <a:chExt cx="0" cy="0"/>
-        </a:xfrm>
-      </p:grpSpPr>
-      <p:sp>
-        <p:nvSpPr>
-          <p:cNvPr id="2" name="Tytuł 1">
-            <a:extLst>
-              <a:ext uri="{FF2B5EF4-FFF2-40B4-BE49-F238E27FC236}">
-                <a16:creationId xmlns:a16="http://schemas.microsoft.com/office/drawing/2014/main" id="{641BEB09-4084-41DE-AF6A-A306277FFD05}"/>
-              </a:ext>
-            </a:extLst>
-          </p:cNvPr>
-          <p:cNvSpPr>
-            <a:spLocks noGrp="1"/>
-          </p:cNvSpPr>
-          <p:nvPr>
-            <p:ph type="title"/>
-          </p:nvPr>
-        </p:nvSpPr>
-        <p:spPr/>
-        <p:txBody>
-          <a:bodyPr/>
-          <a:lstStyle/>
-          <a:p>
-            <a:r>
-              <a:rPr lang="pl-PL" dirty="0" err="1"/>
-              <a:t>History</a:t>
-            </a:r>
-            <a:r>
-              <a:rPr lang="pl-PL" dirty="0"/>
-              <a:t> of </a:t>
-            </a:r>
-            <a:r>
-              <a:rPr lang="pl-PL" dirty="0" err="1"/>
-              <a:t>Kubernetes</a:t>
-            </a:r>
-            <a:endParaRPr lang="pl-PL" dirty="0"/>
-          </a:p>
-        </p:txBody>
-      </p:sp>
-      <p:sp>
-        <p:nvSpPr>
-          <p:cNvPr id="3" name="Symbol zastępczy zawartości 2">
-            <a:extLst>
-              <a:ext uri="{FF2B5EF4-FFF2-40B4-BE49-F238E27FC236}">
-                <a16:creationId xmlns:a16="http://schemas.microsoft.com/office/drawing/2014/main" id="{939C7478-5F79-4B20-B681-829B94A74190}"/>
-              </a:ext>
-            </a:extLst>
-          </p:cNvPr>
-          <p:cNvSpPr>
-            <a:spLocks noGrp="1"/>
-          </p:cNvSpPr>
-          <p:nvPr>
-            <p:ph idx="1"/>
-          </p:nvPr>
-        </p:nvSpPr>
-        <p:spPr/>
-        <p:txBody>
-          <a:bodyPr>
-            <a:normAutofit fontScale="92500" lnSpcReduction="20000"/>
-          </a:bodyPr>
-          <a:lstStyle/>
-          <a:p>
-            <a:r>
-              <a:rPr lang="en-US" dirty="0"/>
-              <a:t>According to the </a:t>
-            </a:r>
-            <a:r>
-              <a:rPr lang="en-US" dirty="0">
-                <a:hlinkClick r:id="rId2"/>
-              </a:rPr>
-              <a:t>Kubernetes website</a:t>
-            </a:r>
-            <a:r>
-              <a:rPr lang="en-US" dirty="0"/>
-              <a:t>,</a:t>
-            </a:r>
-          </a:p>
-          <a:p>
-            <a:r>
-              <a:rPr lang="en-US" i="1" dirty="0"/>
-              <a:t>"Kubernetes is an open-source system for automating deployment, scaling, and management of containerized applications."</a:t>
-            </a:r>
-            <a:endParaRPr lang="en-US" dirty="0"/>
-          </a:p>
-          <a:p>
-            <a:r>
-              <a:rPr lang="en-US" b="1" dirty="0"/>
-              <a:t>Kubernetes</a:t>
-            </a:r>
-            <a:r>
-              <a:rPr lang="en-US" dirty="0"/>
-              <a:t> comes from the Greek word </a:t>
-            </a:r>
-            <a:r>
-              <a:rPr lang="en-US" b="1" dirty="0" err="1"/>
-              <a:t>κυ</a:t>
-            </a:r>
-            <a:r>
-              <a:rPr lang="en-US" b="1" dirty="0"/>
-              <a:t>βερνήτης</a:t>
-            </a:r>
-            <a:r>
-              <a:rPr lang="en-US" dirty="0"/>
-              <a:t>, which means </a:t>
-            </a:r>
-            <a:r>
-              <a:rPr lang="en-US" i="1" dirty="0"/>
-              <a:t>helmsman</a:t>
-            </a:r>
-            <a:r>
-              <a:rPr lang="en-US" dirty="0"/>
-              <a:t> or </a:t>
-            </a:r>
-            <a:r>
-              <a:rPr lang="en-US" i="1" dirty="0"/>
-              <a:t>ship pilot</a:t>
-            </a:r>
-            <a:r>
-              <a:rPr lang="en-US" dirty="0"/>
-              <a:t>. With this analogy in mind, we can think of Kubernetes as the pilot on a ship of containers.</a:t>
-            </a:r>
-          </a:p>
-          <a:p>
-            <a:r>
-              <a:rPr lang="en-US" dirty="0"/>
-              <a:t>Kubernetes is also referred to as </a:t>
-            </a:r>
-            <a:r>
-              <a:rPr lang="en-US" b="1" dirty="0"/>
-              <a:t>k8s</a:t>
-            </a:r>
-            <a:r>
-              <a:rPr lang="en-US" dirty="0"/>
-              <a:t>, as there are 8 characters between </a:t>
-            </a:r>
-            <a:r>
-              <a:rPr lang="en-US" i="1" dirty="0"/>
-              <a:t>k</a:t>
-            </a:r>
-            <a:r>
-              <a:rPr lang="en-US" dirty="0"/>
-              <a:t> and </a:t>
-            </a:r>
-            <a:r>
-              <a:rPr lang="en-US" i="1" dirty="0"/>
-              <a:t>s</a:t>
-            </a:r>
-            <a:r>
-              <a:rPr lang="en-US" dirty="0"/>
-              <a:t>.</a:t>
-            </a:r>
-            <a:endParaRPr lang="pl-PL" dirty="0"/>
-          </a:p>
-          <a:p>
-            <a:r>
-              <a:rPr lang="en-US" dirty="0"/>
-              <a:t>Kubernetes is highly inspired by the Google Borg system, a container orchestrator for its global operations for more than a decade. It is an open source project written in the Go language and licensed under the </a:t>
-            </a:r>
-            <a:r>
-              <a:rPr lang="en-US" dirty="0">
-                <a:hlinkClick r:id="rId3"/>
-              </a:rPr>
-              <a:t>Apache License, Version 2.0</a:t>
-            </a:r>
-            <a:r>
-              <a:rPr lang="en-US" dirty="0"/>
-              <a:t>.</a:t>
-            </a:r>
-          </a:p>
-          <a:p>
-            <a:r>
-              <a:rPr lang="en-US" dirty="0"/>
-              <a:t>Kubernetes was started by Google and, with its v1.0 release in July 2015, Google donated it to the </a:t>
-            </a:r>
-            <a:r>
-              <a:rPr lang="en-US" dirty="0">
-                <a:hlinkClick r:id="rId4"/>
-              </a:rPr>
-              <a:t>Cloud Native Computing Foundation</a:t>
-            </a:r>
-            <a:r>
-              <a:rPr lang="en-US" dirty="0"/>
-              <a:t> (CNCF). </a:t>
-            </a:r>
-          </a:p>
-          <a:p>
-            <a:r>
-              <a:rPr lang="en-US" dirty="0"/>
-              <a:t>New Kubernetes versions are released in 3 months cycles. The current stable version is </a:t>
-            </a:r>
-            <a:r>
-              <a:rPr lang="en-US" dirty="0">
-                <a:solidFill>
-                  <a:srgbClr val="FF0000"/>
-                </a:solidFill>
-              </a:rPr>
-              <a:t>1.1</a:t>
-            </a:r>
-            <a:r>
-              <a:rPr lang="pl-PL" dirty="0">
-                <a:solidFill>
-                  <a:srgbClr val="FF0000"/>
-                </a:solidFill>
-              </a:rPr>
-              <a:t>8</a:t>
-            </a:r>
-            <a:r>
-              <a:rPr lang="en-US" dirty="0"/>
-              <a:t> (as of </a:t>
-            </a:r>
-            <a:r>
-              <a:rPr lang="pl-PL" dirty="0" err="1"/>
-              <a:t>June</a:t>
-            </a:r>
-            <a:r>
-              <a:rPr lang="pl-PL" dirty="0"/>
-              <a:t> </a:t>
-            </a:r>
-            <a:r>
-              <a:rPr lang="en-US" dirty="0"/>
-              <a:t>20</a:t>
-            </a:r>
-            <a:r>
-              <a:rPr lang="pl-PL" dirty="0"/>
-              <a:t>20</a:t>
-            </a:r>
-            <a:r>
-              <a:rPr lang="en-US" dirty="0"/>
-              <a:t>).</a:t>
-            </a:r>
-          </a:p>
-          <a:p>
-            <a:endParaRPr lang="pl-PL" dirty="0"/>
-          </a:p>
-        </p:txBody>
-      </p:sp>
-    </p:spTree>
-    <p:extLst>
-      <p:ext uri="{BB962C8B-B14F-4D97-AF65-F5344CB8AC3E}">
-        <p14:creationId xmlns:p14="http://schemas.microsoft.com/office/powerpoint/2010/main" val="3228376300"/>
-      </p:ext>
-    </p:extLst>
-  </p:cSld>
-  <p:clrMapOvr>
-    <a:masterClrMapping/>
-  </p:clrMapOvr>
-</p:sld>
-</file>
-
-<file path=ppt/slides/slide20.xml><?xml version="1.0" encoding="utf-8"?>
+<file path=ppt/slides/slide24.xml><?xml version="1.0" encoding="utf-8"?>
 <p:sld xmlns:a="http://schemas.openxmlformats.org/drawingml/2006/main" xmlns:r="http://schemas.openxmlformats.org/officeDocument/2006/relationships" xmlns:p="http://schemas.openxmlformats.org/presentationml/2006/main">
   <p:cSld>
     <p:spTree>
@@ -26385,7 +29612,7 @@
 </p:sld>
 </file>
 
-<file path=ppt/slides/slide21.xml><?xml version="1.0" encoding="utf-8"?>
+<file path=ppt/slides/slide25.xml><?xml version="1.0" encoding="utf-8"?>
 <p:sld xmlns:a="http://schemas.openxmlformats.org/drawingml/2006/main" xmlns:r="http://schemas.openxmlformats.org/officeDocument/2006/relationships" xmlns:p="http://schemas.openxmlformats.org/presentationml/2006/main">
   <p:cSld>
     <p:spTree>
@@ -26851,7 +30078,7 @@
 </p:sld>
 </file>
 
-<file path=ppt/slides/slide22.xml><?xml version="1.0" encoding="utf-8"?>
+<file path=ppt/slides/slide26.xml><?xml version="1.0" encoding="utf-8"?>
 <p:sld xmlns:a="http://schemas.openxmlformats.org/drawingml/2006/main" xmlns:r="http://schemas.openxmlformats.org/officeDocument/2006/relationships" xmlns:p="http://schemas.openxmlformats.org/presentationml/2006/main">
   <p:cSld>
     <p:spTree>
@@ -26960,7 +30187,7 @@
 </p:sld>
 </file>
 
-<file path=ppt/slides/slide23.xml><?xml version="1.0" encoding="utf-8"?>
+<file path=ppt/slides/slide27.xml><?xml version="1.0" encoding="utf-8"?>
 <p:sld xmlns:a="http://schemas.openxmlformats.org/drawingml/2006/main" xmlns:r="http://schemas.openxmlformats.org/officeDocument/2006/relationships" xmlns:p="http://schemas.openxmlformats.org/presentationml/2006/main">
   <p:cSld>
     <p:spTree>
@@ -27143,7 +30370,7 @@
 </p:sld>
 </file>
 
-<file path=ppt/slides/slide24.xml><?xml version="1.0" encoding="utf-8"?>
+<file path=ppt/slides/slide28.xml><?xml version="1.0" encoding="utf-8"?>
 <p:sld xmlns:a="http://schemas.openxmlformats.org/drawingml/2006/main" xmlns:r="http://schemas.openxmlformats.org/officeDocument/2006/relationships" xmlns:p="http://schemas.openxmlformats.org/presentationml/2006/main">
   <p:cSld>
     <p:spTree>
@@ -27579,7 +30806,7 @@
 </p:sld>
 </file>
 
-<file path=ppt/slides/slide25.xml><?xml version="1.0" encoding="utf-8"?>
+<file path=ppt/slides/slide29.xml><?xml version="1.0" encoding="utf-8"?>
 <p:sld xmlns:a="http://schemas.openxmlformats.org/drawingml/2006/main" xmlns:r="http://schemas.openxmlformats.org/officeDocument/2006/relationships" xmlns:p="http://schemas.openxmlformats.org/presentationml/2006/main">
   <p:cSld>
     <p:spTree>
@@ -27702,7 +30929,229 @@
 </p:sld>
 </file>
 
-<file path=ppt/slides/slide26.xml><?xml version="1.0" encoding="utf-8"?>
+<file path=ppt/slides/slide3.xml><?xml version="1.0" encoding="utf-8"?>
+<p:sld xmlns:a="http://schemas.openxmlformats.org/drawingml/2006/main" xmlns:r="http://schemas.openxmlformats.org/officeDocument/2006/relationships" xmlns:p="http://schemas.openxmlformats.org/presentationml/2006/main">
+  <p:cSld>
+    <p:spTree>
+      <p:nvGrpSpPr>
+        <p:cNvPr id="1" name=""/>
+        <p:cNvGrpSpPr/>
+        <p:nvPr/>
+      </p:nvGrpSpPr>
+      <p:grpSpPr>
+        <a:xfrm>
+          <a:off x="0" y="0"/>
+          <a:ext cx="0" cy="0"/>
+          <a:chOff x="0" y="0"/>
+          <a:chExt cx="0" cy="0"/>
+        </a:xfrm>
+      </p:grpSpPr>
+      <p:sp>
+        <p:nvSpPr>
+          <p:cNvPr id="2" name="Tytuł 1">
+            <a:extLst>
+              <a:ext uri="{FF2B5EF4-FFF2-40B4-BE49-F238E27FC236}">
+                <a16:creationId xmlns:a16="http://schemas.microsoft.com/office/drawing/2014/main" id="{B800CE0F-BBC6-4148-916A-C66B18E2ADEC}"/>
+              </a:ext>
+            </a:extLst>
+          </p:cNvPr>
+          <p:cNvSpPr>
+            <a:spLocks noGrp="1"/>
+          </p:cNvSpPr>
+          <p:nvPr>
+            <p:ph type="title"/>
+          </p:nvPr>
+        </p:nvSpPr>
+        <p:spPr/>
+        <p:txBody>
+          <a:bodyPr/>
+          <a:lstStyle/>
+          <a:p>
+            <a:r>
+              <a:rPr lang="pl-PL" dirty="0" err="1"/>
+              <a:t>Kubernetes</a:t>
+            </a:r>
+            <a:r>
+              <a:rPr lang="pl-PL" dirty="0"/>
+              <a:t> </a:t>
+            </a:r>
+            <a:r>
+              <a:rPr lang="pl-PL" dirty="0" err="1"/>
+              <a:t>features</a:t>
+            </a:r>
+            <a:endParaRPr lang="pl-PL" dirty="0"/>
+          </a:p>
+        </p:txBody>
+      </p:sp>
+      <p:sp>
+        <p:nvSpPr>
+          <p:cNvPr id="3" name="Symbol zastępczy zawartości 2">
+            <a:extLst>
+              <a:ext uri="{FF2B5EF4-FFF2-40B4-BE49-F238E27FC236}">
+                <a16:creationId xmlns:a16="http://schemas.microsoft.com/office/drawing/2014/main" id="{298D58B9-B40B-4D2D-A33D-88C8A6A7B224}"/>
+              </a:ext>
+            </a:extLst>
+          </p:cNvPr>
+          <p:cNvSpPr>
+            <a:spLocks noGrp="1"/>
+          </p:cNvSpPr>
+          <p:nvPr>
+            <p:ph idx="1"/>
+          </p:nvPr>
+        </p:nvSpPr>
+        <p:spPr>
+          <a:xfrm>
+            <a:off x="1024128" y="1721795"/>
+            <a:ext cx="9720073" cy="4698459"/>
+          </a:xfrm>
+        </p:spPr>
+        <p:txBody>
+          <a:bodyPr>
+            <a:normAutofit/>
+          </a:bodyPr>
+          <a:lstStyle/>
+          <a:p>
+            <a:r>
+              <a:rPr lang="en-US" dirty="0"/>
+              <a:t>Kubernetes offers a very rich set of features for container orchestration. Some of its fully supported features are:</a:t>
+            </a:r>
+          </a:p>
+          <a:p>
+            <a:pPr lvl="1"/>
+            <a:r>
+              <a:rPr lang="en-US" b="1" dirty="0"/>
+              <a:t>Automatic </a:t>
+            </a:r>
+            <a:r>
+              <a:rPr lang="en-US" b="1" dirty="0" err="1"/>
+              <a:t>binpacking</a:t>
+            </a:r>
+            <a:br>
+              <a:rPr lang="en-US" dirty="0"/>
+            </a:br>
+            <a:r>
+              <a:rPr lang="en-US" dirty="0"/>
+              <a:t>Kubernetes automatically schedules the containers based on resource usage and constraints, without sacrificing the availability.</a:t>
+            </a:r>
+          </a:p>
+          <a:p>
+            <a:pPr lvl="1"/>
+            <a:r>
+              <a:rPr lang="en-US" b="1" dirty="0">
+                <a:solidFill>
+                  <a:srgbClr val="FF0000"/>
+                </a:solidFill>
+              </a:rPr>
+              <a:t>Self-healing</a:t>
+            </a:r>
+            <a:br>
+              <a:rPr lang="en-US" dirty="0"/>
+            </a:br>
+            <a:r>
+              <a:rPr lang="en-US" dirty="0"/>
+              <a:t>Kubernetes automatically replaces and reschedules the containers from failed nodes. It also kills and restarts the containers which do not respond to health checks, based on existing rules/policy.</a:t>
+            </a:r>
+          </a:p>
+          <a:p>
+            <a:pPr lvl="1"/>
+            <a:r>
+              <a:rPr lang="en-US" b="1" dirty="0">
+                <a:solidFill>
+                  <a:srgbClr val="FF0000"/>
+                </a:solidFill>
+              </a:rPr>
+              <a:t>Horizontal scaling</a:t>
+            </a:r>
+            <a:br>
+              <a:rPr lang="en-US" dirty="0"/>
+            </a:br>
+            <a:r>
+              <a:rPr lang="en-US" dirty="0"/>
+              <a:t>Kubernetes can automatically scale applications based on resource usage like CPU and memory. In some cases, it also supports dynamic scaling based on customer metrics.</a:t>
+            </a:r>
+          </a:p>
+          <a:p>
+            <a:pPr lvl="1"/>
+            <a:r>
+              <a:rPr lang="en-US" b="1" dirty="0">
+                <a:solidFill>
+                  <a:srgbClr val="FF0000"/>
+                </a:solidFill>
+              </a:rPr>
+              <a:t>Service discovery and Load balancing</a:t>
+            </a:r>
+            <a:br>
+              <a:rPr lang="en-US" dirty="0"/>
+            </a:br>
+            <a:r>
+              <a:rPr lang="en-US" dirty="0"/>
+              <a:t>Kubernetes groups sets of containers and refers to them via a DNS name. This DNS name is also called a Kubernetes </a:t>
+            </a:r>
+            <a:r>
+              <a:rPr lang="en-US" b="1" dirty="0"/>
+              <a:t>service</a:t>
+            </a:r>
+            <a:r>
+              <a:rPr lang="en-US" dirty="0"/>
+              <a:t>. Kubernetes can discover these services automatically, and load-balance requests between containers of a given service.</a:t>
+            </a:r>
+          </a:p>
+        </p:txBody>
+      </p:sp>
+      <p:sp>
+        <p:nvSpPr>
+          <p:cNvPr id="4" name="Prostokąt 3">
+            <a:extLst>
+              <a:ext uri="{FF2B5EF4-FFF2-40B4-BE49-F238E27FC236}">
+                <a16:creationId xmlns:a16="http://schemas.microsoft.com/office/drawing/2014/main" id="{B5234143-7352-4DDE-A684-D810C32C97E8}"/>
+              </a:ext>
+            </a:extLst>
+          </p:cNvPr>
+          <p:cNvSpPr/>
+          <p:nvPr/>
+        </p:nvSpPr>
+        <p:spPr>
+          <a:xfrm>
+            <a:off x="1217613" y="6325862"/>
+            <a:ext cx="6175408" cy="646331"/>
+          </a:xfrm>
+          <a:prstGeom prst="rect">
+            <a:avLst/>
+          </a:prstGeom>
+        </p:spPr>
+        <p:txBody>
+          <a:bodyPr wrap="square">
+            <a:spAutoFit/>
+          </a:bodyPr>
+          <a:lstStyle/>
+          <a:p>
+            <a:r>
+              <a:rPr lang="pl-PL" dirty="0">
+                <a:hlinkClick r:id="rId2"/>
+              </a:rPr>
+              <a:t>https://sites.google.com/site/edxkubernetes/home</a:t>
+            </a:r>
+            <a:endParaRPr lang="pl-PL" dirty="0"/>
+          </a:p>
+          <a:p>
+            <a:endParaRPr lang="pl-PL" dirty="0"/>
+          </a:p>
+        </p:txBody>
+      </p:sp>
+    </p:spTree>
+    <p:extLst>
+      <p:ext uri="{BB962C8B-B14F-4D97-AF65-F5344CB8AC3E}">
+        <p14:creationId xmlns:p14="http://schemas.microsoft.com/office/powerpoint/2010/main" val="393759647"/>
+      </p:ext>
+    </p:extLst>
+  </p:cSld>
+  <p:clrMapOvr>
+    <a:masterClrMapping/>
+  </p:clrMapOvr>
+</p:sld>
+</file>
+
+<file path=ppt/slides/slide30.xml><?xml version="1.0" encoding="utf-8"?>
 <p:sld xmlns:a="http://schemas.openxmlformats.org/drawingml/2006/main" xmlns:r="http://schemas.openxmlformats.org/officeDocument/2006/relationships" xmlns:p="http://schemas.openxmlformats.org/presentationml/2006/main">
   <p:cSld>
     <p:spTree>
@@ -27867,7 +31316,7 @@
 </p:sld>
 </file>
 
-<file path=ppt/slides/slide27.xml><?xml version="1.0" encoding="utf-8"?>
+<file path=ppt/slides/slide31.xml><?xml version="1.0" encoding="utf-8"?>
 <p:sld xmlns:a="http://schemas.openxmlformats.org/drawingml/2006/main" xmlns:r="http://schemas.openxmlformats.org/officeDocument/2006/relationships" xmlns:p="http://schemas.openxmlformats.org/presentationml/2006/main">
   <p:cSld>
     <p:spTree>
@@ -27977,7 +31426,7 @@
 </p:sld>
 </file>
 
-<file path=ppt/slides/slide28.xml><?xml version="1.0" encoding="utf-8"?>
+<file path=ppt/slides/slide32.xml><?xml version="1.0" encoding="utf-8"?>
 <p:sld xmlns:a="http://schemas.openxmlformats.org/drawingml/2006/main" xmlns:r="http://schemas.openxmlformats.org/officeDocument/2006/relationships" xmlns:p="http://schemas.openxmlformats.org/presentationml/2006/main">
   <p:cSld>
     <p:spTree>
@@ -28044,8 +31493,8 @@
         </p:nvSpPr>
         <p:spPr bwMode="auto">
           <a:xfrm>
-            <a:off x="896537" y="2272128"/>
-            <a:ext cx="10916235" cy="4062651"/>
+            <a:off x="1063929" y="1653245"/>
+            <a:ext cx="10916235" cy="3785652"/>
           </a:xfrm>
           <a:prstGeom prst="rect">
             <a:avLst/>
@@ -29191,32 +32640,7 @@
               </a:rPr>
               <a:t> </a:t>
             </a:r>
-          </a:p>
-          <a:p>
-            <a:pPr marL="0" marR="0" lvl="0" indent="0" algn="l" defTabSz="914400" rtl="0" eaLnBrk="0" fontAlgn="base" latinLnBrk="0" hangingPunct="0">
-              <a:lnSpc>
-                <a:spcPct val="100000"/>
-              </a:lnSpc>
-              <a:spcBef>
-                <a:spcPct val="0"/>
-              </a:spcBef>
-              <a:spcAft>
-                <a:spcPct val="0"/>
-              </a:spcAft>
-              <a:buClrTx/>
-              <a:buSzTx/>
-              <a:buFontTx/>
-              <a:buNone/>
-              <a:tabLst/>
-            </a:pPr>
-            <a:endParaRPr kumimoji="0" lang="pl-PL" altLang="pl-PL" sz="1800" b="0" i="0" u="none" strike="noStrike" cap="none" normalizeH="0" baseline="0" dirty="0">
-              <a:ln>
-                <a:noFill/>
-              </a:ln>
-              <a:solidFill>
-                <a:schemeClr val="tx1"/>
-              </a:solidFill>
-              <a:effectLst/>
+            <a:endParaRPr lang="pl-PL" altLang="pl-PL" sz="1800" dirty="0">
               <a:latin typeface="Arial" panose="020B0604020202020204" pitchFamily="34" charset="0"/>
             </a:endParaRPr>
           </a:p>
@@ -29236,23 +32660,29 @@
         </p:nvSpPr>
         <p:spPr>
           <a:xfrm>
-            <a:off x="3048000" y="3105835"/>
-            <a:ext cx="6096000" cy="646331"/>
+            <a:off x="1330909" y="5860595"/>
+            <a:ext cx="10382273" cy="646331"/>
           </a:xfrm>
           <a:prstGeom prst="rect">
             <a:avLst/>
           </a:prstGeom>
         </p:spPr>
         <p:txBody>
-          <a:bodyPr>
+          <a:bodyPr wrap="square">
             <a:spAutoFit/>
           </a:bodyPr>
           <a:lstStyle/>
           <a:p>
             <a:r>
-              <a:rPr lang="pl-PL" dirty="0"/>
+              <a:rPr lang="pl-PL" dirty="0">
+                <a:hlinkClick r:id="rId2"/>
+              </a:rPr>
               <a:t>https://docs.microsoft.com/en-us/azure/aks/use-pod-security-policies</a:t>
             </a:r>
+            <a:endParaRPr lang="pl-PL" dirty="0"/>
+          </a:p>
+          <a:p>
+            <a:endParaRPr lang="pl-PL" dirty="0"/>
           </a:p>
         </p:txBody>
       </p:sp>
@@ -29318,7 +32748,7 @@
 </p:sld>
 </file>
 
-<file path=ppt/slides/slide29.xml><?xml version="1.0" encoding="utf-8"?>
+<file path=ppt/slides/slide33.xml><?xml version="1.0" encoding="utf-8"?>
 <p:sld xmlns:a="http://schemas.openxmlformats.org/drawingml/2006/main" xmlns:r="http://schemas.openxmlformats.org/officeDocument/2006/relationships" xmlns:p="http://schemas.openxmlformats.org/presentationml/2006/main">
   <p:cSld>
     <p:spTree>
@@ -29357,8 +32787,12 @@
           <a:lstStyle/>
           <a:p>
             <a:r>
+              <a:rPr lang="pl-PL" dirty="0" err="1"/>
+              <a:t>Kubernetes</a:t>
+            </a:r>
+            <a:r>
               <a:rPr lang="pl-PL" dirty="0"/>
-              <a:t>Cluster AUDIT</a:t>
+              <a:t> Cluster AUDIT</a:t>
             </a:r>
           </a:p>
         </p:txBody>
@@ -29380,6 +32814,10 @@
           </p:nvPr>
         </p:nvSpPr>
         <p:spPr bwMode="auto">
+          <a:xfrm>
+            <a:off x="1024128" y="3005021"/>
+            <a:ext cx="9720073" cy="2585323"/>
+          </a:xfrm>
           <a:prstGeom prst="rect">
             <a:avLst/>
           </a:prstGeom>
@@ -29484,6 +32922,185 @@
               <a:buNone/>
               <a:tabLst/>
             </a:pPr>
+            <a:endParaRPr lang="pl-PL" altLang="pl-PL" sz="1800" dirty="0">
+              <a:latin typeface="Arial" panose="020B0604020202020204" pitchFamily="34" charset="0"/>
+            </a:endParaRPr>
+          </a:p>
+          <a:p>
+            <a:pPr marL="0" lvl="0" indent="0" eaLnBrk="0" fontAlgn="base" hangingPunct="0">
+              <a:lnSpc>
+                <a:spcPct val="100000"/>
+              </a:lnSpc>
+              <a:spcBef>
+                <a:spcPct val="0"/>
+              </a:spcBef>
+              <a:spcAft>
+                <a:spcPct val="0"/>
+              </a:spcAft>
+              <a:buClrTx/>
+              <a:buSzTx/>
+              <a:buNone/>
+            </a:pPr>
+            <a:r>
+              <a:rPr lang="pl-PL" altLang="pl-PL" sz="1800" dirty="0" err="1">
+                <a:latin typeface="Arial" panose="020B0604020202020204" pitchFamily="34" charset="0"/>
+              </a:rPr>
+              <a:t>kubectl</a:t>
+            </a:r>
+            <a:r>
+              <a:rPr lang="pl-PL" altLang="pl-PL" sz="1800" dirty="0">
+                <a:latin typeface="Arial" panose="020B0604020202020204" pitchFamily="34" charset="0"/>
+              </a:rPr>
+              <a:t> </a:t>
+            </a:r>
+            <a:r>
+              <a:rPr lang="pl-PL" altLang="pl-PL" sz="1800" dirty="0" err="1">
+                <a:latin typeface="Arial" panose="020B0604020202020204" pitchFamily="34" charset="0"/>
+              </a:rPr>
+              <a:t>apply</a:t>
+            </a:r>
+            <a:r>
+              <a:rPr lang="pl-PL" altLang="pl-PL" sz="1800" dirty="0">
+                <a:latin typeface="Arial" panose="020B0604020202020204" pitchFamily="34" charset="0"/>
+              </a:rPr>
+              <a:t> –f </a:t>
+            </a:r>
+            <a:r>
+              <a:rPr lang="pl-PL" altLang="pl-PL" sz="1800" dirty="0">
+                <a:latin typeface="Arial" panose="020B0604020202020204" pitchFamily="34" charset="0"/>
+                <a:hlinkClick r:id="rId3"/>
+              </a:rPr>
+              <a:t>https://raw.githubusercontent.com/aquasecurity/kube-bench/master/job.yaml</a:t>
+            </a:r>
+            <a:r>
+              <a:rPr lang="pl-PL" altLang="pl-PL" sz="1800" dirty="0">
+                <a:latin typeface="Arial" panose="020B0604020202020204" pitchFamily="34" charset="0"/>
+              </a:rPr>
+              <a:t> \</a:t>
+            </a:r>
+          </a:p>
+          <a:p>
+            <a:pPr marL="0" lvl="0" indent="0" eaLnBrk="0" fontAlgn="base" hangingPunct="0">
+              <a:lnSpc>
+                <a:spcPct val="100000"/>
+              </a:lnSpc>
+              <a:spcBef>
+                <a:spcPct val="0"/>
+              </a:spcBef>
+              <a:spcAft>
+                <a:spcPct val="0"/>
+              </a:spcAft>
+              <a:buClrTx/>
+              <a:buSzTx/>
+              <a:buNone/>
+            </a:pPr>
+            <a:r>
+              <a:rPr lang="pl-PL" altLang="pl-PL" sz="1800" dirty="0">
+                <a:latin typeface="Arial" panose="020B0604020202020204" pitchFamily="34" charset="0"/>
+              </a:rPr>
+              <a:t>  -n </a:t>
+            </a:r>
+            <a:r>
+              <a:rPr lang="pl-PL" altLang="pl-PL" sz="1800" dirty="0" err="1">
+                <a:latin typeface="Arial" panose="020B0604020202020204" pitchFamily="34" charset="0"/>
+              </a:rPr>
+              <a:t>default</a:t>
+            </a:r>
+            <a:endParaRPr lang="pl-PL" altLang="pl-PL" sz="1800" dirty="0">
+              <a:latin typeface="Arial" panose="020B0604020202020204" pitchFamily="34" charset="0"/>
+            </a:endParaRPr>
+          </a:p>
+          <a:p>
+            <a:pPr marL="0" lvl="0" indent="0" eaLnBrk="0" fontAlgn="base" hangingPunct="0">
+              <a:lnSpc>
+                <a:spcPct val="100000"/>
+              </a:lnSpc>
+              <a:spcBef>
+                <a:spcPct val="0"/>
+              </a:spcBef>
+              <a:spcAft>
+                <a:spcPct val="0"/>
+              </a:spcAft>
+              <a:buClrTx/>
+              <a:buSzTx/>
+              <a:buNone/>
+            </a:pPr>
+            <a:endParaRPr lang="pl-PL" altLang="pl-PL" sz="1800" dirty="0">
+              <a:latin typeface="Arial" panose="020B0604020202020204" pitchFamily="34" charset="0"/>
+            </a:endParaRPr>
+          </a:p>
+          <a:p>
+            <a:pPr marL="0" lvl="0" indent="0" eaLnBrk="0" fontAlgn="base" hangingPunct="0">
+              <a:lnSpc>
+                <a:spcPct val="100000"/>
+              </a:lnSpc>
+              <a:spcBef>
+                <a:spcPct val="0"/>
+              </a:spcBef>
+              <a:spcAft>
+                <a:spcPct val="0"/>
+              </a:spcAft>
+              <a:buClrTx/>
+              <a:buSzTx/>
+              <a:buNone/>
+            </a:pPr>
+            <a:r>
+              <a:rPr lang="en-US" altLang="pl-PL" sz="1800" dirty="0" err="1">
+                <a:latin typeface="Arial" panose="020B0604020202020204" pitchFamily="34" charset="0"/>
+              </a:rPr>
+              <a:t>kubectl</a:t>
+            </a:r>
+            <a:r>
+              <a:rPr lang="en-US" altLang="pl-PL" sz="1800" dirty="0">
+                <a:latin typeface="Arial" panose="020B0604020202020204" pitchFamily="34" charset="0"/>
+              </a:rPr>
+              <a:t> logs </a:t>
+            </a:r>
+            <a:r>
+              <a:rPr lang="en-US" altLang="pl-PL" sz="1800" dirty="0" err="1">
+                <a:latin typeface="Arial" panose="020B0604020202020204" pitchFamily="34" charset="0"/>
+              </a:rPr>
+              <a:t>kube</a:t>
+            </a:r>
+            <a:r>
+              <a:rPr lang="en-US" altLang="pl-PL" sz="1800" dirty="0">
+                <a:latin typeface="Arial" panose="020B0604020202020204" pitchFamily="34" charset="0"/>
+              </a:rPr>
+              <a:t>-bench-</a:t>
+            </a:r>
+            <a:r>
+              <a:rPr lang="en-US" altLang="pl-PL" sz="1800" dirty="0" err="1">
+                <a:latin typeface="Arial" panose="020B0604020202020204" pitchFamily="34" charset="0"/>
+              </a:rPr>
+              <a:t>jsnck</a:t>
+            </a:r>
+            <a:r>
+              <a:rPr lang="en-US" altLang="pl-PL" sz="1800" dirty="0">
+                <a:latin typeface="Arial" panose="020B0604020202020204" pitchFamily="34" charset="0"/>
+              </a:rPr>
+              <a:t> -n default</a:t>
+            </a:r>
+            <a:endParaRPr lang="pl-PL" altLang="pl-PL" sz="1800" dirty="0">
+              <a:latin typeface="Arial" panose="020B0604020202020204" pitchFamily="34" charset="0"/>
+            </a:endParaRPr>
+          </a:p>
+          <a:p>
+            <a:pPr marL="0" marR="0" lvl="0" indent="0" algn="l" defTabSz="914400" rtl="0" eaLnBrk="0" fontAlgn="base" latinLnBrk="0" hangingPunct="0">
+              <a:lnSpc>
+                <a:spcPct val="100000"/>
+              </a:lnSpc>
+              <a:spcBef>
+                <a:spcPct val="0"/>
+              </a:spcBef>
+              <a:spcAft>
+                <a:spcPct val="0"/>
+              </a:spcAft>
+              <a:buClrTx/>
+              <a:buSzTx/>
+              <a:buFontTx/>
+              <a:buNone/>
+              <a:tabLst/>
+            </a:pPr>
             <a:br>
               <a:rPr kumimoji="0" lang="pl-PL" altLang="pl-PL" sz="1800" b="0" i="0" u="none" strike="noStrike" cap="none" normalizeH="0" baseline="0" dirty="0">
                 <a:ln>
@@ -29534,7 +33151,7 @@
                 </a:solidFill>
                 <a:effectLst/>
                 <a:latin typeface="Arial" panose="020B0604020202020204" pitchFamily="34" charset="0"/>
-                <a:hlinkClick r:id="rId3"/>
+                <a:hlinkClick r:id="rId4"/>
               </a:rPr>
               <a:t>https://github.com/cyberark/kubernetes-rbac-audit</a:t>
             </a:r>
@@ -29564,229 +33181,7 @@
 </p:sld>
 </file>
 
-<file path=ppt/slides/slide3.xml><?xml version="1.0" encoding="utf-8"?>
-<p:sld xmlns:a="http://schemas.openxmlformats.org/drawingml/2006/main" xmlns:r="http://schemas.openxmlformats.org/officeDocument/2006/relationships" xmlns:p="http://schemas.openxmlformats.org/presentationml/2006/main">
-  <p:cSld>
-    <p:spTree>
-      <p:nvGrpSpPr>
-        <p:cNvPr id="1" name=""/>
-        <p:cNvGrpSpPr/>
-        <p:nvPr/>
-      </p:nvGrpSpPr>
-      <p:grpSpPr>
-        <a:xfrm>
-          <a:off x="0" y="0"/>
-          <a:ext cx="0" cy="0"/>
-          <a:chOff x="0" y="0"/>
-          <a:chExt cx="0" cy="0"/>
-        </a:xfrm>
-      </p:grpSpPr>
-      <p:sp>
-        <p:nvSpPr>
-          <p:cNvPr id="2" name="Tytuł 1">
-            <a:extLst>
-              <a:ext uri="{FF2B5EF4-FFF2-40B4-BE49-F238E27FC236}">
-                <a16:creationId xmlns:a16="http://schemas.microsoft.com/office/drawing/2014/main" id="{B800CE0F-BBC6-4148-916A-C66B18E2ADEC}"/>
-              </a:ext>
-            </a:extLst>
-          </p:cNvPr>
-          <p:cNvSpPr>
-            <a:spLocks noGrp="1"/>
-          </p:cNvSpPr>
-          <p:nvPr>
-            <p:ph type="title"/>
-          </p:nvPr>
-        </p:nvSpPr>
-        <p:spPr/>
-        <p:txBody>
-          <a:bodyPr/>
-          <a:lstStyle/>
-          <a:p>
-            <a:r>
-              <a:rPr lang="pl-PL" dirty="0" err="1"/>
-              <a:t>Kubernetes</a:t>
-            </a:r>
-            <a:r>
-              <a:rPr lang="pl-PL" dirty="0"/>
-              <a:t> </a:t>
-            </a:r>
-            <a:r>
-              <a:rPr lang="pl-PL" dirty="0" err="1"/>
-              <a:t>features</a:t>
-            </a:r>
-            <a:endParaRPr lang="pl-PL" dirty="0"/>
-          </a:p>
-        </p:txBody>
-      </p:sp>
-      <p:sp>
-        <p:nvSpPr>
-          <p:cNvPr id="3" name="Symbol zastępczy zawartości 2">
-            <a:extLst>
-              <a:ext uri="{FF2B5EF4-FFF2-40B4-BE49-F238E27FC236}">
-                <a16:creationId xmlns:a16="http://schemas.microsoft.com/office/drawing/2014/main" id="{298D58B9-B40B-4D2D-A33D-88C8A6A7B224}"/>
-              </a:ext>
-            </a:extLst>
-          </p:cNvPr>
-          <p:cNvSpPr>
-            <a:spLocks noGrp="1"/>
-          </p:cNvSpPr>
-          <p:nvPr>
-            <p:ph idx="1"/>
-          </p:nvPr>
-        </p:nvSpPr>
-        <p:spPr>
-          <a:xfrm>
-            <a:off x="1024128" y="1721795"/>
-            <a:ext cx="9720073" cy="4698459"/>
-          </a:xfrm>
-        </p:spPr>
-        <p:txBody>
-          <a:bodyPr>
-            <a:normAutofit/>
-          </a:bodyPr>
-          <a:lstStyle/>
-          <a:p>
-            <a:r>
-              <a:rPr lang="en-US" dirty="0"/>
-              <a:t>Kubernetes offers a very rich set of features for container orchestration. Some of its fully supported features are:</a:t>
-            </a:r>
-          </a:p>
-          <a:p>
-            <a:pPr lvl="1"/>
-            <a:r>
-              <a:rPr lang="en-US" b="1" dirty="0"/>
-              <a:t>Automatic </a:t>
-            </a:r>
-            <a:r>
-              <a:rPr lang="en-US" b="1" dirty="0" err="1"/>
-              <a:t>binpacking</a:t>
-            </a:r>
-            <a:br>
-              <a:rPr lang="en-US" dirty="0"/>
-            </a:br>
-            <a:r>
-              <a:rPr lang="en-US" dirty="0"/>
-              <a:t>Kubernetes automatically schedules the containers based on resource usage and constraints, without sacrificing the availability.</a:t>
-            </a:r>
-          </a:p>
-          <a:p>
-            <a:pPr lvl="1"/>
-            <a:r>
-              <a:rPr lang="en-US" b="1" dirty="0">
-                <a:solidFill>
-                  <a:srgbClr val="FF0000"/>
-                </a:solidFill>
-              </a:rPr>
-              <a:t>Self-healing</a:t>
-            </a:r>
-            <a:br>
-              <a:rPr lang="en-US" dirty="0"/>
-            </a:br>
-            <a:r>
-              <a:rPr lang="en-US" dirty="0"/>
-              <a:t>Kubernetes automatically replaces and reschedules the containers from failed nodes. It also kills and restarts the containers which do not respond to health checks, based on existing rules/policy.</a:t>
-            </a:r>
-          </a:p>
-          <a:p>
-            <a:pPr lvl="1"/>
-            <a:r>
-              <a:rPr lang="en-US" b="1" dirty="0">
-                <a:solidFill>
-                  <a:srgbClr val="FF0000"/>
-                </a:solidFill>
-              </a:rPr>
-              <a:t>Horizontal scaling</a:t>
-            </a:r>
-            <a:br>
-              <a:rPr lang="en-US" dirty="0"/>
-            </a:br>
-            <a:r>
-              <a:rPr lang="en-US" dirty="0"/>
-              <a:t>Kubernetes can automatically scale applications based on resource usage like CPU and memory. In some cases, it also supports dynamic scaling based on customer metrics.</a:t>
-            </a:r>
-          </a:p>
-          <a:p>
-            <a:pPr lvl="1"/>
-            <a:r>
-              <a:rPr lang="en-US" b="1" dirty="0">
-                <a:solidFill>
-                  <a:srgbClr val="FF0000"/>
-                </a:solidFill>
-              </a:rPr>
-              <a:t>Service discovery and Load balancing</a:t>
-            </a:r>
-            <a:br>
-              <a:rPr lang="en-US" dirty="0"/>
-            </a:br>
-            <a:r>
-              <a:rPr lang="en-US" dirty="0"/>
-              <a:t>Kubernetes groups sets of containers and refers to them via a DNS name. This DNS name is also called a Kubernetes </a:t>
-            </a:r>
-            <a:r>
-              <a:rPr lang="en-US" b="1" dirty="0"/>
-              <a:t>service</a:t>
-            </a:r>
-            <a:r>
-              <a:rPr lang="en-US" dirty="0"/>
-              <a:t>. Kubernetes can discover these services automatically, and load-balance requests between containers of a given service.</a:t>
-            </a:r>
-          </a:p>
-        </p:txBody>
-      </p:sp>
-      <p:sp>
-        <p:nvSpPr>
-          <p:cNvPr id="4" name="Prostokąt 3">
-            <a:extLst>
-              <a:ext uri="{FF2B5EF4-FFF2-40B4-BE49-F238E27FC236}">
-                <a16:creationId xmlns:a16="http://schemas.microsoft.com/office/drawing/2014/main" id="{B5234143-7352-4DDE-A684-D810C32C97E8}"/>
-              </a:ext>
-            </a:extLst>
-          </p:cNvPr>
-          <p:cNvSpPr/>
-          <p:nvPr/>
-        </p:nvSpPr>
-        <p:spPr>
-          <a:xfrm>
-            <a:off x="1217613" y="6325862"/>
-            <a:ext cx="6175408" cy="646331"/>
-          </a:xfrm>
-          <a:prstGeom prst="rect">
-            <a:avLst/>
-          </a:prstGeom>
-        </p:spPr>
-        <p:txBody>
-          <a:bodyPr wrap="square">
-            <a:spAutoFit/>
-          </a:bodyPr>
-          <a:lstStyle/>
-          <a:p>
-            <a:r>
-              <a:rPr lang="pl-PL" dirty="0">
-                <a:hlinkClick r:id="rId2"/>
-              </a:rPr>
-              <a:t>https://sites.google.com/site/edxkubernetes/home</a:t>
-            </a:r>
-            <a:endParaRPr lang="pl-PL" dirty="0"/>
-          </a:p>
-          <a:p>
-            <a:endParaRPr lang="pl-PL" dirty="0"/>
-          </a:p>
-        </p:txBody>
-      </p:sp>
-    </p:spTree>
-    <p:extLst>
-      <p:ext uri="{BB962C8B-B14F-4D97-AF65-F5344CB8AC3E}">
-        <p14:creationId xmlns:p14="http://schemas.microsoft.com/office/powerpoint/2010/main" val="393759647"/>
-      </p:ext>
-    </p:extLst>
-  </p:cSld>
-  <p:clrMapOvr>
-    <a:masterClrMapping/>
-  </p:clrMapOvr>
-</p:sld>
-</file>
-
-<file path=ppt/slides/slide30.xml><?xml version="1.0" encoding="utf-8"?>
+<file path=ppt/slides/slide34.xml><?xml version="1.0" encoding="utf-8"?>
 <p:sld xmlns:a="http://schemas.openxmlformats.org/drawingml/2006/main" xmlns:r="http://schemas.openxmlformats.org/officeDocument/2006/relationships" xmlns:p="http://schemas.openxmlformats.org/presentationml/2006/main">
   <p:cSld>
     <p:spTree>
@@ -32406,6 +35801,69 @@
           </a:p>
           <a:p>
             <a:endParaRPr lang="pl-PL" dirty="0"/>
+          </a:p>
+        </p:txBody>
+      </p:sp>
+      <p:sp>
+        <p:nvSpPr>
+          <p:cNvPr id="4" name="Prostokąt 3">
+            <a:extLst>
+              <a:ext uri="{FF2B5EF4-FFF2-40B4-BE49-F238E27FC236}">
+                <a16:creationId xmlns:a16="http://schemas.microsoft.com/office/drawing/2014/main" id="{C629E95F-2EC7-47E9-822E-CADF2DA71829}"/>
+              </a:ext>
+            </a:extLst>
+          </p:cNvPr>
+          <p:cNvSpPr/>
+          <p:nvPr/>
+        </p:nvSpPr>
+        <p:spPr>
+          <a:xfrm>
+            <a:off x="1201235" y="4712915"/>
+            <a:ext cx="2872002" cy="1200329"/>
+          </a:xfrm>
+          <a:prstGeom prst="rect">
+            <a:avLst/>
+          </a:prstGeom>
+        </p:spPr>
+        <p:txBody>
+          <a:bodyPr wrap="square">
+            <a:spAutoFit/>
+          </a:bodyPr>
+          <a:lstStyle/>
+          <a:p>
+            <a:r>
+              <a:rPr lang="pl-PL" sz="2400" dirty="0" err="1"/>
+              <a:t>kind</a:t>
+            </a:r>
+            <a:r>
+              <a:rPr lang="pl-PL" sz="2400" dirty="0"/>
+              <a:t>: </a:t>
+            </a:r>
+            <a:r>
+              <a:rPr lang="pl-PL" sz="2400" dirty="0" err="1"/>
+              <a:t>Namespace</a:t>
+            </a:r>
+            <a:endParaRPr lang="pl-PL" sz="2400" dirty="0"/>
+          </a:p>
+          <a:p>
+            <a:r>
+              <a:rPr lang="pl-PL" sz="2400" dirty="0" err="1"/>
+              <a:t>apiVersion</a:t>
+            </a:r>
+            <a:r>
+              <a:rPr lang="pl-PL" sz="2400" dirty="0"/>
+              <a:t>: v1</a:t>
+            </a:r>
+          </a:p>
+          <a:p>
+            <a:r>
+              <a:rPr lang="pl-PL" sz="2400" dirty="0" err="1"/>
+              <a:t>metadata</a:t>
+            </a:r>
+            <a:r>
+              <a:rPr lang="pl-PL" sz="2400" dirty="0"/>
+              <a:t>:</a:t>
+            </a:r>
           </a:p>
         </p:txBody>
       </p:sp>
